--- a/Presentation-Soutenance-Mickaelio.pptx
+++ b/Presentation-Soutenance-Mickaelio.pptx
@@ -5,7 +5,7 @@
     <p:sldMasterId id="2147483660" r:id="rId1"/>
   </p:sldMasterIdLst>
   <p:notesMasterIdLst>
-    <p:notesMasterId r:id="rId21"/>
+    <p:notesMasterId r:id="rId24"/>
   </p:notesMasterIdLst>
   <p:sldIdLst>
     <p:sldId id="288" r:id="rId2"/>
@@ -22,11 +22,14 @@
     <p:sldId id="294" r:id="rId13"/>
     <p:sldId id="295" r:id="rId14"/>
     <p:sldId id="296" r:id="rId15"/>
-    <p:sldId id="297" r:id="rId16"/>
-    <p:sldId id="290" r:id="rId17"/>
-    <p:sldId id="270" r:id="rId18"/>
-    <p:sldId id="285" r:id="rId19"/>
-    <p:sldId id="281" r:id="rId20"/>
+    <p:sldId id="298" r:id="rId16"/>
+    <p:sldId id="299" r:id="rId17"/>
+    <p:sldId id="300" r:id="rId18"/>
+    <p:sldId id="297" r:id="rId19"/>
+    <p:sldId id="290" r:id="rId20"/>
+    <p:sldId id="270" r:id="rId21"/>
+    <p:sldId id="285" r:id="rId22"/>
+    <p:sldId id="281" r:id="rId23"/>
   </p:sldIdLst>
   <p:sldSz cx="9144000" cy="5143500" type="screen16x9"/>
   <p:notesSz cx="6858000" cy="9144000"/>
@@ -1588,15 +1591,45 @@
           </a:bodyPr>
           <a:lstStyle/>
           <a:p>
-            <a:pPr marL="0" lvl="0" indent="0" algn="l" rtl="0">
-              <a:spcBef>
-                <a:spcPts val="0"/>
-              </a:spcBef>
-              <a:spcAft>
-                <a:spcPts val="0"/>
-              </a:spcAft>
-              <a:buNone/>
-            </a:pPr>
+            <a:r>
+              <a:rPr lang="fr-FR" sz="900" b="0" i="0" u="none" strike="noStrike" cap="none" dirty="0" smtClean="0">
+                <a:solidFill>
+                  <a:schemeClr val="dk1"/>
+                </a:solidFill>
+                <a:effectLst/>
+                <a:latin typeface="Calibri"/>
+                <a:ea typeface="Calibri"/>
+                <a:cs typeface="Calibri"/>
+                <a:sym typeface="Calibri"/>
+              </a:rPr>
+              <a:t>Merci de m’avoir donner</a:t>
+            </a:r>
+            <a:r>
+              <a:rPr lang="fr-FR" sz="900" b="0" i="0" u="none" strike="noStrike" cap="none" baseline="0" dirty="0" smtClean="0">
+                <a:solidFill>
+                  <a:schemeClr val="dk1"/>
+                </a:solidFill>
+                <a:effectLst/>
+                <a:latin typeface="Calibri"/>
+                <a:ea typeface="Calibri"/>
+                <a:cs typeface="Calibri"/>
+                <a:sym typeface="Calibri"/>
+              </a:rPr>
+              <a:t> la parole, cher membre des jurys , les personnes ici présent, </a:t>
+            </a:r>
+            <a:r>
+              <a:rPr lang="fr-FR" sz="900" b="0" i="0" u="none" strike="noStrike" cap="none" dirty="0" smtClean="0">
+                <a:solidFill>
+                  <a:schemeClr val="dk1"/>
+                </a:solidFill>
+                <a:effectLst/>
+                <a:latin typeface="Calibri"/>
+                <a:ea typeface="Calibri"/>
+                <a:cs typeface="Calibri"/>
+                <a:sym typeface="Calibri"/>
+              </a:rPr>
+              <a:t>Bonjour</a:t>
+            </a:r>
             <a:endParaRPr dirty="0"/>
           </a:p>
         </p:txBody>
@@ -1766,7 +1799,11 @@
               </a:spcAft>
               <a:buNone/>
             </a:pPr>
-            <a:endParaRPr/>
+            <a:r>
+              <a:rPr lang="fr-FR" dirty="0" smtClean="0"/>
+              <a:t>La gestion des activités académiques et administratives à la Faculté des Sciences est actuellement effectuée de manière manuelle. Les enseignants assurent la distribution des cours et des devoirs au délégué des classes, qui se charge ensuite de les transmettre à l'ensemble des étudiants.</a:t>
+            </a:r>
+            <a:endParaRPr dirty="0"/>
           </a:p>
         </p:txBody>
       </p:sp>
@@ -1932,7 +1969,7 @@
             </a:pPr>
             <a:r>
               <a:rPr lang="fr-FR" dirty="0" smtClean="0"/>
-              <a:t>Il semble y avoir plusieurs problématiques liées à l'organisation actuelle des activités académiques et administratives à la faculté de sciences, notamment :</a:t>
+              <a:t>Il semble y avoir plusieurs problématiques liées à l'organisation actuelle, notamment :</a:t>
             </a:r>
           </a:p>
           <a:p>
@@ -2348,7 +2385,7 @@
             </a:pPr>
             <a:r>
               <a:rPr lang="fr-FR" dirty="0" smtClean="0"/>
-              <a:t>Bien sûr, voici quelques solutions possibles pour remédier aux problématiques identifiées dans l'organisation actuelle de la faculté de sciences :</a:t>
+              <a:t> Voici quelques propositions de solutions pour résoudre les problèmes détectés dans l'organisation actuelle de la Faculté des Sciences :</a:t>
             </a:r>
           </a:p>
           <a:p>
@@ -2968,7 +3005,7 @@
             </a:pPr>
             <a:r>
               <a:rPr lang="fr-FR" dirty="0" smtClean="0"/>
-              <a:t>Absolument, voici une liste d'objectifs spécifiques liés à la mise en place de la plateforme éducative en ligne pour créer un environnement interactif à la faculté de sciences :</a:t>
+              <a:t>Voici une série d'objectifs spécifiques liés à l'implémentation d'une plateforme éducative en ligne visant à instaurer un environnement interactif au sein de la Faculté des Sciences :</a:t>
             </a:r>
           </a:p>
           <a:p>
@@ -3881,7 +3918,19 @@
               </a:spcAft>
               <a:buNone/>
             </a:pPr>
-            <a:endParaRPr/>
+            <a:r>
+              <a:rPr lang="fr-FR" dirty="0" smtClean="0"/>
+              <a:t>Dans cette</a:t>
+            </a:r>
+            <a:r>
+              <a:rPr lang="fr-FR" baseline="0" dirty="0" smtClean="0"/>
+              <a:t> partie</a:t>
+            </a:r>
+            <a:r>
+              <a:rPr lang="fr-FR" dirty="0" smtClean="0"/>
+              <a:t>, je vais aborder les outils qu’on a utilisés lors du développement de la plateforme.</a:t>
+            </a:r>
+            <a:endParaRPr dirty="0"/>
           </a:p>
         </p:txBody>
       </p:sp>
@@ -3925,7 +3974,7 @@
             </a:pPr>
             <a:fld id="{00000000-1234-1234-1234-123412341234}" type="slidenum">
               <a:rPr lang="tr-TR"/>
-              <a:t>15</a:t>
+              <a:t>18</a:t>
             </a:fld>
             <a:endParaRPr/>
           </a:p>
@@ -4050,7 +4099,79 @@
               </a:spcAft>
               <a:buNone/>
             </a:pPr>
-            <a:endParaRPr/>
+            <a:r>
+              <a:rPr lang="fr-FR" dirty="0" smtClean="0"/>
+              <a:t>-Nous avons opté pour l'utilisation de Visual Studio Code en tant qu'environnement de développement.</a:t>
+            </a:r>
+          </a:p>
+          <a:p>
+            <a:pPr marL="0" lvl="0" indent="0" algn="l" rtl="0">
+              <a:spcBef>
+                <a:spcPts val="0"/>
+              </a:spcBef>
+              <a:spcAft>
+                <a:spcPts val="0"/>
+              </a:spcAft>
+              <a:buNone/>
+            </a:pPr>
+            <a:r>
+              <a:rPr lang="fr-FR" dirty="0" smtClean="0"/>
+              <a:t>-Nous avons choisi Visual </a:t>
+            </a:r>
+            <a:r>
+              <a:rPr lang="fr-FR" dirty="0" err="1" smtClean="0"/>
+              <a:t>Paradigm</a:t>
+            </a:r>
+            <a:r>
+              <a:rPr lang="fr-FR" dirty="0" smtClean="0"/>
+              <a:t> pour la modélisation lors du processus de conception.</a:t>
+            </a:r>
+          </a:p>
+          <a:p>
+            <a:pPr marL="0" lvl="0" indent="0" algn="l" rtl="0">
+              <a:spcBef>
+                <a:spcPts val="0"/>
+              </a:spcBef>
+              <a:spcAft>
+                <a:spcPts val="0"/>
+              </a:spcAft>
+              <a:buNone/>
+            </a:pPr>
+            <a:r>
+              <a:rPr lang="fr-FR" dirty="0" smtClean="0"/>
+              <a:t>-Nous avons employé React.js pour élaborer l'interface utilisateur de notre plateforme.</a:t>
+            </a:r>
+          </a:p>
+          <a:p>
+            <a:pPr marL="0" lvl="0" indent="0" algn="l" rtl="0">
+              <a:spcBef>
+                <a:spcPts val="0"/>
+              </a:spcBef>
+              <a:spcAft>
+                <a:spcPts val="0"/>
+              </a:spcAft>
+              <a:buNone/>
+            </a:pPr>
+            <a:r>
+              <a:rPr lang="fr-FR" dirty="0" smtClean="0"/>
+              <a:t>-Nous avons utilisé Node.js du côté serveur pour rendre dynamique la génération du contenu de notre plateforme.</a:t>
+            </a:r>
+          </a:p>
+          <a:p>
+            <a:pPr marL="0" lvl="0" indent="0" algn="l" rtl="0">
+              <a:spcBef>
+                <a:spcPts val="0"/>
+              </a:spcBef>
+              <a:spcAft>
+                <a:spcPts val="0"/>
+              </a:spcAft>
+              <a:buNone/>
+            </a:pPr>
+            <a:r>
+              <a:rPr lang="fr-FR" dirty="0" smtClean="0"/>
+              <a:t>-Nous avons utilisé MySQL pour administrer la base de données.</a:t>
+            </a:r>
+            <a:endParaRPr dirty="0"/>
           </a:p>
         </p:txBody>
       </p:sp>
@@ -4094,7 +4215,7 @@
             </a:pPr>
             <a:fld id="{00000000-1234-1234-1234-123412341234}" type="slidenum">
               <a:rPr lang="tr-TR"/>
-              <a:t>16</a:t>
+              <a:t>19</a:t>
             </a:fld>
             <a:endParaRPr/>
           </a:p>
@@ -4263,7 +4384,7 @@
             </a:pPr>
             <a:fld id="{00000000-1234-1234-1234-123412341234}" type="slidenum">
               <a:rPr lang="tr-TR"/>
-              <a:t>17</a:t>
+              <a:t>20</a:t>
             </a:fld>
             <a:endParaRPr/>
           </a:p>
@@ -4383,6 +4504,10 @@
               </a:spcAft>
               <a:buNone/>
             </a:pPr>
+            <a:r>
+              <a:rPr lang="fr-FR" dirty="0" smtClean="0"/>
+              <a:t>En conclusion, la réussite d'un projet repose sur une conception solide et une organisation méticuleuse, surtout en alternance. Notre projet de création d'une plateforme éducative en ligne a été minutieusement élaboré en tenant compte des besoins essentiels des acteurs clés tels que l'administrateur, les enseignants et les étudiants. L'application a pleinement répondu à ces exigences fonctionnelles, transformant chaque spécification de l'analyse en modules intégrés accessibles selon les droits d'accès correspondants. Pour mener à bien ce projet, nous avons adopté la méthode 2TUP de conception avec le langage de modélisation UML, appuyé par les technologies Node.js et React.js, ainsi que la base de données MySQL. L'outil de modélisation VP-UML a également joué un rôle essentiel. Cette initiative confirme notre engagement envers l'amélioration de l'accès à l'éducation, l'amélioration de la qualité de l'apprentissage en ligne et la promotion de l'efficacité pédagogique.</a:t>
+            </a:r>
             <a:endParaRPr dirty="0"/>
           </a:p>
         </p:txBody>
@@ -4427,7 +4552,7 @@
             </a:pPr>
             <a:fld id="{00000000-1234-1234-1234-123412341234}" type="slidenum">
               <a:rPr lang="tr-TR"/>
-              <a:t>18</a:t>
+              <a:t>21</a:t>
             </a:fld>
             <a:endParaRPr/>
           </a:p>
@@ -4554,7 +4679,7 @@
             </a:pPr>
             <a:r>
               <a:rPr lang="fr-FR" dirty="0" smtClean="0"/>
-              <a:t>Je vous remercie pour votre attention. Je suis maintenant prêt(e) à recevoir vos questions et à échanger sur les détails fascinants de ce projet qui marie technologie et éducation. À vous de jouer !</a:t>
+              <a:t>Ma présentation touche à sa fin. Je suis à votre disposition pour répondre à vos questions ou pour accueillir vos éventuelles remarques. Merci infiniment de votre attention.</a:t>
             </a:r>
           </a:p>
           <a:p>
@@ -4581,19 +4706,24 @@
             </a:pPr>
             <a:r>
               <a:rPr lang="fr-FR" dirty="0" smtClean="0"/>
-              <a:t>Mesdames et Messieurs, membres du corps professoral et invités distingués,</a:t>
+              <a:t>application web </a:t>
             </a:r>
-          </a:p>
-          <a:p>
-            <a:pPr marL="0" lvl="0" indent="0" algn="l" rtl="0">
-              <a:spcBef>
-                <a:spcPts val="0"/>
-              </a:spcBef>
-              <a:spcAft>
-                <a:spcPts val="0"/>
-              </a:spcAft>
-              <a:buNone/>
-            </a:pPr>
+            <a:r>
+              <a:rPr lang="fr-FR" dirty="0" smtClean="0"/>
+              <a:t>et </a:t>
+            </a:r>
+            <a:r>
+              <a:rPr lang="fr-FR" dirty="0" smtClean="0"/>
+              <a:t>plateforme </a:t>
+            </a:r>
+            <a:r>
+              <a:rPr lang="fr-FR" dirty="0" smtClean="0"/>
+              <a:t>web</a:t>
+            </a:r>
+            <a:r>
+              <a:rPr lang="fr-FR" dirty="0" smtClean="0"/>
+              <a:t>"</a:t>
+            </a:r>
             <a:endParaRPr lang="fr-FR" dirty="0" smtClean="0"/>
           </a:p>
           <a:p>
@@ -4608,20 +4738,8 @@
             </a:pPr>
             <a:r>
               <a:rPr lang="fr-FR" dirty="0" smtClean="0"/>
-              <a:t>C'est avec un immense plaisir et un sentiment d'accomplissement que je me tiens devant vous aujourd'hui pour présenter le fruit de mois de dévouement, de travail acharné et d'innovation, le résultat final de mon parcours académique sous la forme de ce mémoire.</a:t>
+              <a:t>1. **Application Web :**</a:t>
             </a:r>
-          </a:p>
-          <a:p>
-            <a:pPr marL="0" lvl="0" indent="0" algn="l" rtl="0">
-              <a:spcBef>
-                <a:spcPts val="0"/>
-              </a:spcBef>
-              <a:spcAft>
-                <a:spcPts val="0"/>
-              </a:spcAft>
-              <a:buNone/>
-            </a:pPr>
-            <a:endParaRPr lang="fr-FR" dirty="0" smtClean="0"/>
           </a:p>
           <a:p>
             <a:pPr marL="0" lvl="0" indent="0" algn="l" rtl="0">
@@ -4635,19 +4753,12 @@
             </a:pPr>
             <a:r>
               <a:rPr lang="fr-FR" dirty="0" smtClean="0"/>
-              <a:t>Notre projet ambitieux visait à redéfinir le paysage de l'éducation grâce au développement d'une plateforme d'apprentissage en ligne novatrice. Notre vision était simple mais puissante : offrir aux éducateurs un espace dédié pour créer des cours interactifs, partager des ressources pédagogiques diverses (allant de documents PDF à des vidéos) et administrer des devoirs de manière transparente. Du côté des étudiants, la plateforme leur donnait la possibilité de s'inscrire facilement aux cours, d'accéder aux contenus pédagogiques, de soumettre leurs devoirs en ligne et de favoriser la communication avec leurs enseignants.</a:t>
+              <a:t>   </a:t>
             </a:r>
-          </a:p>
-          <a:p>
-            <a:pPr marL="0" lvl="0" indent="0" algn="l" rtl="0">
-              <a:spcBef>
-                <a:spcPts val="0"/>
-              </a:spcBef>
-              <a:spcAft>
-                <a:spcPts val="0"/>
-              </a:spcAft>
-              <a:buNone/>
-            </a:pPr>
+            <a:r>
+              <a:rPr lang="fr-FR" dirty="0" smtClean="0"/>
+              <a:t>"Une application web, accessible via un navigateur, offre diverses fonctionnalités, allant de l'interactivité simple à des systèmes complexes, répondant à des besoins spécifiques et focalisée sur une fonction principale ou un ensemble de tâches connexes."</a:t>
+            </a:r>
             <a:endParaRPr lang="fr-FR" dirty="0" smtClean="0"/>
           </a:p>
           <a:p>
@@ -4662,20 +4773,8 @@
             </a:pPr>
             <a:r>
               <a:rPr lang="fr-FR" dirty="0" smtClean="0"/>
-              <a:t>Notre projet a été motivé par un profond engagement envers l'amélioration de l'accessibilité à l'éducation et la création d'un environnement éducatif à la fois innovant et efficace. Tout au long de ce parcours, nous avons accordé une importance primordiale à la conception conviviale, à la sécurité des données et à l'excellence pédagogique pour garantir une expérience d'apprentissage en ligne holistique et enrichissante.</a:t>
+              <a:t>2. **Plateforme Web :**</a:t>
             </a:r>
-          </a:p>
-          <a:p>
-            <a:pPr marL="0" lvl="0" indent="0" algn="l" rtl="0">
-              <a:spcBef>
-                <a:spcPts val="0"/>
-              </a:spcBef>
-              <a:spcAft>
-                <a:spcPts val="0"/>
-              </a:spcAft>
-              <a:buNone/>
-            </a:pPr>
-            <a:endParaRPr lang="fr-FR" dirty="0" smtClean="0"/>
           </a:p>
           <a:p>
             <a:pPr marL="0" lvl="0" indent="0" algn="l" rtl="0">
@@ -4689,7 +4788,11 @@
             </a:pPr>
             <a:r>
               <a:rPr lang="fr-FR" dirty="0" smtClean="0"/>
-              <a:t>En explorant les subtilités de notre plateforme, vous découvrirez la fusion entre la technologie de pointe et l'expertise pédagogique. De la création de cours interactifs à la soumission transparente des devoirs, chaque aspect a été minutieusement conçu pour améliorer le processus d'enseignement et d'apprentissage.</a:t>
+              <a:t>   </a:t>
+            </a:r>
+            <a:r>
+              <a:rPr lang="fr-FR" dirty="0" smtClean="0"/>
+              <a:t>"Une plateforme web, regroupant services, outils et applications interconnectés, constitue un environnement complet pour une variété d'activités, se différenciant des applications web par son ambition de fournir une gamme étendue de fonctionnalités destinées à soutenir divers processus liés à un domaine spécifique.« </a:t>
             </a:r>
           </a:p>
           <a:p>
@@ -4703,6 +4806,196 @@
               <a:buNone/>
             </a:pPr>
             <a:endParaRPr lang="fr-FR" dirty="0" smtClean="0"/>
+          </a:p>
+          <a:p>
+            <a:pPr marL="0" lvl="0" indent="0" algn="l" rtl="0">
+              <a:spcBef>
+                <a:spcPts val="0"/>
+              </a:spcBef>
+              <a:spcAft>
+                <a:spcPts val="0"/>
+              </a:spcAft>
+              <a:buNone/>
+            </a:pPr>
+            <a:endParaRPr lang="fr-FR" dirty="0" smtClean="0"/>
+          </a:p>
+          <a:p>
+            <a:r>
+              <a:rPr lang="fr-FR" dirty="0" smtClean="0"/>
+              <a:t>Pourquoi plateforme web</a:t>
+            </a:r>
+            <a:r>
+              <a:rPr lang="fr-FR" baseline="0" dirty="0" smtClean="0"/>
+              <a:t> :  </a:t>
+            </a:r>
+            <a:r>
+              <a:rPr lang="fr-FR" sz="900" b="0" i="0" u="none" strike="noStrike" cap="none" dirty="0" smtClean="0">
+                <a:solidFill>
+                  <a:schemeClr val="dk1"/>
+                </a:solidFill>
+                <a:effectLst/>
+                <a:latin typeface="Calibri"/>
+                <a:ea typeface="Calibri"/>
+                <a:cs typeface="Calibri"/>
+                <a:sym typeface="Calibri"/>
+              </a:rPr>
+              <a:t>Une plateforme web pourrait impliquer plusieurs fonctionnalités interconnectées, des services divers, et un environnement complet pour soutenir la communication et l'éducation.</a:t>
+            </a:r>
+          </a:p>
+          <a:p>
+            <a:r>
+              <a:rPr lang="fr-FR" sz="900" b="0" i="0" u="none" strike="noStrike" cap="none" dirty="0" smtClean="0">
+                <a:solidFill>
+                  <a:schemeClr val="dk1"/>
+                </a:solidFill>
+                <a:effectLst/>
+                <a:latin typeface="Calibri"/>
+                <a:ea typeface="Calibri"/>
+                <a:cs typeface="Calibri"/>
+                <a:sym typeface="Calibri"/>
+              </a:rPr>
+              <a:t>D'autre part, une "application web" pourrait être plus orientée vers une fonction spécifique sans nécessairement offrir la même étendue de services interconnectés.</a:t>
+            </a:r>
+          </a:p>
+          <a:p>
+            <a:pPr marL="0" lvl="0" indent="0" algn="l" rtl="0">
+              <a:spcBef>
+                <a:spcPts val="0"/>
+              </a:spcBef>
+              <a:spcAft>
+                <a:spcPts val="0"/>
+              </a:spcAft>
+              <a:buNone/>
+            </a:pPr>
+            <a:endParaRPr lang="fr-FR" dirty="0" smtClean="0"/>
+          </a:p>
+          <a:p>
+            <a:pPr marL="0" lvl="0" indent="0" algn="l" rtl="0">
+              <a:spcBef>
+                <a:spcPts val="0"/>
+              </a:spcBef>
+              <a:spcAft>
+                <a:spcPts val="0"/>
+              </a:spcAft>
+              <a:buNone/>
+            </a:pPr>
+            <a:endParaRPr lang="fr-FR" dirty="0" smtClean="0"/>
+          </a:p>
+          <a:p>
+            <a:pPr marL="0" lvl="0" indent="0" algn="l" rtl="0">
+              <a:spcBef>
+                <a:spcPts val="0"/>
+              </a:spcBef>
+              <a:spcAft>
+                <a:spcPts val="0"/>
+              </a:spcAft>
+              <a:buNone/>
+            </a:pPr>
+            <a:endParaRPr lang="fr-FR" dirty="0" smtClean="0"/>
+          </a:p>
+          <a:p>
+            <a:r>
+              <a:rPr lang="fr-FR" sz="900" b="0" i="0" u="none" strike="noStrike" cap="none" dirty="0" smtClean="0">
+                <a:solidFill>
+                  <a:schemeClr val="dk1"/>
+                </a:solidFill>
+                <a:effectLst/>
+                <a:latin typeface="Calibri"/>
+                <a:ea typeface="Calibri"/>
+                <a:cs typeface="Calibri"/>
+                <a:sym typeface="Calibri"/>
+              </a:rPr>
+              <a:t>A</a:t>
+            </a:r>
+            <a:r>
+              <a:rPr lang="fr-FR" sz="900" b="0" i="0" u="none" strike="noStrike" cap="none" baseline="0" dirty="0" smtClean="0">
+                <a:solidFill>
+                  <a:schemeClr val="dk1"/>
+                </a:solidFill>
+                <a:effectLst/>
+                <a:latin typeface="Calibri"/>
+                <a:ea typeface="Calibri"/>
+                <a:cs typeface="Calibri"/>
+                <a:sym typeface="Calibri"/>
+              </a:rPr>
+              <a:t> quoi sert : </a:t>
+            </a:r>
+            <a:r>
+              <a:rPr lang="fr-FR" sz="900" b="0" i="0" u="none" strike="noStrike" cap="none" dirty="0" smtClean="0">
+                <a:solidFill>
+                  <a:schemeClr val="dk1"/>
+                </a:solidFill>
+                <a:effectLst/>
+                <a:latin typeface="Calibri"/>
+                <a:ea typeface="Calibri"/>
+                <a:cs typeface="Calibri"/>
+                <a:sym typeface="Calibri"/>
+              </a:rPr>
+              <a:t>La </a:t>
+            </a:r>
+            <a:r>
+              <a:rPr lang="fr-FR" sz="900" b="0" i="0" u="none" strike="noStrike" cap="none" dirty="0" smtClean="0">
+                <a:solidFill>
+                  <a:schemeClr val="dk1"/>
+                </a:solidFill>
+                <a:effectLst/>
+                <a:latin typeface="Calibri"/>
+                <a:ea typeface="Calibri"/>
+                <a:cs typeface="Calibri"/>
+                <a:sym typeface="Calibri"/>
+              </a:rPr>
+              <a:t>plateforme peut offrir des outils de communication efficaces, favorisant l'interaction entre les membres de la communauté éducative, que ce soit entre étudiants, enseignants, ou administrateurs.</a:t>
+            </a:r>
+            <a:br>
+              <a:rPr lang="fr-FR" sz="900" b="0" i="0" u="none" strike="noStrike" cap="none" dirty="0" smtClean="0">
+                <a:solidFill>
+                  <a:schemeClr val="dk1"/>
+                </a:solidFill>
+                <a:effectLst/>
+                <a:latin typeface="Calibri"/>
+                <a:ea typeface="Calibri"/>
+                <a:cs typeface="Calibri"/>
+                <a:sym typeface="Calibri"/>
+              </a:rPr>
+            </a:br>
+            <a:r>
+              <a:rPr lang="fr-FR" sz="900" b="0" i="0" u="none" strike="noStrike" cap="none" dirty="0" smtClean="0">
+                <a:solidFill>
+                  <a:schemeClr val="dk1"/>
+                </a:solidFill>
+                <a:effectLst/>
+                <a:latin typeface="Calibri"/>
+                <a:ea typeface="Calibri"/>
+                <a:cs typeface="Calibri"/>
+                <a:sym typeface="Calibri"/>
+              </a:rPr>
+              <a:t/>
+            </a:r>
+            <a:br>
+              <a:rPr lang="fr-FR" sz="900" b="0" i="0" u="none" strike="noStrike" cap="none" dirty="0" smtClean="0">
+                <a:solidFill>
+                  <a:schemeClr val="dk1"/>
+                </a:solidFill>
+                <a:effectLst/>
+                <a:latin typeface="Calibri"/>
+                <a:ea typeface="Calibri"/>
+                <a:cs typeface="Calibri"/>
+                <a:sym typeface="Calibri"/>
+              </a:rPr>
+            </a:br>
+            <a:endParaRPr lang="en-US" dirty="0" smtClean="0"/>
+          </a:p>
+          <a:p>
+            <a:pPr marL="0" lvl="0" indent="0" algn="l" rtl="0">
+              <a:spcBef>
+                <a:spcPts val="0"/>
+              </a:spcBef>
+              <a:spcAft>
+                <a:spcPts val="0"/>
+              </a:spcAft>
+              <a:buNone/>
+            </a:pPr>
+            <a:endParaRPr lang="en-US" dirty="0" smtClean="0"/>
           </a:p>
           <a:p>
             <a:pPr marL="0" lvl="0" indent="0" algn="l" rtl="0">
@@ -4716,7 +5009,7 @@
             </a:pPr>
             <a:r>
               <a:rPr lang="fr-FR" dirty="0" smtClean="0"/>
-              <a:t>Ce parcours n'a pas seulement été une entreprise académique, mais une poursuite passionnée visant à contribuer à l'évolution de l'éducation. Alors que nous explorons les détails de notre travail, je vous invite à vous joindre à moi pour célébrer le potentiel de la technologie à transformer l'éducation et à faire de l'apprentissage une expérience engageante, accessible et collaborative pour tous.</a:t>
+              <a:t>La plateforme vise à améliorer la communication au sein de la communauté éducative de plusieurs manières :</a:t>
             </a:r>
           </a:p>
           <a:p>
@@ -4743,7 +5036,927 @@
             </a:pPr>
             <a:r>
               <a:rPr lang="fr-FR" dirty="0" smtClean="0"/>
-              <a:t>Merci de votre attention, et j'ai hâte de partager les idées et innovations qui ont façonné ce projet transformateur.</a:t>
+              <a:t>1. **Centralisation de l'Information :** La plateforme agit comme un point central où toutes les informations importantes, telles que les annonces, les calendriers d'événements et les communications institutionnelles, sont regroupées et facilement accessibles.</a:t>
+            </a:r>
+          </a:p>
+          <a:p>
+            <a:pPr marL="0" lvl="0" indent="0" algn="l" rtl="0">
+              <a:spcBef>
+                <a:spcPts val="0"/>
+              </a:spcBef>
+              <a:spcAft>
+                <a:spcPts val="0"/>
+              </a:spcAft>
+              <a:buNone/>
+            </a:pPr>
+            <a:endParaRPr lang="fr-FR" dirty="0" smtClean="0"/>
+          </a:p>
+          <a:p>
+            <a:pPr marL="0" lvl="0" indent="0" algn="l" rtl="0">
+              <a:spcBef>
+                <a:spcPts val="0"/>
+              </a:spcBef>
+              <a:spcAft>
+                <a:spcPts val="0"/>
+              </a:spcAft>
+              <a:buNone/>
+            </a:pPr>
+            <a:r>
+              <a:rPr lang="fr-FR" dirty="0" smtClean="0"/>
+              <a:t>2. **Forums de Discussion :** Elle offre des espaces de discussion et de forums dédiés, favorisant les échanges entre étudiants, enseignants et administrateurs. Ces forums peuvent servir à discuter de sujets académiques, de projets collaboratifs ou de questions administratives.</a:t>
+            </a:r>
+          </a:p>
+          <a:p>
+            <a:pPr marL="0" lvl="0" indent="0" algn="l" rtl="0">
+              <a:spcBef>
+                <a:spcPts val="0"/>
+              </a:spcBef>
+              <a:spcAft>
+                <a:spcPts val="0"/>
+              </a:spcAft>
+              <a:buNone/>
+            </a:pPr>
+            <a:endParaRPr lang="fr-FR" dirty="0" smtClean="0"/>
+          </a:p>
+          <a:p>
+            <a:pPr marL="0" lvl="0" indent="0" algn="l" rtl="0">
+              <a:spcBef>
+                <a:spcPts val="0"/>
+              </a:spcBef>
+              <a:spcAft>
+                <a:spcPts val="0"/>
+              </a:spcAft>
+              <a:buNone/>
+            </a:pPr>
+            <a:r>
+              <a:rPr lang="fr-FR" dirty="0" smtClean="0"/>
+              <a:t>3. **Messagerie Intégrée :** La plateforme intègre un système de messagerie interne, permettant une communication directe entre les membres de la communauté éducative. Cela facilite les interactions rapides et personnalisées.</a:t>
+            </a:r>
+          </a:p>
+          <a:p>
+            <a:pPr marL="0" lvl="0" indent="0" algn="l" rtl="0">
+              <a:spcBef>
+                <a:spcPts val="0"/>
+              </a:spcBef>
+              <a:spcAft>
+                <a:spcPts val="0"/>
+              </a:spcAft>
+              <a:buNone/>
+            </a:pPr>
+            <a:endParaRPr lang="fr-FR" dirty="0" smtClean="0"/>
+          </a:p>
+          <a:p>
+            <a:pPr marL="0" lvl="0" indent="0" algn="l" rtl="0">
+              <a:spcBef>
+                <a:spcPts val="0"/>
+              </a:spcBef>
+              <a:spcAft>
+                <a:spcPts val="0"/>
+              </a:spcAft>
+              <a:buNone/>
+            </a:pPr>
+            <a:r>
+              <a:rPr lang="fr-FR" dirty="0" smtClean="0"/>
+              <a:t>4. **Suivi des Activités :** Les enseignants peuvent utiliser la plateforme pour suivre les progrès des étudiants, fournir des commentaires et communiquer des mises à jour sur les performances académiques. De même, les étudiants peuvent accéder facilement à leurs résultats et aux retours des enseignants.</a:t>
+            </a:r>
+          </a:p>
+          <a:p>
+            <a:pPr marL="0" lvl="0" indent="0" algn="l" rtl="0">
+              <a:spcBef>
+                <a:spcPts val="0"/>
+              </a:spcBef>
+              <a:spcAft>
+                <a:spcPts val="0"/>
+              </a:spcAft>
+              <a:buNone/>
+            </a:pPr>
+            <a:endParaRPr lang="fr-FR" dirty="0" smtClean="0"/>
+          </a:p>
+          <a:p>
+            <a:pPr marL="0" lvl="0" indent="0" algn="l" rtl="0">
+              <a:spcBef>
+                <a:spcPts val="0"/>
+              </a:spcBef>
+              <a:spcAft>
+                <a:spcPts val="0"/>
+              </a:spcAft>
+              <a:buNone/>
+            </a:pPr>
+            <a:r>
+              <a:rPr lang="fr-FR" dirty="0" smtClean="0"/>
+              <a:t>5. **Calendriers Partagés :** L'intégration de calendriers partagés facilite la coordination des événements, des examens et des dates limites de projet. Les utilisateurs peuvent synchroniser leurs calendriers personnels avec les événements institutionnels.</a:t>
+            </a:r>
+          </a:p>
+          <a:p>
+            <a:pPr marL="0" lvl="0" indent="0" algn="l" rtl="0">
+              <a:spcBef>
+                <a:spcPts val="0"/>
+              </a:spcBef>
+              <a:spcAft>
+                <a:spcPts val="0"/>
+              </a:spcAft>
+              <a:buNone/>
+            </a:pPr>
+            <a:endParaRPr lang="fr-FR" dirty="0" smtClean="0"/>
+          </a:p>
+          <a:p>
+            <a:pPr marL="0" lvl="0" indent="0" algn="l" rtl="0">
+              <a:spcBef>
+                <a:spcPts val="0"/>
+              </a:spcBef>
+              <a:spcAft>
+                <a:spcPts val="0"/>
+              </a:spcAft>
+              <a:buNone/>
+            </a:pPr>
+            <a:r>
+              <a:rPr lang="fr-FR" dirty="0" smtClean="0"/>
+              <a:t>6. **Ressources Pédagogiques Centralisées :** La plateforme héberge des ressources éducatives centralisées, telles que des documents de cours, des vidéos et des présentations, rendant l'accès aux matériels d'apprentissage plus efficient.</a:t>
+            </a:r>
+          </a:p>
+          <a:p>
+            <a:pPr marL="0" lvl="0" indent="0" algn="l" rtl="0">
+              <a:spcBef>
+                <a:spcPts val="0"/>
+              </a:spcBef>
+              <a:spcAft>
+                <a:spcPts val="0"/>
+              </a:spcAft>
+              <a:buNone/>
+            </a:pPr>
+            <a:endParaRPr lang="fr-FR" dirty="0" smtClean="0"/>
+          </a:p>
+          <a:p>
+            <a:pPr marL="0" lvl="0" indent="0" algn="l" rtl="0">
+              <a:spcBef>
+                <a:spcPts val="0"/>
+              </a:spcBef>
+              <a:spcAft>
+                <a:spcPts val="0"/>
+              </a:spcAft>
+              <a:buNone/>
+            </a:pPr>
+            <a:r>
+              <a:rPr lang="fr-FR" dirty="0" smtClean="0"/>
+              <a:t>7. **Notifications en Temps Réel :** Les notifications en temps réel avertissent les utilisateurs des mises à jour importantes, des nouvelles publications sur les forums ou de tout changement dans les horaires, assurant ainsi une communication proactive.</a:t>
+            </a:r>
+          </a:p>
+          <a:p>
+            <a:pPr marL="0" lvl="0" indent="0" algn="l" rtl="0">
+              <a:spcBef>
+                <a:spcPts val="0"/>
+              </a:spcBef>
+              <a:spcAft>
+                <a:spcPts val="0"/>
+              </a:spcAft>
+              <a:buNone/>
+            </a:pPr>
+            <a:endParaRPr lang="fr-FR" dirty="0" smtClean="0"/>
+          </a:p>
+          <a:p>
+            <a:pPr marL="0" lvl="0" indent="0" algn="l" rtl="0">
+              <a:spcBef>
+                <a:spcPts val="0"/>
+              </a:spcBef>
+              <a:spcAft>
+                <a:spcPts val="0"/>
+              </a:spcAft>
+              <a:buNone/>
+            </a:pPr>
+            <a:r>
+              <a:rPr lang="fr-FR" dirty="0" smtClean="0"/>
+              <a:t>8. **Accessibilité Améliorée :** En étant en ligne, la plateforme améliore l'accessibilité de l'information, permettant aux membres de la communauté éducative d'y accéder depuis n'importe où et à tout moment.</a:t>
+            </a:r>
+          </a:p>
+          <a:p>
+            <a:pPr marL="0" lvl="0" indent="0" algn="l" rtl="0">
+              <a:spcBef>
+                <a:spcPts val="0"/>
+              </a:spcBef>
+              <a:spcAft>
+                <a:spcPts val="0"/>
+              </a:spcAft>
+              <a:buNone/>
+            </a:pPr>
+            <a:endParaRPr lang="fr-FR" dirty="0" smtClean="0"/>
+          </a:p>
+          <a:p>
+            <a:pPr marL="0" lvl="0" indent="0" algn="l" rtl="0">
+              <a:spcBef>
+                <a:spcPts val="0"/>
+              </a:spcBef>
+              <a:spcAft>
+                <a:spcPts val="0"/>
+              </a:spcAft>
+              <a:buNone/>
+            </a:pPr>
+            <a:r>
+              <a:rPr lang="fr-FR" dirty="0" smtClean="0"/>
+              <a:t>En combinant ces fonctionnalités, la plateforme crée un écosystème numérique qui favorise la transparence, l'interaction et la collaboration au sein de la communauté éducative, contribuant ainsi à une communication plus efficace et harmonieuse.</a:t>
+            </a:r>
+          </a:p>
+          <a:p>
+            <a:pPr marL="0" lvl="0" indent="0" algn="l" rtl="0">
+              <a:spcBef>
+                <a:spcPts val="0"/>
+              </a:spcBef>
+              <a:spcAft>
+                <a:spcPts val="0"/>
+              </a:spcAft>
+              <a:buNone/>
+            </a:pPr>
+            <a:endParaRPr lang="fr-FR" dirty="0" smtClean="0"/>
+          </a:p>
+          <a:p>
+            <a:pPr marL="0" lvl="0" indent="0" algn="l" rtl="0">
+              <a:spcBef>
+                <a:spcPts val="0"/>
+              </a:spcBef>
+              <a:spcAft>
+                <a:spcPts val="0"/>
+              </a:spcAft>
+              <a:buNone/>
+            </a:pPr>
+            <a:endParaRPr lang="fr-FR" dirty="0" smtClean="0"/>
+          </a:p>
+          <a:p>
+            <a:pPr marL="0" lvl="0" indent="0" algn="l" rtl="0">
+              <a:spcBef>
+                <a:spcPts val="0"/>
+              </a:spcBef>
+              <a:spcAft>
+                <a:spcPts val="0"/>
+              </a:spcAft>
+              <a:buNone/>
+            </a:pPr>
+            <a:endParaRPr lang="fr-FR" dirty="0" smtClean="0"/>
+          </a:p>
+          <a:p>
+            <a:pPr marL="0" lvl="0" indent="0" algn="l" rtl="0">
+              <a:spcBef>
+                <a:spcPts val="0"/>
+              </a:spcBef>
+              <a:spcAft>
+                <a:spcPts val="0"/>
+              </a:spcAft>
+              <a:buNone/>
+            </a:pPr>
+            <a:r>
+              <a:rPr lang="fr-FR" dirty="0" smtClean="0"/>
+              <a:t>La plateforme répond de manière ciblée aux besoins spécifiques des étudiants, des enseignants et des administrateurs de la manière suivante :</a:t>
+            </a:r>
+          </a:p>
+          <a:p>
+            <a:pPr marL="0" lvl="0" indent="0" algn="l" rtl="0">
+              <a:spcBef>
+                <a:spcPts val="0"/>
+              </a:spcBef>
+              <a:spcAft>
+                <a:spcPts val="0"/>
+              </a:spcAft>
+              <a:buNone/>
+            </a:pPr>
+            <a:endParaRPr lang="fr-FR" dirty="0" smtClean="0"/>
+          </a:p>
+          <a:p>
+            <a:pPr marL="0" lvl="0" indent="0" algn="l" rtl="0">
+              <a:spcBef>
+                <a:spcPts val="0"/>
+              </a:spcBef>
+              <a:spcAft>
+                <a:spcPts val="0"/>
+              </a:spcAft>
+              <a:buNone/>
+            </a:pPr>
+            <a:r>
+              <a:rPr lang="fr-FR" dirty="0" smtClean="0"/>
+              <a:t>1. **Étudiants :**</a:t>
+            </a:r>
+          </a:p>
+          <a:p>
+            <a:pPr marL="0" lvl="0" indent="0" algn="l" rtl="0">
+              <a:spcBef>
+                <a:spcPts val="0"/>
+              </a:spcBef>
+              <a:spcAft>
+                <a:spcPts val="0"/>
+              </a:spcAft>
+              <a:buNone/>
+            </a:pPr>
+            <a:r>
+              <a:rPr lang="fr-FR" dirty="0" smtClean="0"/>
+              <a:t>   - **Accès aux Ressources :** Les étudiants ont un accès facile aux ressources pédagogiques centralisées, telles que les documents de cours, les vidéos et les présentations, facilitant leur processus d'apprentissage.</a:t>
+            </a:r>
+          </a:p>
+          <a:p>
+            <a:pPr marL="0" lvl="0" indent="0" algn="l" rtl="0">
+              <a:spcBef>
+                <a:spcPts val="0"/>
+              </a:spcBef>
+              <a:spcAft>
+                <a:spcPts val="0"/>
+              </a:spcAft>
+              <a:buNone/>
+            </a:pPr>
+            <a:r>
+              <a:rPr lang="fr-FR" dirty="0" smtClean="0"/>
+              <a:t>   - **Communication Interactif :** Des forums de discussion et des systèmes de messagerie intégrés permettent aux étudiants de poser des questions, de discuter de sujets académiques et de collaborer sur des projets, favorisant ainsi l'interaction.</a:t>
+            </a:r>
+          </a:p>
+          <a:p>
+            <a:pPr marL="0" lvl="0" indent="0" algn="l" rtl="0">
+              <a:spcBef>
+                <a:spcPts val="0"/>
+              </a:spcBef>
+              <a:spcAft>
+                <a:spcPts val="0"/>
+              </a:spcAft>
+              <a:buNone/>
+            </a:pPr>
+            <a:r>
+              <a:rPr lang="fr-FR" dirty="0" smtClean="0"/>
+              <a:t>   - **Suivi des Progrès :** Les fonctionnalités de suivi des progrès leur permettent de surveiller leurs performances académiques, d'accéder à leurs résultats et de recevoir des commentaires personnalisés des enseignants.</a:t>
+            </a:r>
+          </a:p>
+          <a:p>
+            <a:pPr marL="0" lvl="0" indent="0" algn="l" rtl="0">
+              <a:spcBef>
+                <a:spcPts val="0"/>
+              </a:spcBef>
+              <a:spcAft>
+                <a:spcPts val="0"/>
+              </a:spcAft>
+              <a:buNone/>
+            </a:pPr>
+            <a:endParaRPr lang="fr-FR" dirty="0" smtClean="0"/>
+          </a:p>
+          <a:p>
+            <a:pPr marL="0" lvl="0" indent="0" algn="l" rtl="0">
+              <a:spcBef>
+                <a:spcPts val="0"/>
+              </a:spcBef>
+              <a:spcAft>
+                <a:spcPts val="0"/>
+              </a:spcAft>
+              <a:buNone/>
+            </a:pPr>
+            <a:r>
+              <a:rPr lang="fr-FR" dirty="0" smtClean="0"/>
+              <a:t>2. **Enseignants :**</a:t>
+            </a:r>
+          </a:p>
+          <a:p>
+            <a:pPr marL="0" lvl="0" indent="0" algn="l" rtl="0">
+              <a:spcBef>
+                <a:spcPts val="0"/>
+              </a:spcBef>
+              <a:spcAft>
+                <a:spcPts val="0"/>
+              </a:spcAft>
+              <a:buNone/>
+            </a:pPr>
+            <a:r>
+              <a:rPr lang="fr-FR" dirty="0" smtClean="0"/>
+              <a:t>   - **Gestion de Cours :** Les enseignants peuvent gérer efficacement leurs cours en téléchargeant des ressources, en créant des devoirs en ligne, et en suivant les progrès des étudiants.</a:t>
+            </a:r>
+          </a:p>
+          <a:p>
+            <a:pPr marL="0" lvl="0" indent="0" algn="l" rtl="0">
+              <a:spcBef>
+                <a:spcPts val="0"/>
+              </a:spcBef>
+              <a:spcAft>
+                <a:spcPts val="0"/>
+              </a:spcAft>
+              <a:buNone/>
+            </a:pPr>
+            <a:r>
+              <a:rPr lang="fr-FR" dirty="0" smtClean="0"/>
+              <a:t>   - **Communication Directe :** La plateforme facilite la communication directe avec les étudiants à travers des messages privés, des forums de discussion et des annonces, renforçant ainsi la collaboration éducative.</a:t>
+            </a:r>
+          </a:p>
+          <a:p>
+            <a:pPr marL="0" lvl="0" indent="0" algn="l" rtl="0">
+              <a:spcBef>
+                <a:spcPts val="0"/>
+              </a:spcBef>
+              <a:spcAft>
+                <a:spcPts val="0"/>
+              </a:spcAft>
+              <a:buNone/>
+            </a:pPr>
+            <a:r>
+              <a:rPr lang="fr-FR" dirty="0" smtClean="0"/>
+              <a:t>   - **Suivi des Étudiants :** Les fonctionnalités de suivi des étudiants permettent aux enseignants de suivre la participation, d'évaluer les performances et de fournir des retours précis.</a:t>
+            </a:r>
+          </a:p>
+          <a:p>
+            <a:pPr marL="0" lvl="0" indent="0" algn="l" rtl="0">
+              <a:spcBef>
+                <a:spcPts val="0"/>
+              </a:spcBef>
+              <a:spcAft>
+                <a:spcPts val="0"/>
+              </a:spcAft>
+              <a:buNone/>
+            </a:pPr>
+            <a:endParaRPr lang="fr-FR" dirty="0" smtClean="0"/>
+          </a:p>
+          <a:p>
+            <a:pPr marL="0" lvl="0" indent="0" algn="l" rtl="0">
+              <a:spcBef>
+                <a:spcPts val="0"/>
+              </a:spcBef>
+              <a:spcAft>
+                <a:spcPts val="0"/>
+              </a:spcAft>
+              <a:buNone/>
+            </a:pPr>
+            <a:r>
+              <a:rPr lang="fr-FR" dirty="0" smtClean="0"/>
+              <a:t>3. **Administrateurs :**</a:t>
+            </a:r>
+          </a:p>
+          <a:p>
+            <a:pPr marL="0" lvl="0" indent="0" algn="l" rtl="0">
+              <a:spcBef>
+                <a:spcPts val="0"/>
+              </a:spcBef>
+              <a:spcAft>
+                <a:spcPts val="0"/>
+              </a:spcAft>
+              <a:buNone/>
+            </a:pPr>
+            <a:r>
+              <a:rPr lang="fr-FR" dirty="0" smtClean="0"/>
+              <a:t>   - **Gestion Globale :** Les administrateurs peuvent gérer l'ensemble de la plateforme, y compris les autorisations d'accès, les mises à jour du système, et la gestion des utilisateurs, assurant ainsi une administration efficace.</a:t>
+            </a:r>
+          </a:p>
+          <a:p>
+            <a:pPr marL="0" lvl="0" indent="0" algn="l" rtl="0">
+              <a:spcBef>
+                <a:spcPts val="0"/>
+              </a:spcBef>
+              <a:spcAft>
+                <a:spcPts val="0"/>
+              </a:spcAft>
+              <a:buNone/>
+            </a:pPr>
+            <a:r>
+              <a:rPr lang="fr-FR" dirty="0" smtClean="0"/>
+              <a:t>   - **Analyse des Données :** Des outils d'analyse intégrés permettent aux administrateurs de recueillir des données sur l'utilisation de la plateforme, les performances académiques, et d'autres métriques pertinentes.</a:t>
+            </a:r>
+          </a:p>
+          <a:p>
+            <a:pPr marL="0" lvl="0" indent="0" algn="l" rtl="0">
+              <a:spcBef>
+                <a:spcPts val="0"/>
+              </a:spcBef>
+              <a:spcAft>
+                <a:spcPts val="0"/>
+              </a:spcAft>
+              <a:buNone/>
+            </a:pPr>
+            <a:r>
+              <a:rPr lang="fr-FR" dirty="0" smtClean="0"/>
+              <a:t>   - **Communication Institutionnelle :** La plateforme sert de canal pour les communications institutionnelles, telles que les annonces importantes, les calendriers d'événements et les informations administratives.</a:t>
+            </a:r>
+          </a:p>
+          <a:p>
+            <a:pPr marL="0" lvl="0" indent="0" algn="l" rtl="0">
+              <a:spcBef>
+                <a:spcPts val="0"/>
+              </a:spcBef>
+              <a:spcAft>
+                <a:spcPts val="0"/>
+              </a:spcAft>
+              <a:buNone/>
+            </a:pPr>
+            <a:endParaRPr lang="fr-FR" dirty="0" smtClean="0"/>
+          </a:p>
+          <a:p>
+            <a:pPr marL="0" lvl="0" indent="0" algn="l" rtl="0">
+              <a:spcBef>
+                <a:spcPts val="0"/>
+              </a:spcBef>
+              <a:spcAft>
+                <a:spcPts val="0"/>
+              </a:spcAft>
+              <a:buNone/>
+            </a:pPr>
+            <a:r>
+              <a:rPr lang="fr-FR" dirty="0" smtClean="0"/>
+              <a:t>En intégrant ces fonctionnalités, la plateforme s'adapte aux rôles spécifiques des étudiants, des enseignants et des administrateurs, répondant ainsi à leurs besoins individuels et contribuant à un environnement éducatif plus efficace et collaboratif.</a:t>
+            </a:r>
+          </a:p>
+          <a:p>
+            <a:pPr marL="0" lvl="0" indent="0" algn="l" rtl="0">
+              <a:spcBef>
+                <a:spcPts val="0"/>
+              </a:spcBef>
+              <a:spcAft>
+                <a:spcPts val="0"/>
+              </a:spcAft>
+              <a:buNone/>
+            </a:pPr>
+            <a:endParaRPr lang="fr-FR" dirty="0" smtClean="0"/>
+          </a:p>
+          <a:p>
+            <a:pPr marL="0" lvl="0" indent="0" algn="l" rtl="0">
+              <a:spcBef>
+                <a:spcPts val="0"/>
+              </a:spcBef>
+              <a:spcAft>
+                <a:spcPts val="0"/>
+              </a:spcAft>
+              <a:buNone/>
+            </a:pPr>
+            <a:endParaRPr lang="fr-FR" dirty="0" smtClean="0"/>
+          </a:p>
+          <a:p>
+            <a:pPr marL="0" lvl="0" indent="0" algn="l" rtl="0">
+              <a:spcBef>
+                <a:spcPts val="0"/>
+              </a:spcBef>
+              <a:spcAft>
+                <a:spcPts val="0"/>
+              </a:spcAft>
+              <a:buNone/>
+            </a:pPr>
+            <a:r>
+              <a:rPr lang="fr-FR" dirty="0" smtClean="0"/>
+              <a:t>Pour aborder les préoccupations liées à la sécurité des données et à la confidentialité des utilisateurs, plusieurs mesures ont été mises en place dans la conception et la réalisation de la plateforme :</a:t>
+            </a:r>
+          </a:p>
+          <a:p>
+            <a:pPr marL="0" lvl="0" indent="0" algn="l" rtl="0">
+              <a:spcBef>
+                <a:spcPts val="0"/>
+              </a:spcBef>
+              <a:spcAft>
+                <a:spcPts val="0"/>
+              </a:spcAft>
+              <a:buNone/>
+            </a:pPr>
+            <a:endParaRPr lang="fr-FR" dirty="0" smtClean="0"/>
+          </a:p>
+          <a:p>
+            <a:pPr marL="0" lvl="0" indent="0" algn="l" rtl="0">
+              <a:spcBef>
+                <a:spcPts val="0"/>
+              </a:spcBef>
+              <a:spcAft>
+                <a:spcPts val="0"/>
+              </a:spcAft>
+              <a:buNone/>
+            </a:pPr>
+            <a:r>
+              <a:rPr lang="fr-FR" dirty="0" smtClean="0"/>
+              <a:t>1. **Cryptage des Données :**</a:t>
+            </a:r>
+          </a:p>
+          <a:p>
+            <a:pPr marL="0" lvl="0" indent="0" algn="l" rtl="0">
+              <a:spcBef>
+                <a:spcPts val="0"/>
+              </a:spcBef>
+              <a:spcAft>
+                <a:spcPts val="0"/>
+              </a:spcAft>
+              <a:buNone/>
+            </a:pPr>
+            <a:r>
+              <a:rPr lang="fr-FR" dirty="0" smtClean="0"/>
+              <a:t>   - Toutes les données transitant entre les utilisateurs et la plateforme, ainsi que celles stockées sur les serveurs, sont cryptées à l'aide de protocoles de sécurité avancés. Cela garantit la confidentialité des informations sensibles.</a:t>
+            </a:r>
+          </a:p>
+          <a:p>
+            <a:pPr marL="0" lvl="0" indent="0" algn="l" rtl="0">
+              <a:spcBef>
+                <a:spcPts val="0"/>
+              </a:spcBef>
+              <a:spcAft>
+                <a:spcPts val="0"/>
+              </a:spcAft>
+              <a:buNone/>
+            </a:pPr>
+            <a:endParaRPr lang="fr-FR" dirty="0" smtClean="0"/>
+          </a:p>
+          <a:p>
+            <a:pPr marL="0" lvl="0" indent="0" algn="l" rtl="0">
+              <a:spcBef>
+                <a:spcPts val="0"/>
+              </a:spcBef>
+              <a:spcAft>
+                <a:spcPts val="0"/>
+              </a:spcAft>
+              <a:buNone/>
+            </a:pPr>
+            <a:r>
+              <a:rPr lang="fr-FR" dirty="0" smtClean="0"/>
+              <a:t>2. **Gestion des Identifiants de Connexion :**</a:t>
+            </a:r>
+          </a:p>
+          <a:p>
+            <a:pPr marL="0" lvl="0" indent="0" algn="l" rtl="0">
+              <a:spcBef>
+                <a:spcPts val="0"/>
+              </a:spcBef>
+              <a:spcAft>
+                <a:spcPts val="0"/>
+              </a:spcAft>
+              <a:buNone/>
+            </a:pPr>
+            <a:r>
+              <a:rPr lang="fr-FR" dirty="0" smtClean="0"/>
+              <a:t>   - Les identifiants de connexion, tels que les noms d'utilisateur et les mots de passe, sont stockés de manière sécurisée en utilisant des méthodes de hachage robustes. Cette mesure renforce la sécurité des comptes utilisateur.</a:t>
+            </a:r>
+          </a:p>
+          <a:p>
+            <a:pPr marL="0" lvl="0" indent="0" algn="l" rtl="0">
+              <a:spcBef>
+                <a:spcPts val="0"/>
+              </a:spcBef>
+              <a:spcAft>
+                <a:spcPts val="0"/>
+              </a:spcAft>
+              <a:buNone/>
+            </a:pPr>
+            <a:endParaRPr lang="fr-FR" dirty="0" smtClean="0"/>
+          </a:p>
+          <a:p>
+            <a:pPr marL="0" lvl="0" indent="0" algn="l" rtl="0">
+              <a:spcBef>
+                <a:spcPts val="0"/>
+              </a:spcBef>
+              <a:spcAft>
+                <a:spcPts val="0"/>
+              </a:spcAft>
+              <a:buNone/>
+            </a:pPr>
+            <a:r>
+              <a:rPr lang="fr-FR" dirty="0" smtClean="0"/>
+              <a:t>3. **Contrôle d'Accès :**</a:t>
+            </a:r>
+          </a:p>
+          <a:p>
+            <a:pPr marL="0" lvl="0" indent="0" algn="l" rtl="0">
+              <a:spcBef>
+                <a:spcPts val="0"/>
+              </a:spcBef>
+              <a:spcAft>
+                <a:spcPts val="0"/>
+              </a:spcAft>
+              <a:buNone/>
+            </a:pPr>
+            <a:r>
+              <a:rPr lang="fr-FR" dirty="0" smtClean="0"/>
+              <a:t>   - Des systèmes de contrôle d'accès sont mis en place pour garantir que seuls les utilisateurs autorisés ont accès aux différentes parties de la plateforme. Les droits d'accès sont attribués en fonction des rôles (étudiants, enseignants, administrateurs).</a:t>
+            </a:r>
+          </a:p>
+          <a:p>
+            <a:pPr marL="0" lvl="0" indent="0" algn="l" rtl="0">
+              <a:spcBef>
+                <a:spcPts val="0"/>
+              </a:spcBef>
+              <a:spcAft>
+                <a:spcPts val="0"/>
+              </a:spcAft>
+              <a:buNone/>
+            </a:pPr>
+            <a:endParaRPr lang="fr-FR" dirty="0" smtClean="0"/>
+          </a:p>
+          <a:p>
+            <a:pPr marL="0" lvl="0" indent="0" algn="l" rtl="0">
+              <a:spcBef>
+                <a:spcPts val="0"/>
+              </a:spcBef>
+              <a:spcAft>
+                <a:spcPts val="0"/>
+              </a:spcAft>
+              <a:buNone/>
+            </a:pPr>
+            <a:r>
+              <a:rPr lang="fr-FR" dirty="0" smtClean="0"/>
+              <a:t>4. **Audit et Suivi des Activités :**</a:t>
+            </a:r>
+          </a:p>
+          <a:p>
+            <a:pPr marL="0" lvl="0" indent="0" algn="l" rtl="0">
+              <a:spcBef>
+                <a:spcPts val="0"/>
+              </a:spcBef>
+              <a:spcAft>
+                <a:spcPts val="0"/>
+              </a:spcAft>
+              <a:buNone/>
+            </a:pPr>
+            <a:r>
+              <a:rPr lang="fr-FR" dirty="0" smtClean="0"/>
+              <a:t>   - Des fonctionnalités de suivi des activités sont intégrées pour détecter toute activité suspecte ou non autorisée. Les journaux d'audit sont examinés régulièrement pour identifier d'éventuelles anomalies.</a:t>
+            </a:r>
+          </a:p>
+          <a:p>
+            <a:pPr marL="0" lvl="0" indent="0" algn="l" rtl="0">
+              <a:spcBef>
+                <a:spcPts val="0"/>
+              </a:spcBef>
+              <a:spcAft>
+                <a:spcPts val="0"/>
+              </a:spcAft>
+              <a:buNone/>
+            </a:pPr>
+            <a:endParaRPr lang="fr-FR" dirty="0" smtClean="0"/>
+          </a:p>
+          <a:p>
+            <a:pPr marL="0" lvl="0" indent="0" algn="l" rtl="0">
+              <a:spcBef>
+                <a:spcPts val="0"/>
+              </a:spcBef>
+              <a:spcAft>
+                <a:spcPts val="0"/>
+              </a:spcAft>
+              <a:buNone/>
+            </a:pPr>
+            <a:r>
+              <a:rPr lang="fr-FR" dirty="0" smtClean="0"/>
+              <a:t>5. **Mises à Jour Régulières :**</a:t>
+            </a:r>
+          </a:p>
+          <a:p>
+            <a:pPr marL="0" lvl="0" indent="0" algn="l" rtl="0">
+              <a:spcBef>
+                <a:spcPts val="0"/>
+              </a:spcBef>
+              <a:spcAft>
+                <a:spcPts val="0"/>
+              </a:spcAft>
+              <a:buNone/>
+            </a:pPr>
+            <a:r>
+              <a:rPr lang="fr-FR" dirty="0" smtClean="0"/>
+              <a:t>   - Les composants logiciels, y compris les </a:t>
+            </a:r>
+            <a:r>
+              <a:rPr lang="fr-FR" dirty="0" err="1" smtClean="0"/>
+              <a:t>frameworks</a:t>
+            </a:r>
+            <a:r>
+              <a:rPr lang="fr-FR" dirty="0" smtClean="0"/>
+              <a:t> et les bibliothèques, sont maintenus à jour régulièrement pour remédier aux vulnérabilités de sécurité connues. Les mises à jour du système d'exploitation et des applications sont appliquées dès qu'elles sont disponibles.</a:t>
+            </a:r>
+          </a:p>
+          <a:p>
+            <a:pPr marL="0" lvl="0" indent="0" algn="l" rtl="0">
+              <a:spcBef>
+                <a:spcPts val="0"/>
+              </a:spcBef>
+              <a:spcAft>
+                <a:spcPts val="0"/>
+              </a:spcAft>
+              <a:buNone/>
+            </a:pPr>
+            <a:endParaRPr lang="fr-FR" dirty="0" smtClean="0"/>
+          </a:p>
+          <a:p>
+            <a:pPr marL="0" lvl="0" indent="0" algn="l" rtl="0">
+              <a:spcBef>
+                <a:spcPts val="0"/>
+              </a:spcBef>
+              <a:spcAft>
+                <a:spcPts val="0"/>
+              </a:spcAft>
+              <a:buNone/>
+            </a:pPr>
+            <a:r>
+              <a:rPr lang="fr-FR" dirty="0" smtClean="0"/>
+              <a:t>6. **Politiques de Mot de Passe Fort :**</a:t>
+            </a:r>
+          </a:p>
+          <a:p>
+            <a:pPr marL="0" lvl="0" indent="0" algn="l" rtl="0">
+              <a:spcBef>
+                <a:spcPts val="0"/>
+              </a:spcBef>
+              <a:spcAft>
+                <a:spcPts val="0"/>
+              </a:spcAft>
+              <a:buNone/>
+            </a:pPr>
+            <a:r>
+              <a:rPr lang="fr-FR" dirty="0" smtClean="0"/>
+              <a:t>   - Les utilisateurs sont encouragés à créer des mots de passe forts et complexes. Des politiques de mot de passe strictes sont appliquées pour renforcer la sécurité des comptes.</a:t>
+            </a:r>
+          </a:p>
+          <a:p>
+            <a:pPr marL="0" lvl="0" indent="0" algn="l" rtl="0">
+              <a:spcBef>
+                <a:spcPts val="0"/>
+              </a:spcBef>
+              <a:spcAft>
+                <a:spcPts val="0"/>
+              </a:spcAft>
+              <a:buNone/>
+            </a:pPr>
+            <a:endParaRPr lang="fr-FR" dirty="0" smtClean="0"/>
+          </a:p>
+          <a:p>
+            <a:pPr marL="0" lvl="0" indent="0" algn="l" rtl="0">
+              <a:spcBef>
+                <a:spcPts val="0"/>
+              </a:spcBef>
+              <a:spcAft>
+                <a:spcPts val="0"/>
+              </a:spcAft>
+              <a:buNone/>
+            </a:pPr>
+            <a:r>
+              <a:rPr lang="fr-FR" dirty="0" smtClean="0"/>
+              <a:t>7. **Formation en Sécurité :**</a:t>
+            </a:r>
+          </a:p>
+          <a:p>
+            <a:pPr marL="0" lvl="0" indent="0" algn="l" rtl="0">
+              <a:spcBef>
+                <a:spcPts val="0"/>
+              </a:spcBef>
+              <a:spcAft>
+                <a:spcPts val="0"/>
+              </a:spcAft>
+              <a:buNone/>
+            </a:pPr>
+            <a:r>
+              <a:rPr lang="fr-FR" dirty="0" smtClean="0"/>
+              <a:t>   - Les utilisateurs sont informés des bonnes pratiques en matière de sécurité des données et de la confidentialité lors de l'utilisation de la plateforme. Des sessions de formation périodiques sont organisées pour sensibiliser les utilisateurs aux menaces potentielles.</a:t>
+            </a:r>
+          </a:p>
+          <a:p>
+            <a:pPr marL="0" lvl="0" indent="0" algn="l" rtl="0">
+              <a:spcBef>
+                <a:spcPts val="0"/>
+              </a:spcBef>
+              <a:spcAft>
+                <a:spcPts val="0"/>
+              </a:spcAft>
+              <a:buNone/>
+            </a:pPr>
+            <a:endParaRPr lang="fr-FR" dirty="0" smtClean="0"/>
+          </a:p>
+          <a:p>
+            <a:pPr marL="0" lvl="0" indent="0" algn="l" rtl="0">
+              <a:spcBef>
+                <a:spcPts val="0"/>
+              </a:spcBef>
+              <a:spcAft>
+                <a:spcPts val="0"/>
+              </a:spcAft>
+              <a:buNone/>
+            </a:pPr>
+            <a:r>
+              <a:rPr lang="fr-FR" dirty="0" smtClean="0"/>
+              <a:t>8. **Sécurisation des Transmissions :**</a:t>
+            </a:r>
+          </a:p>
+          <a:p>
+            <a:pPr marL="0" lvl="0" indent="0" algn="l" rtl="0">
+              <a:spcBef>
+                <a:spcPts val="0"/>
+              </a:spcBef>
+              <a:spcAft>
+                <a:spcPts val="0"/>
+              </a:spcAft>
+              <a:buNone/>
+            </a:pPr>
+            <a:r>
+              <a:rPr lang="fr-FR" dirty="0" smtClean="0"/>
+              <a:t>   - Les communications entre les utilisateurs et la plateforme sont sécurisées par des protocoles de chiffrement tels que HTTPS, garantissant que les données ne peuvent pas être interceptées pendant le transfert.</a:t>
+            </a:r>
+          </a:p>
+          <a:p>
+            <a:pPr marL="0" lvl="0" indent="0" algn="l" rtl="0">
+              <a:spcBef>
+                <a:spcPts val="0"/>
+              </a:spcBef>
+              <a:spcAft>
+                <a:spcPts val="0"/>
+              </a:spcAft>
+              <a:buNone/>
+            </a:pPr>
+            <a:endParaRPr lang="fr-FR" dirty="0" smtClean="0"/>
+          </a:p>
+          <a:p>
+            <a:pPr marL="0" lvl="0" indent="0" algn="l" rtl="0">
+              <a:spcBef>
+                <a:spcPts val="0"/>
+              </a:spcBef>
+              <a:spcAft>
+                <a:spcPts val="0"/>
+              </a:spcAft>
+              <a:buNone/>
+            </a:pPr>
+            <a:r>
+              <a:rPr lang="fr-FR" dirty="0" smtClean="0"/>
+              <a:t>Ces mesures de sécurité sont constamment évaluées et mises à jour pour faire face aux évolutions des menaces potentielles. La protection des données sensibles et la confidentialité des utilisateurs demeurent une priorité absolue tout au long du cycle de vie de la plateforme.</a:t>
             </a:r>
             <a:endParaRPr dirty="0"/>
           </a:p>
@@ -4789,7 +6002,7 @@
             </a:pPr>
             <a:fld id="{00000000-1234-1234-1234-123412341234}" type="slidenum">
               <a:rPr lang="tr-TR"/>
-              <a:t>19</a:t>
+              <a:t>22</a:t>
             </a:fld>
             <a:endParaRPr/>
           </a:p>
@@ -4900,15 +6113,57 @@
           </a:bodyPr>
           <a:lstStyle/>
           <a:p>
-            <a:pPr marL="0" lvl="0" indent="0" algn="l" rtl="0">
-              <a:spcBef>
-                <a:spcPts val="0"/>
-              </a:spcBef>
-              <a:spcAft>
-                <a:spcPts val="0"/>
-              </a:spcAft>
-              <a:buNone/>
-            </a:pPr>
+            <a:endParaRPr lang="fr-FR" sz="900" b="0" i="0" u="none" strike="noStrike" cap="none" dirty="0" smtClean="0">
+              <a:solidFill>
+                <a:schemeClr val="dk1"/>
+              </a:solidFill>
+              <a:effectLst/>
+              <a:latin typeface="Calibri"/>
+              <a:ea typeface="Calibri"/>
+              <a:cs typeface="Calibri"/>
+              <a:sym typeface="Calibri"/>
+            </a:endParaRPr>
+          </a:p>
+          <a:p>
+            <a:r>
+              <a:rPr lang="fr-FR" sz="900" b="0" i="0" u="none" strike="noStrike" cap="none" dirty="0" smtClean="0">
+                <a:solidFill>
+                  <a:schemeClr val="dk1"/>
+                </a:solidFill>
+                <a:effectLst/>
+                <a:latin typeface="Calibri"/>
+                <a:ea typeface="Calibri"/>
+                <a:cs typeface="Calibri"/>
+                <a:sym typeface="Calibri"/>
+              </a:rPr>
+              <a:t>Je suis honoré de me tenir devant vous aujourd'hui pour présenter</a:t>
+            </a:r>
+            <a:r>
+              <a:rPr lang="fr-FR" sz="900" b="0" i="0" u="none" strike="noStrike" cap="none" baseline="0" dirty="0" smtClean="0">
+                <a:solidFill>
+                  <a:schemeClr val="dk1"/>
+                </a:solidFill>
+                <a:effectLst/>
+                <a:latin typeface="Calibri"/>
+                <a:ea typeface="Calibri"/>
+                <a:cs typeface="Calibri"/>
+                <a:sym typeface="Calibri"/>
+              </a:rPr>
+              <a:t> mon mémoire</a:t>
+            </a:r>
+            <a:r>
+              <a:rPr lang="fr-FR" sz="900" b="0" i="0" u="none" strike="noStrike" cap="none" dirty="0" smtClean="0">
+                <a:solidFill>
+                  <a:schemeClr val="dk1"/>
+                </a:solidFill>
+                <a:effectLst/>
+                <a:latin typeface="Calibri"/>
+                <a:ea typeface="Calibri"/>
+                <a:cs typeface="Calibri"/>
+                <a:sym typeface="Calibri"/>
+              </a:rPr>
+              <a:t>.</a:t>
+            </a:r>
             <a:endParaRPr dirty="0"/>
           </a:p>
         </p:txBody>
@@ -5073,7 +6328,205 @@
               </a:spcAft>
               <a:buNone/>
             </a:pPr>
-            <a:endParaRPr/>
+            <a:endParaRPr lang="fr-FR" sz="900" b="0" i="0" u="none" strike="noStrike" cap="none" dirty="0" smtClean="0">
+              <a:solidFill>
+                <a:schemeClr val="dk1"/>
+              </a:solidFill>
+              <a:effectLst/>
+              <a:latin typeface="Calibri"/>
+              <a:ea typeface="Calibri"/>
+              <a:cs typeface="Calibri"/>
+              <a:sym typeface="Calibri"/>
+            </a:endParaRPr>
+          </a:p>
+          <a:p>
+            <a:pPr marL="0" lvl="0" indent="0" algn="l" rtl="0">
+              <a:spcBef>
+                <a:spcPts val="0"/>
+              </a:spcBef>
+              <a:spcAft>
+                <a:spcPts val="0"/>
+              </a:spcAft>
+              <a:buNone/>
+            </a:pPr>
+            <a:r>
+              <a:rPr lang="fr-FR" sz="900" b="0" i="0" u="none" strike="noStrike" cap="none" dirty="0" err="1" smtClean="0">
+                <a:solidFill>
+                  <a:schemeClr val="dk1"/>
+                </a:solidFill>
+                <a:effectLst/>
+                <a:latin typeface="Calibri"/>
+                <a:ea typeface="Calibri"/>
+                <a:cs typeface="Calibri"/>
+                <a:sym typeface="Calibri"/>
+              </a:rPr>
+              <a:t>Rehefa</a:t>
+            </a:r>
+            <a:r>
+              <a:rPr lang="fr-FR" sz="900" b="0" i="0" u="none" strike="noStrike" cap="none" dirty="0" smtClean="0">
+                <a:solidFill>
+                  <a:schemeClr val="dk1"/>
+                </a:solidFill>
+                <a:effectLst/>
+                <a:latin typeface="Calibri"/>
+                <a:ea typeface="Calibri"/>
+                <a:cs typeface="Calibri"/>
+                <a:sym typeface="Calibri"/>
+              </a:rPr>
+              <a:t> </a:t>
+            </a:r>
+            <a:r>
+              <a:rPr lang="fr-FR" sz="900" b="0" i="0" u="none" strike="noStrike" cap="none" dirty="0" err="1" smtClean="0">
+                <a:solidFill>
+                  <a:schemeClr val="dk1"/>
+                </a:solidFill>
+                <a:effectLst/>
+                <a:latin typeface="Calibri"/>
+                <a:ea typeface="Calibri"/>
+                <a:cs typeface="Calibri"/>
+                <a:sym typeface="Calibri"/>
+              </a:rPr>
+              <a:t>vita</a:t>
+            </a:r>
+            <a:r>
+              <a:rPr lang="fr-FR" sz="900" b="0" i="0" u="none" strike="noStrike" cap="none" dirty="0" smtClean="0">
+                <a:solidFill>
+                  <a:schemeClr val="dk1"/>
+                </a:solidFill>
+                <a:effectLst/>
+                <a:latin typeface="Calibri"/>
+                <a:ea typeface="Calibri"/>
+                <a:cs typeface="Calibri"/>
+                <a:sym typeface="Calibri"/>
+              </a:rPr>
+              <a:t> </a:t>
+            </a:r>
+            <a:r>
+              <a:rPr lang="fr-FR" sz="900" b="0" i="0" u="none" strike="noStrike" cap="none" dirty="0" err="1" smtClean="0">
+                <a:solidFill>
+                  <a:schemeClr val="dk1"/>
+                </a:solidFill>
+                <a:effectLst/>
+                <a:latin typeface="Calibri"/>
+                <a:ea typeface="Calibri"/>
+                <a:cs typeface="Calibri"/>
+                <a:sym typeface="Calibri"/>
+              </a:rPr>
+              <a:t>ny</a:t>
+            </a:r>
+            <a:r>
+              <a:rPr lang="fr-FR" sz="900" b="0" i="0" u="none" strike="noStrike" cap="none" dirty="0" smtClean="0">
+                <a:solidFill>
+                  <a:schemeClr val="dk1"/>
+                </a:solidFill>
+                <a:effectLst/>
+                <a:latin typeface="Calibri"/>
+                <a:ea typeface="Calibri"/>
+                <a:cs typeface="Calibri"/>
+                <a:sym typeface="Calibri"/>
+              </a:rPr>
+              <a:t> remerciement </a:t>
+            </a:r>
+            <a:r>
+              <a:rPr lang="fr-FR" sz="900" b="0" i="0" u="none" strike="noStrike" cap="none" dirty="0" err="1" smtClean="0">
+                <a:solidFill>
+                  <a:schemeClr val="dk1"/>
+                </a:solidFill>
+                <a:effectLst/>
+                <a:latin typeface="Calibri"/>
+                <a:ea typeface="Calibri"/>
+                <a:cs typeface="Calibri"/>
+                <a:sym typeface="Calibri"/>
+              </a:rPr>
+              <a:t>vao</a:t>
+            </a:r>
+            <a:r>
+              <a:rPr lang="fr-FR" sz="900" b="0" i="0" u="none" strike="noStrike" cap="none" dirty="0" smtClean="0">
+                <a:solidFill>
+                  <a:schemeClr val="dk1"/>
+                </a:solidFill>
+                <a:effectLst/>
+                <a:latin typeface="Calibri"/>
+                <a:ea typeface="Calibri"/>
+                <a:cs typeface="Calibri"/>
+                <a:sym typeface="Calibri"/>
+              </a:rPr>
+              <a:t> </a:t>
+            </a:r>
+            <a:r>
+              <a:rPr lang="fr-FR" sz="900" b="0" i="0" u="none" strike="noStrike" cap="none" dirty="0" err="1" smtClean="0">
+                <a:solidFill>
+                  <a:schemeClr val="dk1"/>
+                </a:solidFill>
+                <a:effectLst/>
+                <a:latin typeface="Calibri"/>
+                <a:ea typeface="Calibri"/>
+                <a:cs typeface="Calibri"/>
+                <a:sym typeface="Calibri"/>
+              </a:rPr>
+              <a:t>miteny</a:t>
+            </a:r>
+            <a:r>
+              <a:rPr lang="fr-FR" sz="900" b="0" i="0" u="none" strike="noStrike" cap="none" dirty="0" smtClean="0">
+                <a:solidFill>
+                  <a:schemeClr val="dk1"/>
+                </a:solidFill>
+                <a:effectLst/>
+                <a:latin typeface="Calibri"/>
+                <a:ea typeface="Calibri"/>
+                <a:cs typeface="Calibri"/>
+                <a:sym typeface="Calibri"/>
+              </a:rPr>
+              <a:t> </a:t>
+            </a:r>
+            <a:r>
+              <a:rPr lang="fr-FR" sz="900" b="0" i="0" u="none" strike="noStrike" cap="none" dirty="0" err="1" smtClean="0">
+                <a:solidFill>
+                  <a:schemeClr val="dk1"/>
+                </a:solidFill>
+                <a:effectLst/>
+                <a:latin typeface="Calibri"/>
+                <a:ea typeface="Calibri"/>
+                <a:cs typeface="Calibri"/>
+                <a:sym typeface="Calibri"/>
+              </a:rPr>
+              <a:t>an’ito</a:t>
+            </a:r>
+            <a:endParaRPr lang="fr-FR" sz="900" b="0" i="0" u="none" strike="noStrike" cap="none" dirty="0" smtClean="0">
+              <a:solidFill>
+                <a:schemeClr val="dk1"/>
+              </a:solidFill>
+              <a:effectLst/>
+              <a:latin typeface="Calibri"/>
+              <a:ea typeface="Calibri"/>
+              <a:cs typeface="Calibri"/>
+              <a:sym typeface="Calibri"/>
+            </a:endParaRPr>
+          </a:p>
+          <a:p>
+            <a:pPr marL="0" lvl="0" indent="0" algn="l" rtl="0">
+              <a:spcBef>
+                <a:spcPts val="0"/>
+              </a:spcBef>
+              <a:spcAft>
+                <a:spcPts val="0"/>
+              </a:spcAft>
+              <a:buNone/>
+            </a:pPr>
+            <a:r>
+              <a:rPr lang="fr-FR" sz="900" b="0" i="0" u="none" strike="noStrike" cap="none" dirty="0" smtClean="0">
+                <a:solidFill>
+                  <a:schemeClr val="dk1"/>
+                </a:solidFill>
+                <a:effectLst/>
+                <a:latin typeface="Calibri"/>
+                <a:ea typeface="Calibri"/>
+                <a:cs typeface="Calibri"/>
+                <a:sym typeface="Calibri"/>
+              </a:rPr>
+              <a:t>"Après avoir exprimé mes sincères remerciements, entrons désormais de manière approfondie dans l'introduction de ce thème."</a:t>
+            </a:r>
+            <a:endParaRPr dirty="0"/>
           </a:p>
         </p:txBody>
       </p:sp>
@@ -5242,7 +6695,11 @@
               </a:spcAft>
               <a:buNone/>
             </a:pPr>
-            <a:endParaRPr/>
+            <a:r>
+              <a:rPr lang="fr-FR" dirty="0" smtClean="0"/>
+              <a:t>L'éducation, pilier fondamental de notre société, a subi une évolution numérique remarquable au cours des décennies écoulées, dévoilant de nouvelles opportunités d'apprentissage. Dans ce contexte dynamique, il devient impératif de mettre en place une plateforme éducative innovante afin de s'adapter de manière flexible aux évolutions des besoins des enseignants et des étudiants.</a:t>
+            </a:r>
+            <a:endParaRPr dirty="0"/>
           </a:p>
         </p:txBody>
       </p:sp>
@@ -5411,6 +6868,18 @@
               </a:spcAft>
               <a:buNone/>
             </a:pPr>
+            <a:r>
+              <a:rPr lang="fr-FR" dirty="0" smtClean="0"/>
+              <a:t>Afin d'explorer de manière approfondie le sujet, notre présentation sera organisée en </a:t>
+            </a:r>
+            <a:r>
+              <a:rPr lang="fr-FR" dirty="0" smtClean="0"/>
+              <a:t>cinq </a:t>
+            </a:r>
+            <a:r>
+              <a:rPr lang="fr-FR" dirty="0" smtClean="0"/>
+              <a:t>parties distinctes.</a:t>
+            </a:r>
             <a:endParaRPr dirty="0"/>
           </a:p>
         </p:txBody>
@@ -5739,7 +7208,27 @@
               </a:spcAft>
               <a:buNone/>
             </a:pPr>
-            <a:endParaRPr/>
+            <a:r>
+              <a:rPr lang="fr-FR" dirty="0" smtClean="0"/>
+              <a:t>L’Ecole Nationale d’Informatique, en abrégé ENI, est un établissement d’enseignement supérieur rattaché académiquement et administrativement à l’Université de Fianarantsoa. Le siège de l’Ecole se trouve à </a:t>
+            </a:r>
+            <a:r>
+              <a:rPr lang="fr-FR" dirty="0" err="1" smtClean="0"/>
+              <a:t>Tanambao-Antaninarenina</a:t>
+            </a:r>
+            <a:r>
+              <a:rPr lang="fr-FR" dirty="0" smtClean="0"/>
+              <a:t> à Fianarantsoa. L’adresse pour la prise de contact avec l’Ecole est la suivante : Ecole Nationale d’Informatique (ENI) </a:t>
+            </a:r>
+            <a:r>
+              <a:rPr lang="fr-FR" dirty="0" err="1" smtClean="0"/>
+              <a:t>Tanambao</a:t>
+            </a:r>
+            <a:r>
+              <a:rPr lang="fr-FR" dirty="0" smtClean="0"/>
+              <a:t>, </a:t>
+            </a:r>
+            <a:endParaRPr dirty="0"/>
           </a:p>
         </p:txBody>
       </p:sp>
@@ -5903,7 +7392,11 @@
               </a:spcAft>
               <a:buNone/>
             </a:pPr>
-            <a:endParaRPr/>
+            <a:r>
+              <a:rPr lang="fr-FR" dirty="0" smtClean="0"/>
+              <a:t>La faculté des Sciences est un établissement public de l'université de Fianarantsoa.</a:t>
+            </a:r>
+            <a:endParaRPr dirty="0"/>
           </a:p>
         </p:txBody>
       </p:sp>
@@ -18873,7 +20366,7 @@
         </p:blipFill>
         <p:spPr>
           <a:xfrm>
-            <a:off x="5782168" y="1767748"/>
+            <a:off x="4842395" y="2181375"/>
             <a:ext cx="644769" cy="443755"/>
           </a:xfrm>
           <a:prstGeom prst="rect">
@@ -18903,7 +20396,7 @@
         </p:blipFill>
         <p:spPr>
           <a:xfrm>
-            <a:off x="5886104" y="3299075"/>
+            <a:off x="4966899" y="3032346"/>
             <a:ext cx="644769" cy="358382"/>
           </a:xfrm>
           <a:prstGeom prst="rect">
@@ -19138,7 +20631,7 @@
         </p:nvSpPr>
         <p:spPr>
           <a:xfrm>
-            <a:off x="2061125" y="2085529"/>
+            <a:off x="1184829" y="2164391"/>
             <a:ext cx="1898677" cy="276999"/>
           </a:xfrm>
           <a:prstGeom prst="rect">
@@ -19168,7 +20661,7 @@
         </p:nvSpPr>
         <p:spPr>
           <a:xfrm>
-            <a:off x="5427189" y="1504815"/>
+            <a:off x="4662329" y="1923288"/>
             <a:ext cx="1898677" cy="276999"/>
           </a:xfrm>
           <a:prstGeom prst="rect">
@@ -19198,7 +20691,7 @@
         </p:nvSpPr>
         <p:spPr>
           <a:xfrm>
-            <a:off x="5467377" y="3651809"/>
+            <a:off x="4515302" y="3344598"/>
             <a:ext cx="1898677" cy="276999"/>
           </a:xfrm>
           <a:prstGeom prst="rect">
@@ -19267,6 +20760,125 @@
                                   </p:childTnLst>
                                 </p:cTn>
                               </p:par>
+                              <p:par>
+                                <p:cTn id="7" presetID="42" presetClass="path" presetSubtype="0" accel="50000" decel="50000" fill="hold" grpId="0" nodeType="withEffect">
+                                  <p:stCondLst>
+                                    <p:cond delay="0"/>
+                                  </p:stCondLst>
+                                  <p:childTnLst>
+                                    <p:animMotion origin="layout" path="M -3.33333E-6 -8.64198E-7 L 0.18629 -0.02346 " pathEditMode="relative" rAng="0" ptsTypes="AA">
+                                      <p:cBhvr>
+                                        <p:cTn id="8" dur="2000" fill="hold"/>
+                                        <p:tgtEl>
+                                          <p:spTgt spid="33"/>
+                                        </p:tgtEl>
+                                        <p:attrNameLst>
+                                          <p:attrName>ppt_x</p:attrName>
+                                          <p:attrName>ppt_y</p:attrName>
+                                        </p:attrNameLst>
+                                      </p:cBhvr>
+                                      <p:rCtr x="9306" y="-1173"/>
+                                    </p:animMotion>
+                                  </p:childTnLst>
+                                </p:cTn>
+                              </p:par>
+                            </p:childTnLst>
+                          </p:cTn>
+                        </p:par>
+                        <p:par>
+                          <p:cTn id="9" fill="hold">
+                            <p:stCondLst>
+                              <p:cond delay="2000"/>
+                            </p:stCondLst>
+                            <p:childTnLst>
+                              <p:par>
+                                <p:cTn id="10" presetID="42" presetClass="path" presetSubtype="0" accel="50000" decel="50000" fill="hold" nodeType="afterEffect">
+                                  <p:stCondLst>
+                                    <p:cond delay="0"/>
+                                  </p:stCondLst>
+                                  <p:childTnLst>
+                                    <p:animMotion origin="layout" path="M 3.05556E-6 -3.95062E-6 L 0.1908 -0.1358 " pathEditMode="relative" rAng="0" ptsTypes="AA">
+                                      <p:cBhvr>
+                                        <p:cTn id="11" dur="2000" fill="hold"/>
+                                        <p:tgtEl>
+                                          <p:spTgt spid="11"/>
+                                        </p:tgtEl>
+                                        <p:attrNameLst>
+                                          <p:attrName>ppt_x</p:attrName>
+                                          <p:attrName>ppt_y</p:attrName>
+                                        </p:attrNameLst>
+                                      </p:cBhvr>
+                                      <p:rCtr x="9531" y="-6790"/>
+                                    </p:animMotion>
+                                  </p:childTnLst>
+                                </p:cTn>
+                              </p:par>
+                              <p:par>
+                                <p:cTn id="12" presetID="42" presetClass="path" presetSubtype="0" accel="50000" decel="50000" fill="hold" grpId="0" nodeType="withEffect">
+                                  <p:stCondLst>
+                                    <p:cond delay="0"/>
+                                  </p:stCondLst>
+                                  <p:childTnLst>
+                                    <p:animMotion origin="layout" path="M 4.72222E-6 4.07407E-6 L 0.17256 -0.13426 " pathEditMode="relative" rAng="0" ptsTypes="AA">
+                                      <p:cBhvr>
+                                        <p:cTn id="13" dur="2000" fill="hold"/>
+                                        <p:tgtEl>
+                                          <p:spTgt spid="34"/>
+                                        </p:tgtEl>
+                                        <p:attrNameLst>
+                                          <p:attrName>ppt_x</p:attrName>
+                                          <p:attrName>ppt_y</p:attrName>
+                                        </p:attrNameLst>
+                                      </p:cBhvr>
+                                      <p:rCtr x="8628" y="-6728"/>
+                                    </p:animMotion>
+                                  </p:childTnLst>
+                                </p:cTn>
+                              </p:par>
+                              <p:par>
+                                <p:cTn id="14" presetID="42" presetClass="path" presetSubtype="0" accel="50000" decel="50000" fill="hold" nodeType="withEffect">
+                                  <p:stCondLst>
+                                    <p:cond delay="0"/>
+                                  </p:stCondLst>
+                                  <p:childTnLst>
+                                    <p:animMotion origin="layout" path="M -2.22222E-6 -2.71605E-6 L 0.20226 0.10556 " pathEditMode="relative" rAng="0" ptsTypes="AA">
+                                      <p:cBhvr>
+                                        <p:cTn id="15" dur="2000" fill="hold"/>
+                                        <p:tgtEl>
+                                          <p:spTgt spid="12"/>
+                                        </p:tgtEl>
+                                        <p:attrNameLst>
+                                          <p:attrName>ppt_x</p:attrName>
+                                          <p:attrName>ppt_y</p:attrName>
+                                        </p:attrNameLst>
+                                      </p:cBhvr>
+                                      <p:rCtr x="10104" y="5278"/>
+                                    </p:animMotion>
+                                  </p:childTnLst>
+                                </p:cTn>
+                              </p:par>
+                              <p:par>
+                                <p:cTn id="16" presetID="42" presetClass="path" presetSubtype="0" accel="50000" decel="50000" fill="hold" grpId="0" nodeType="withEffect">
+                                  <p:stCondLst>
+                                    <p:cond delay="0"/>
+                                  </p:stCondLst>
+                                  <p:childTnLst>
+                                    <p:animMotion origin="layout" path="M 5.55556E-7 -4.93827E-7 L 0.22031 0.10247 " pathEditMode="relative" rAng="0" ptsTypes="AA">
+                                      <p:cBhvr>
+                                        <p:cTn id="17" dur="2000" fill="hold"/>
+                                        <p:tgtEl>
+                                          <p:spTgt spid="35"/>
+                                        </p:tgtEl>
+                                        <p:attrNameLst>
+                                          <p:attrName>ppt_x</p:attrName>
+                                          <p:attrName>ppt_y</p:attrName>
+                                        </p:attrNameLst>
+                                      </p:cBhvr>
+                                      <p:rCtr x="11007" y="5123"/>
+                                    </p:animMotion>
+                                  </p:childTnLst>
+                                </p:cTn>
+                              </p:par>
                             </p:childTnLst>
                           </p:cTn>
                         </p:par>
@@ -19294,6 +20906,11 @@
         </p:cTn>
       </p:par>
     </p:tnLst>
+    <p:bldLst>
+      <p:bldP spid="33" grpId="0"/>
+      <p:bldP spid="34" grpId="0"/>
+      <p:bldP spid="35" grpId="0"/>
+    </p:bldLst>
   </p:timing>
 </p:sld>
 </file>
@@ -21440,6 +23057,2043 @@
 </file>
 
 <file path=ppt/slides/slide15.xml><?xml version="1.0" encoding="utf-8"?>
+<p:sld xmlns:a="http://schemas.openxmlformats.org/drawingml/2006/main" xmlns:r="http://schemas.openxmlformats.org/officeDocument/2006/relationships" xmlns:p="http://schemas.openxmlformats.org/presentationml/2006/main">
+  <p:cSld>
+    <p:spTree>
+      <p:nvGrpSpPr>
+        <p:cNvPr id="1" name=""/>
+        <p:cNvGrpSpPr/>
+        <p:nvPr/>
+      </p:nvGrpSpPr>
+      <p:grpSpPr>
+        <a:xfrm>
+          <a:off x="0" y="0"/>
+          <a:ext cx="0" cy="0"/>
+          <a:chOff x="0" y="0"/>
+          <a:chExt cx="0" cy="0"/>
+        </a:xfrm>
+      </p:grpSpPr>
+      <p:grpSp>
+        <p:nvGrpSpPr>
+          <p:cNvPr id="2" name="Google Shape;476;p28"/>
+          <p:cNvGrpSpPr/>
+          <p:nvPr/>
+        </p:nvGrpSpPr>
+        <p:grpSpPr>
+          <a:xfrm>
+            <a:off x="1149760" y="1340984"/>
+            <a:ext cx="2033588" cy="2033588"/>
+            <a:chOff x="-1266371" y="4076700"/>
+            <a:chExt cx="4165600" cy="4165600"/>
+          </a:xfrm>
+        </p:grpSpPr>
+        <p:sp>
+          <p:nvSpPr>
+            <p:cNvPr id="3" name="Google Shape;477;p28"/>
+            <p:cNvSpPr/>
+            <p:nvPr/>
+          </p:nvSpPr>
+          <p:spPr>
+            <a:xfrm>
+              <a:off x="-1025071" y="4318000"/>
+              <a:ext cx="3683000" cy="3683000"/>
+            </a:xfrm>
+            <a:prstGeom prst="ellipse">
+              <a:avLst/>
+            </a:prstGeom>
+            <a:solidFill>
+              <a:schemeClr val="accent1"/>
+            </a:solidFill>
+            <a:ln>
+              <a:noFill/>
+            </a:ln>
+          </p:spPr>
+          <p:txBody>
+            <a:bodyPr spcFirstLastPara="1" wrap="square" lIns="91425" tIns="45700" rIns="91425" bIns="45700" anchor="ctr" anchorCtr="0">
+              <a:noAutofit/>
+            </a:bodyPr>
+            <a:lstStyle/>
+            <a:p>
+              <a:pPr marL="0" marR="0" lvl="0" indent="0" algn="ctr" rtl="0">
+                <a:spcBef>
+                  <a:spcPts val="0"/>
+                </a:spcBef>
+                <a:spcAft>
+                  <a:spcPts val="0"/>
+                </a:spcAft>
+                <a:buNone/>
+              </a:pPr>
+              <a:endParaRPr sz="1400">
+                <a:solidFill>
+                  <a:schemeClr val="lt1"/>
+                </a:solidFill>
+                <a:latin typeface="Century Gothic"/>
+                <a:ea typeface="Century Gothic"/>
+                <a:cs typeface="Century Gothic"/>
+                <a:sym typeface="Century Gothic"/>
+              </a:endParaRPr>
+            </a:p>
+          </p:txBody>
+        </p:sp>
+        <p:grpSp>
+          <p:nvGrpSpPr>
+            <p:cNvPr id="4" name="Google Shape;478;p28"/>
+            <p:cNvGrpSpPr/>
+            <p:nvPr/>
+          </p:nvGrpSpPr>
+          <p:grpSpPr>
+            <a:xfrm>
+              <a:off x="-1266371" y="4076700"/>
+              <a:ext cx="4165600" cy="4165600"/>
+              <a:chOff x="-1266371" y="4076700"/>
+              <a:chExt cx="4165600" cy="4165600"/>
+            </a:xfrm>
+          </p:grpSpPr>
+          <p:sp>
+            <p:nvSpPr>
+              <p:cNvPr id="5" name="Google Shape;479;p28"/>
+              <p:cNvSpPr/>
+              <p:nvPr/>
+            </p:nvSpPr>
+            <p:spPr>
+              <a:xfrm>
+                <a:off x="2697616" y="5348316"/>
+                <a:ext cx="161925" cy="161925"/>
+              </a:xfrm>
+              <a:prstGeom prst="ellipse">
+                <a:avLst/>
+              </a:prstGeom>
+              <a:solidFill>
+                <a:schemeClr val="accent1"/>
+              </a:solidFill>
+              <a:ln>
+                <a:noFill/>
+              </a:ln>
+            </p:spPr>
+            <p:txBody>
+              <a:bodyPr spcFirstLastPara="1" wrap="square" lIns="91425" tIns="45700" rIns="91425" bIns="45700" anchor="ctr" anchorCtr="0">
+                <a:noAutofit/>
+              </a:bodyPr>
+              <a:lstStyle/>
+              <a:p>
+                <a:pPr marL="0" marR="0" lvl="0" indent="0" algn="ctr" rtl="0">
+                  <a:spcBef>
+                    <a:spcPts val="0"/>
+                  </a:spcBef>
+                  <a:spcAft>
+                    <a:spcPts val="0"/>
+                  </a:spcAft>
+                  <a:buNone/>
+                </a:pPr>
+                <a:endParaRPr sz="1400">
+                  <a:solidFill>
+                    <a:schemeClr val="lt1"/>
+                  </a:solidFill>
+                  <a:latin typeface="Century Gothic"/>
+                  <a:ea typeface="Century Gothic"/>
+                  <a:cs typeface="Century Gothic"/>
+                  <a:sym typeface="Century Gothic"/>
+                </a:endParaRPr>
+              </a:p>
+            </p:txBody>
+          </p:sp>
+          <p:sp>
+            <p:nvSpPr>
+              <p:cNvPr id="6" name="Google Shape;480;p28"/>
+              <p:cNvSpPr/>
+              <p:nvPr/>
+            </p:nvSpPr>
+            <p:spPr>
+              <a:xfrm>
+                <a:off x="-1266371" y="4076700"/>
+                <a:ext cx="4165600" cy="4165600"/>
+              </a:xfrm>
+              <a:prstGeom prst="ellipse">
+                <a:avLst/>
+              </a:prstGeom>
+              <a:noFill/>
+              <a:ln w="12700" cap="flat" cmpd="sng">
+                <a:solidFill>
+                  <a:schemeClr val="accent1"/>
+                </a:solidFill>
+                <a:prstDash val="solid"/>
+                <a:miter lim="800000"/>
+                <a:headEnd type="none" w="sm" len="sm"/>
+                <a:tailEnd type="none" w="sm" len="sm"/>
+              </a:ln>
+            </p:spPr>
+            <p:txBody>
+              <a:bodyPr spcFirstLastPara="1" wrap="square" lIns="91425" tIns="45700" rIns="91425" bIns="45700" anchor="ctr" anchorCtr="0">
+                <a:noAutofit/>
+              </a:bodyPr>
+              <a:lstStyle/>
+              <a:p>
+                <a:pPr marL="0" marR="0" lvl="0" indent="0" algn="ctr" rtl="0">
+                  <a:spcBef>
+                    <a:spcPts val="0"/>
+                  </a:spcBef>
+                  <a:spcAft>
+                    <a:spcPts val="0"/>
+                  </a:spcAft>
+                  <a:buNone/>
+                </a:pPr>
+                <a:endParaRPr sz="1400">
+                  <a:solidFill>
+                    <a:schemeClr val="lt1"/>
+                  </a:solidFill>
+                  <a:latin typeface="Century Gothic"/>
+                  <a:ea typeface="Century Gothic"/>
+                  <a:cs typeface="Century Gothic"/>
+                  <a:sym typeface="Century Gothic"/>
+                </a:endParaRPr>
+              </a:p>
+            </p:txBody>
+          </p:sp>
+          <p:sp>
+            <p:nvSpPr>
+              <p:cNvPr id="7" name="Google Shape;481;p28"/>
+              <p:cNvSpPr/>
+              <p:nvPr/>
+            </p:nvSpPr>
+            <p:spPr>
+              <a:xfrm>
+                <a:off x="-920228" y="7346082"/>
+                <a:ext cx="161925" cy="161925"/>
+              </a:xfrm>
+              <a:prstGeom prst="ellipse">
+                <a:avLst/>
+              </a:prstGeom>
+              <a:solidFill>
+                <a:schemeClr val="accent1"/>
+              </a:solidFill>
+              <a:ln>
+                <a:noFill/>
+              </a:ln>
+            </p:spPr>
+            <p:txBody>
+              <a:bodyPr spcFirstLastPara="1" wrap="square" lIns="91425" tIns="45700" rIns="91425" bIns="45700" anchor="ctr" anchorCtr="0">
+                <a:noAutofit/>
+              </a:bodyPr>
+              <a:lstStyle/>
+              <a:p>
+                <a:pPr marL="0" marR="0" lvl="0" indent="0" algn="ctr" rtl="0">
+                  <a:spcBef>
+                    <a:spcPts val="0"/>
+                  </a:spcBef>
+                  <a:spcAft>
+                    <a:spcPts val="0"/>
+                  </a:spcAft>
+                  <a:buNone/>
+                </a:pPr>
+                <a:endParaRPr sz="1400">
+                  <a:solidFill>
+                    <a:schemeClr val="lt1"/>
+                  </a:solidFill>
+                  <a:latin typeface="Century Gothic"/>
+                  <a:ea typeface="Century Gothic"/>
+                  <a:cs typeface="Century Gothic"/>
+                  <a:sym typeface="Century Gothic"/>
+                </a:endParaRPr>
+              </a:p>
+            </p:txBody>
+          </p:sp>
+        </p:grpSp>
+      </p:grpSp>
+      <p:sp>
+        <p:nvSpPr>
+          <p:cNvPr id="8" name="Google Shape;482;p28"/>
+          <p:cNvSpPr txBox="1"/>
+          <p:nvPr/>
+        </p:nvSpPr>
+        <p:spPr>
+          <a:xfrm>
+            <a:off x="1482774" y="1902319"/>
+            <a:ext cx="1367561" cy="284693"/>
+          </a:xfrm>
+          <a:prstGeom prst="rect">
+            <a:avLst/>
+          </a:prstGeom>
+          <a:noFill/>
+          <a:ln>
+            <a:noFill/>
+          </a:ln>
+        </p:spPr>
+        <p:txBody>
+          <a:bodyPr spcFirstLastPara="1" wrap="square" lIns="68575" tIns="34275" rIns="68575" bIns="34275" anchor="t" anchorCtr="0">
+            <a:noAutofit/>
+          </a:bodyPr>
+          <a:lstStyle/>
+          <a:p>
+            <a:pPr marL="0" marR="0" lvl="0" indent="0" algn="ctr" rtl="0">
+              <a:spcBef>
+                <a:spcPts val="0"/>
+              </a:spcBef>
+              <a:spcAft>
+                <a:spcPts val="0"/>
+              </a:spcAft>
+              <a:buNone/>
+            </a:pPr>
+            <a:r>
+              <a:rPr lang="tr-TR" sz="1400" dirty="0">
+                <a:solidFill>
+                  <a:schemeClr val="lt1"/>
+                </a:solidFill>
+                <a:latin typeface="Century Gothic"/>
+                <a:ea typeface="Century Gothic"/>
+                <a:cs typeface="Century Gothic"/>
+                <a:sym typeface="Century Gothic"/>
+              </a:rPr>
+              <a:t>PART</a:t>
+            </a:r>
+            <a:r>
+              <a:rPr lang="fr-FR" sz="1400" dirty="0">
+                <a:solidFill>
+                  <a:schemeClr val="lt1"/>
+                </a:solidFill>
+                <a:latin typeface="Century Gothic"/>
+                <a:ea typeface="Century Gothic"/>
+                <a:cs typeface="Century Gothic"/>
+                <a:sym typeface="Century Gothic"/>
+              </a:rPr>
+              <a:t>IE III</a:t>
+            </a:r>
+            <a:endParaRPr sz="1400" dirty="0">
+              <a:solidFill>
+                <a:schemeClr val="lt1"/>
+              </a:solidFill>
+              <a:latin typeface="Century Gothic"/>
+              <a:ea typeface="Century Gothic"/>
+              <a:cs typeface="Century Gothic"/>
+              <a:sym typeface="Century Gothic"/>
+            </a:endParaRPr>
+          </a:p>
+        </p:txBody>
+      </p:sp>
+      <p:sp>
+        <p:nvSpPr>
+          <p:cNvPr id="9" name="Google Shape;483;p28"/>
+          <p:cNvSpPr txBox="1"/>
+          <p:nvPr/>
+        </p:nvSpPr>
+        <p:spPr>
+          <a:xfrm>
+            <a:off x="1722885" y="2185103"/>
+            <a:ext cx="887341" cy="830997"/>
+          </a:xfrm>
+          <a:prstGeom prst="rect">
+            <a:avLst/>
+          </a:prstGeom>
+          <a:noFill/>
+          <a:ln>
+            <a:noFill/>
+          </a:ln>
+        </p:spPr>
+        <p:txBody>
+          <a:bodyPr spcFirstLastPara="1" wrap="square" lIns="68575" tIns="34275" rIns="68575" bIns="34275" anchor="t" anchorCtr="0">
+            <a:noAutofit/>
+          </a:bodyPr>
+          <a:lstStyle/>
+          <a:p>
+            <a:pPr marL="0" marR="0" lvl="0" indent="0" algn="just" rtl="0">
+              <a:spcBef>
+                <a:spcPts val="0"/>
+              </a:spcBef>
+              <a:spcAft>
+                <a:spcPts val="0"/>
+              </a:spcAft>
+              <a:buNone/>
+            </a:pPr>
+            <a:r>
+              <a:rPr lang="tr-TR" sz="5000" b="1" dirty="0" smtClean="0">
+                <a:solidFill>
+                  <a:schemeClr val="lt1"/>
+                </a:solidFill>
+                <a:latin typeface="Century Gothic"/>
+                <a:ea typeface="Century Gothic"/>
+                <a:cs typeface="Century Gothic"/>
+                <a:sym typeface="Century Gothic"/>
+              </a:rPr>
+              <a:t>0</a:t>
+            </a:r>
+            <a:r>
+              <a:rPr lang="en-US" sz="5000" b="1" dirty="0">
+                <a:solidFill>
+                  <a:schemeClr val="lt1"/>
+                </a:solidFill>
+                <a:latin typeface="Century Gothic"/>
+                <a:ea typeface="Century Gothic"/>
+                <a:cs typeface="Century Gothic"/>
+                <a:sym typeface="Century Gothic"/>
+              </a:rPr>
+              <a:t>3</a:t>
+            </a:r>
+            <a:endParaRPr sz="5000" b="1" dirty="0">
+              <a:solidFill>
+                <a:schemeClr val="lt1"/>
+              </a:solidFill>
+              <a:latin typeface="Century Gothic"/>
+              <a:ea typeface="Century Gothic"/>
+              <a:cs typeface="Century Gothic"/>
+              <a:sym typeface="Century Gothic"/>
+            </a:endParaRPr>
+          </a:p>
+        </p:txBody>
+      </p:sp>
+      <p:sp>
+        <p:nvSpPr>
+          <p:cNvPr id="10" name="Google Shape;484;p28"/>
+          <p:cNvSpPr txBox="1"/>
+          <p:nvPr/>
+        </p:nvSpPr>
+        <p:spPr>
+          <a:xfrm>
+            <a:off x="3551164" y="1630627"/>
+            <a:ext cx="4417187" cy="623248"/>
+          </a:xfrm>
+          <a:prstGeom prst="rect">
+            <a:avLst/>
+          </a:prstGeom>
+          <a:noFill/>
+          <a:ln>
+            <a:noFill/>
+          </a:ln>
+        </p:spPr>
+        <p:txBody>
+          <a:bodyPr spcFirstLastPara="1" wrap="square" lIns="68575" tIns="34275" rIns="68575" bIns="34275" anchor="t" anchorCtr="0">
+            <a:noAutofit/>
+          </a:bodyPr>
+          <a:lstStyle/>
+          <a:p>
+            <a:pPr marL="0" marR="0" lvl="0" indent="0" algn="just" rtl="0">
+              <a:spcBef>
+                <a:spcPts val="0"/>
+              </a:spcBef>
+              <a:spcAft>
+                <a:spcPts val="0"/>
+              </a:spcAft>
+              <a:buNone/>
+            </a:pPr>
+            <a:r>
+              <a:rPr lang="fr-FR" sz="3600" b="1" dirty="0" smtClean="0">
+                <a:solidFill>
+                  <a:schemeClr val="accent5">
+                    <a:lumMod val="50000"/>
+                  </a:schemeClr>
+                </a:solidFill>
+                <a:latin typeface="Century Gothic"/>
+                <a:ea typeface="Century Gothic"/>
+                <a:cs typeface="Century Gothic"/>
+                <a:sym typeface="Century Gothic"/>
+              </a:rPr>
+              <a:t>CONCEPTION</a:t>
+            </a:r>
+            <a:endParaRPr sz="3600" b="1" dirty="0">
+              <a:solidFill>
+                <a:schemeClr val="accent5">
+                  <a:lumMod val="50000"/>
+                </a:schemeClr>
+              </a:solidFill>
+              <a:latin typeface="Century Gothic"/>
+              <a:ea typeface="Century Gothic"/>
+              <a:cs typeface="Century Gothic"/>
+              <a:sym typeface="Century Gothic"/>
+            </a:endParaRPr>
+          </a:p>
+        </p:txBody>
+      </p:sp>
+      <p:sp>
+        <p:nvSpPr>
+          <p:cNvPr id="11" name="Google Shape;486;p28"/>
+          <p:cNvSpPr/>
+          <p:nvPr/>
+        </p:nvSpPr>
+        <p:spPr>
+          <a:xfrm rot="10800000" flipH="1">
+            <a:off x="7249903" y="-757672"/>
+            <a:ext cx="1436897" cy="1436897"/>
+          </a:xfrm>
+          <a:prstGeom prst="ellipse">
+            <a:avLst/>
+          </a:prstGeom>
+          <a:solidFill>
+            <a:schemeClr val="accent1"/>
+          </a:solidFill>
+          <a:ln>
+            <a:noFill/>
+          </a:ln>
+        </p:spPr>
+        <p:txBody>
+          <a:bodyPr spcFirstLastPara="1" wrap="square" lIns="68575" tIns="34275" rIns="68575" bIns="34275" anchor="ctr" anchorCtr="0">
+            <a:noAutofit/>
+          </a:bodyPr>
+          <a:lstStyle/>
+          <a:p>
+            <a:pPr marL="0" marR="0" lvl="0" indent="0" algn="ctr" rtl="0">
+              <a:spcBef>
+                <a:spcPts val="0"/>
+              </a:spcBef>
+              <a:spcAft>
+                <a:spcPts val="0"/>
+              </a:spcAft>
+              <a:buNone/>
+            </a:pPr>
+            <a:endParaRPr sz="1400">
+              <a:solidFill>
+                <a:schemeClr val="lt1"/>
+              </a:solidFill>
+              <a:latin typeface="Century Gothic"/>
+              <a:ea typeface="Century Gothic"/>
+              <a:cs typeface="Century Gothic"/>
+              <a:sym typeface="Century Gothic"/>
+            </a:endParaRPr>
+          </a:p>
+        </p:txBody>
+      </p:sp>
+      <p:sp>
+        <p:nvSpPr>
+          <p:cNvPr id="12" name="Google Shape;487;p28"/>
+          <p:cNvSpPr/>
+          <p:nvPr/>
+        </p:nvSpPr>
+        <p:spPr>
+          <a:xfrm rot="10800000" flipH="1">
+            <a:off x="6939105" y="4609823"/>
+            <a:ext cx="1442895" cy="1442895"/>
+          </a:xfrm>
+          <a:prstGeom prst="ellipse">
+            <a:avLst/>
+          </a:prstGeom>
+          <a:solidFill>
+            <a:schemeClr val="accent1"/>
+          </a:solidFill>
+          <a:ln>
+            <a:noFill/>
+          </a:ln>
+        </p:spPr>
+        <p:txBody>
+          <a:bodyPr spcFirstLastPara="1" wrap="square" lIns="68575" tIns="34275" rIns="68575" bIns="34275" anchor="ctr" anchorCtr="0">
+            <a:noAutofit/>
+          </a:bodyPr>
+          <a:lstStyle/>
+          <a:p>
+            <a:pPr marL="0" marR="0" lvl="0" indent="0" algn="ctr" rtl="0">
+              <a:spcBef>
+                <a:spcPts val="0"/>
+              </a:spcBef>
+              <a:spcAft>
+                <a:spcPts val="0"/>
+              </a:spcAft>
+              <a:buNone/>
+            </a:pPr>
+            <a:endParaRPr sz="1400">
+              <a:solidFill>
+                <a:schemeClr val="lt1"/>
+              </a:solidFill>
+              <a:latin typeface="Century Gothic"/>
+              <a:ea typeface="Century Gothic"/>
+              <a:cs typeface="Century Gothic"/>
+              <a:sym typeface="Century Gothic"/>
+            </a:endParaRPr>
+          </a:p>
+        </p:txBody>
+      </p:sp>
+      <p:sp>
+        <p:nvSpPr>
+          <p:cNvPr id="13" name="Google Shape;488;p28"/>
+          <p:cNvSpPr/>
+          <p:nvPr/>
+        </p:nvSpPr>
+        <p:spPr>
+          <a:xfrm rot="10800000" flipH="1">
+            <a:off x="3494315" y="972712"/>
+            <a:ext cx="330450" cy="330450"/>
+          </a:xfrm>
+          <a:prstGeom prst="ellipse">
+            <a:avLst/>
+          </a:prstGeom>
+          <a:solidFill>
+            <a:schemeClr val="accent1"/>
+          </a:solidFill>
+          <a:ln>
+            <a:noFill/>
+          </a:ln>
+        </p:spPr>
+        <p:txBody>
+          <a:bodyPr spcFirstLastPara="1" wrap="square" lIns="68575" tIns="34275" rIns="68575" bIns="34275" anchor="ctr" anchorCtr="0">
+            <a:noAutofit/>
+          </a:bodyPr>
+          <a:lstStyle/>
+          <a:p>
+            <a:pPr marL="0" marR="0" lvl="0" indent="0" algn="ctr" rtl="0">
+              <a:spcBef>
+                <a:spcPts val="0"/>
+              </a:spcBef>
+              <a:spcAft>
+                <a:spcPts val="0"/>
+              </a:spcAft>
+              <a:buNone/>
+            </a:pPr>
+            <a:endParaRPr sz="1400">
+              <a:solidFill>
+                <a:schemeClr val="lt1"/>
+              </a:solidFill>
+              <a:latin typeface="Century Gothic"/>
+              <a:ea typeface="Century Gothic"/>
+              <a:cs typeface="Century Gothic"/>
+              <a:sym typeface="Century Gothic"/>
+            </a:endParaRPr>
+          </a:p>
+        </p:txBody>
+      </p:sp>
+      <p:sp>
+        <p:nvSpPr>
+          <p:cNvPr id="14" name="Google Shape;489;p28"/>
+          <p:cNvSpPr/>
+          <p:nvPr/>
+        </p:nvSpPr>
+        <p:spPr>
+          <a:xfrm rot="10800000" flipH="1">
+            <a:off x="5317016" y="3907550"/>
+            <a:ext cx="305943" cy="305943"/>
+          </a:xfrm>
+          <a:prstGeom prst="ellipse">
+            <a:avLst/>
+          </a:prstGeom>
+          <a:solidFill>
+            <a:schemeClr val="accent1"/>
+          </a:solidFill>
+          <a:ln>
+            <a:noFill/>
+          </a:ln>
+        </p:spPr>
+        <p:txBody>
+          <a:bodyPr spcFirstLastPara="1" wrap="square" lIns="68575" tIns="34275" rIns="68575" bIns="34275" anchor="ctr" anchorCtr="0">
+            <a:noAutofit/>
+          </a:bodyPr>
+          <a:lstStyle/>
+          <a:p>
+            <a:pPr marL="0" marR="0" lvl="0" indent="0" algn="ctr" rtl="0">
+              <a:spcBef>
+                <a:spcPts val="0"/>
+              </a:spcBef>
+              <a:spcAft>
+                <a:spcPts val="0"/>
+              </a:spcAft>
+              <a:buNone/>
+            </a:pPr>
+            <a:endParaRPr sz="1400">
+              <a:solidFill>
+                <a:schemeClr val="lt1"/>
+              </a:solidFill>
+              <a:latin typeface="Century Gothic"/>
+              <a:ea typeface="Century Gothic"/>
+              <a:cs typeface="Century Gothic"/>
+              <a:sym typeface="Century Gothic"/>
+            </a:endParaRPr>
+          </a:p>
+        </p:txBody>
+      </p:sp>
+      <p:sp>
+        <p:nvSpPr>
+          <p:cNvPr id="15" name="Google Shape;490;p28"/>
+          <p:cNvSpPr/>
+          <p:nvPr/>
+        </p:nvSpPr>
+        <p:spPr>
+          <a:xfrm rot="10800000" flipH="1">
+            <a:off x="1267560" y="4125686"/>
+            <a:ext cx="175614" cy="175614"/>
+          </a:xfrm>
+          <a:prstGeom prst="ellipse">
+            <a:avLst/>
+          </a:prstGeom>
+          <a:solidFill>
+            <a:schemeClr val="accent1"/>
+          </a:solidFill>
+          <a:ln>
+            <a:noFill/>
+          </a:ln>
+        </p:spPr>
+        <p:txBody>
+          <a:bodyPr spcFirstLastPara="1" wrap="square" lIns="68575" tIns="34275" rIns="68575" bIns="34275" anchor="ctr" anchorCtr="0">
+            <a:noAutofit/>
+          </a:bodyPr>
+          <a:lstStyle/>
+          <a:p>
+            <a:pPr marL="0" marR="0" lvl="0" indent="0" algn="ctr" rtl="0">
+              <a:spcBef>
+                <a:spcPts val="0"/>
+              </a:spcBef>
+              <a:spcAft>
+                <a:spcPts val="0"/>
+              </a:spcAft>
+              <a:buNone/>
+            </a:pPr>
+            <a:endParaRPr sz="1400">
+              <a:solidFill>
+                <a:schemeClr val="lt1"/>
+              </a:solidFill>
+              <a:latin typeface="Century Gothic"/>
+              <a:ea typeface="Century Gothic"/>
+              <a:cs typeface="Century Gothic"/>
+              <a:sym typeface="Century Gothic"/>
+            </a:endParaRPr>
+          </a:p>
+        </p:txBody>
+      </p:sp>
+      <p:grpSp>
+        <p:nvGrpSpPr>
+          <p:cNvPr id="16" name="Google Shape;491;p28"/>
+          <p:cNvGrpSpPr/>
+          <p:nvPr/>
+        </p:nvGrpSpPr>
+        <p:grpSpPr>
+          <a:xfrm>
+            <a:off x="3654103" y="2185104"/>
+            <a:ext cx="4260056" cy="34289"/>
+            <a:chOff x="5029200" y="2769580"/>
+            <a:chExt cx="5680075" cy="45719"/>
+          </a:xfrm>
+        </p:grpSpPr>
+        <p:sp>
+          <p:nvSpPr>
+            <p:cNvPr id="17" name="Google Shape;492;p28"/>
+            <p:cNvSpPr/>
+            <p:nvPr/>
+          </p:nvSpPr>
+          <p:spPr>
+            <a:xfrm>
+              <a:off x="5029200" y="2769580"/>
+              <a:ext cx="723900" cy="45719"/>
+            </a:xfrm>
+            <a:prstGeom prst="rect">
+              <a:avLst/>
+            </a:prstGeom>
+            <a:solidFill>
+              <a:schemeClr val="accent1"/>
+            </a:solidFill>
+            <a:ln>
+              <a:noFill/>
+            </a:ln>
+          </p:spPr>
+          <p:txBody>
+            <a:bodyPr spcFirstLastPara="1" wrap="square" lIns="91425" tIns="45700" rIns="91425" bIns="45700" anchor="ctr" anchorCtr="0">
+              <a:noAutofit/>
+            </a:bodyPr>
+            <a:lstStyle/>
+            <a:p>
+              <a:pPr marL="0" marR="0" lvl="0" indent="0" algn="ctr" rtl="0">
+                <a:spcBef>
+                  <a:spcPts val="0"/>
+                </a:spcBef>
+                <a:spcAft>
+                  <a:spcPts val="0"/>
+                </a:spcAft>
+                <a:buNone/>
+              </a:pPr>
+              <a:endParaRPr sz="1400">
+                <a:solidFill>
+                  <a:schemeClr val="lt1"/>
+                </a:solidFill>
+                <a:latin typeface="Century Gothic"/>
+                <a:ea typeface="Century Gothic"/>
+                <a:cs typeface="Century Gothic"/>
+                <a:sym typeface="Century Gothic"/>
+              </a:endParaRPr>
+            </a:p>
+          </p:txBody>
+        </p:sp>
+        <p:cxnSp>
+          <p:nvCxnSpPr>
+            <p:cNvPr id="18" name="Google Shape;493;p28"/>
+            <p:cNvCxnSpPr/>
+            <p:nvPr/>
+          </p:nvCxnSpPr>
+          <p:spPr>
+            <a:xfrm>
+              <a:off x="5711825" y="2792439"/>
+              <a:ext cx="4997450" cy="0"/>
+            </a:xfrm>
+            <a:prstGeom prst="straightConnector1">
+              <a:avLst/>
+            </a:prstGeom>
+            <a:noFill/>
+            <a:ln w="9525" cap="flat" cmpd="sng">
+              <a:solidFill>
+                <a:schemeClr val="accent1"/>
+              </a:solidFill>
+              <a:prstDash val="solid"/>
+              <a:miter lim="800000"/>
+              <a:headEnd type="none" w="sm" len="sm"/>
+              <a:tailEnd type="none" w="sm" len="sm"/>
+            </a:ln>
+          </p:spPr>
+        </p:cxnSp>
+      </p:grpSp>
+    </p:spTree>
+    <p:extLst>
+      <p:ext uri="{BB962C8B-B14F-4D97-AF65-F5344CB8AC3E}">
+        <p14:creationId xmlns:p14="http://schemas.microsoft.com/office/powerpoint/2010/main" val="2070775703"/>
+      </p:ext>
+    </p:extLst>
+  </p:cSld>
+  <p:clrMapOvr>
+    <a:masterClrMapping/>
+  </p:clrMapOvr>
+  <p:timing>
+    <p:tnLst>
+      <p:par>
+        <p:cTn id="1" dur="indefinite" restart="never" nodeType="tmRoot">
+          <p:childTnLst>
+            <p:seq concurrent="1" nextAc="seek">
+              <p:cTn id="2" dur="indefinite" nodeType="mainSeq">
+                <p:childTnLst>
+                  <p:par>
+                    <p:cTn id="3" fill="hold">
+                      <p:stCondLst>
+                        <p:cond delay="indefinite"/>
+                        <p:cond evt="onBegin" delay="0">
+                          <p:tn val="2"/>
+                        </p:cond>
+                      </p:stCondLst>
+                      <p:childTnLst>
+                        <p:par>
+                          <p:cTn id="4" fill="hold">
+                            <p:stCondLst>
+                              <p:cond delay="0"/>
+                            </p:stCondLst>
+                            <p:childTnLst>
+                              <p:par>
+                                <p:cTn id="5" presetID="8" presetClass="emph" presetSubtype="0" fill="hold" nodeType="withEffect">
+                                  <p:stCondLst>
+                                    <p:cond delay="0"/>
+                                  </p:stCondLst>
+                                  <p:childTnLst>
+                                    <p:animRot by="-21600000">
+                                      <p:cBhvr>
+                                        <p:cTn id="6" dur="4000" fill="hold"/>
+                                        <p:tgtEl>
+                                          <p:spTgt spid="2"/>
+                                        </p:tgtEl>
+                                        <p:attrNameLst>
+                                          <p:attrName>r</p:attrName>
+                                        </p:attrNameLst>
+                                      </p:cBhvr>
+                                    </p:animRot>
+                                  </p:childTnLst>
+                                </p:cTn>
+                              </p:par>
+                              <p:par>
+                                <p:cTn id="7" presetID="23" presetClass="entr" presetSubtype="16" fill="hold" nodeType="withEffect">
+                                  <p:stCondLst>
+                                    <p:cond delay="0"/>
+                                  </p:stCondLst>
+                                  <p:childTnLst>
+                                    <p:set>
+                                      <p:cBhvr>
+                                        <p:cTn id="8" dur="1" fill="hold">
+                                          <p:stCondLst>
+                                            <p:cond delay="0"/>
+                                          </p:stCondLst>
+                                        </p:cTn>
+                                        <p:tgtEl>
+                                          <p:spTgt spid="13"/>
+                                        </p:tgtEl>
+                                        <p:attrNameLst>
+                                          <p:attrName>style.visibility</p:attrName>
+                                        </p:attrNameLst>
+                                      </p:cBhvr>
+                                      <p:to>
+                                        <p:strVal val="visible"/>
+                                      </p:to>
+                                    </p:set>
+                                    <p:anim calcmode="lin" valueType="num">
+                                      <p:cBhvr additive="base">
+                                        <p:cTn id="9" dur="500"/>
+                                        <p:tgtEl>
+                                          <p:spTgt spid="13"/>
+                                        </p:tgtEl>
+                                        <p:attrNameLst>
+                                          <p:attrName>ppt_w</p:attrName>
+                                        </p:attrNameLst>
+                                      </p:cBhvr>
+                                      <p:tavLst>
+                                        <p:tav tm="0">
+                                          <p:val>
+                                            <p:strVal val="0"/>
+                                          </p:val>
+                                        </p:tav>
+                                        <p:tav tm="100000">
+                                          <p:val>
+                                            <p:strVal val="#ppt_w"/>
+                                          </p:val>
+                                        </p:tav>
+                                      </p:tavLst>
+                                    </p:anim>
+                                    <p:anim calcmode="lin" valueType="num">
+                                      <p:cBhvr additive="base">
+                                        <p:cTn id="10" dur="500"/>
+                                        <p:tgtEl>
+                                          <p:spTgt spid="13"/>
+                                        </p:tgtEl>
+                                        <p:attrNameLst>
+                                          <p:attrName>ppt_h</p:attrName>
+                                        </p:attrNameLst>
+                                      </p:cBhvr>
+                                      <p:tavLst>
+                                        <p:tav tm="0">
+                                          <p:val>
+                                            <p:strVal val="0"/>
+                                          </p:val>
+                                        </p:tav>
+                                        <p:tav tm="100000">
+                                          <p:val>
+                                            <p:strVal val="#ppt_h"/>
+                                          </p:val>
+                                        </p:tav>
+                                      </p:tavLst>
+                                    </p:anim>
+                                  </p:childTnLst>
+                                </p:cTn>
+                              </p:par>
+                              <p:par>
+                                <p:cTn id="11" presetID="23" presetClass="entr" presetSubtype="16" fill="hold" nodeType="withEffect">
+                                  <p:stCondLst>
+                                    <p:cond delay="500"/>
+                                  </p:stCondLst>
+                                  <p:childTnLst>
+                                    <p:set>
+                                      <p:cBhvr>
+                                        <p:cTn id="12" dur="1" fill="hold">
+                                          <p:stCondLst>
+                                            <p:cond delay="0"/>
+                                          </p:stCondLst>
+                                        </p:cTn>
+                                        <p:tgtEl>
+                                          <p:spTgt spid="15"/>
+                                        </p:tgtEl>
+                                        <p:attrNameLst>
+                                          <p:attrName>style.visibility</p:attrName>
+                                        </p:attrNameLst>
+                                      </p:cBhvr>
+                                      <p:to>
+                                        <p:strVal val="visible"/>
+                                      </p:to>
+                                    </p:set>
+                                    <p:anim calcmode="lin" valueType="num">
+                                      <p:cBhvr additive="base">
+                                        <p:cTn id="13" dur="500"/>
+                                        <p:tgtEl>
+                                          <p:spTgt spid="15"/>
+                                        </p:tgtEl>
+                                        <p:attrNameLst>
+                                          <p:attrName>ppt_w</p:attrName>
+                                        </p:attrNameLst>
+                                      </p:cBhvr>
+                                      <p:tavLst>
+                                        <p:tav tm="0">
+                                          <p:val>
+                                            <p:strVal val="0"/>
+                                          </p:val>
+                                        </p:tav>
+                                        <p:tav tm="100000">
+                                          <p:val>
+                                            <p:strVal val="#ppt_w"/>
+                                          </p:val>
+                                        </p:tav>
+                                      </p:tavLst>
+                                    </p:anim>
+                                    <p:anim calcmode="lin" valueType="num">
+                                      <p:cBhvr additive="base">
+                                        <p:cTn id="14" dur="500"/>
+                                        <p:tgtEl>
+                                          <p:spTgt spid="15"/>
+                                        </p:tgtEl>
+                                        <p:attrNameLst>
+                                          <p:attrName>ppt_h</p:attrName>
+                                        </p:attrNameLst>
+                                      </p:cBhvr>
+                                      <p:tavLst>
+                                        <p:tav tm="0">
+                                          <p:val>
+                                            <p:strVal val="0"/>
+                                          </p:val>
+                                        </p:tav>
+                                        <p:tav tm="100000">
+                                          <p:val>
+                                            <p:strVal val="#ppt_h"/>
+                                          </p:val>
+                                        </p:tav>
+                                      </p:tavLst>
+                                    </p:anim>
+                                  </p:childTnLst>
+                                </p:cTn>
+                              </p:par>
+                              <p:par>
+                                <p:cTn id="15" presetID="23" presetClass="entr" presetSubtype="16" fill="hold" nodeType="withEffect">
+                                  <p:stCondLst>
+                                    <p:cond delay="250"/>
+                                  </p:stCondLst>
+                                  <p:childTnLst>
+                                    <p:set>
+                                      <p:cBhvr>
+                                        <p:cTn id="16" dur="1" fill="hold">
+                                          <p:stCondLst>
+                                            <p:cond delay="0"/>
+                                          </p:stCondLst>
+                                        </p:cTn>
+                                        <p:tgtEl>
+                                          <p:spTgt spid="14"/>
+                                        </p:tgtEl>
+                                        <p:attrNameLst>
+                                          <p:attrName>style.visibility</p:attrName>
+                                        </p:attrNameLst>
+                                      </p:cBhvr>
+                                      <p:to>
+                                        <p:strVal val="visible"/>
+                                      </p:to>
+                                    </p:set>
+                                    <p:anim calcmode="lin" valueType="num">
+                                      <p:cBhvr additive="base">
+                                        <p:cTn id="17" dur="500"/>
+                                        <p:tgtEl>
+                                          <p:spTgt spid="14"/>
+                                        </p:tgtEl>
+                                        <p:attrNameLst>
+                                          <p:attrName>ppt_w</p:attrName>
+                                        </p:attrNameLst>
+                                      </p:cBhvr>
+                                      <p:tavLst>
+                                        <p:tav tm="0">
+                                          <p:val>
+                                            <p:strVal val="0"/>
+                                          </p:val>
+                                        </p:tav>
+                                        <p:tav tm="100000">
+                                          <p:val>
+                                            <p:strVal val="#ppt_w"/>
+                                          </p:val>
+                                        </p:tav>
+                                      </p:tavLst>
+                                    </p:anim>
+                                    <p:anim calcmode="lin" valueType="num">
+                                      <p:cBhvr additive="base">
+                                        <p:cTn id="18" dur="500"/>
+                                        <p:tgtEl>
+                                          <p:spTgt spid="14"/>
+                                        </p:tgtEl>
+                                        <p:attrNameLst>
+                                          <p:attrName>ppt_h</p:attrName>
+                                        </p:attrNameLst>
+                                      </p:cBhvr>
+                                      <p:tavLst>
+                                        <p:tav tm="0">
+                                          <p:val>
+                                            <p:strVal val="0"/>
+                                          </p:val>
+                                        </p:tav>
+                                        <p:tav tm="100000">
+                                          <p:val>
+                                            <p:strVal val="#ppt_h"/>
+                                          </p:val>
+                                        </p:tav>
+                                      </p:tavLst>
+                                    </p:anim>
+                                  </p:childTnLst>
+                                </p:cTn>
+                              </p:par>
+                              <p:par>
+                                <p:cTn id="19" presetID="23" presetClass="entr" presetSubtype="16" fill="hold" nodeType="withEffect">
+                                  <p:stCondLst>
+                                    <p:cond delay="250"/>
+                                  </p:stCondLst>
+                                  <p:childTnLst>
+                                    <p:set>
+                                      <p:cBhvr>
+                                        <p:cTn id="20" dur="1" fill="hold">
+                                          <p:stCondLst>
+                                            <p:cond delay="0"/>
+                                          </p:stCondLst>
+                                        </p:cTn>
+                                        <p:tgtEl>
+                                          <p:spTgt spid="12"/>
+                                        </p:tgtEl>
+                                        <p:attrNameLst>
+                                          <p:attrName>style.visibility</p:attrName>
+                                        </p:attrNameLst>
+                                      </p:cBhvr>
+                                      <p:to>
+                                        <p:strVal val="visible"/>
+                                      </p:to>
+                                    </p:set>
+                                    <p:anim calcmode="lin" valueType="num">
+                                      <p:cBhvr additive="base">
+                                        <p:cTn id="21" dur="500"/>
+                                        <p:tgtEl>
+                                          <p:spTgt spid="12"/>
+                                        </p:tgtEl>
+                                        <p:attrNameLst>
+                                          <p:attrName>ppt_w</p:attrName>
+                                        </p:attrNameLst>
+                                      </p:cBhvr>
+                                      <p:tavLst>
+                                        <p:tav tm="0">
+                                          <p:val>
+                                            <p:strVal val="0"/>
+                                          </p:val>
+                                        </p:tav>
+                                        <p:tav tm="100000">
+                                          <p:val>
+                                            <p:strVal val="#ppt_w"/>
+                                          </p:val>
+                                        </p:tav>
+                                      </p:tavLst>
+                                    </p:anim>
+                                    <p:anim calcmode="lin" valueType="num">
+                                      <p:cBhvr additive="base">
+                                        <p:cTn id="22" dur="500"/>
+                                        <p:tgtEl>
+                                          <p:spTgt spid="12"/>
+                                        </p:tgtEl>
+                                        <p:attrNameLst>
+                                          <p:attrName>ppt_h</p:attrName>
+                                        </p:attrNameLst>
+                                      </p:cBhvr>
+                                      <p:tavLst>
+                                        <p:tav tm="0">
+                                          <p:val>
+                                            <p:strVal val="0"/>
+                                          </p:val>
+                                        </p:tav>
+                                        <p:tav tm="100000">
+                                          <p:val>
+                                            <p:strVal val="#ppt_h"/>
+                                          </p:val>
+                                        </p:tav>
+                                      </p:tavLst>
+                                    </p:anim>
+                                  </p:childTnLst>
+                                </p:cTn>
+                              </p:par>
+                              <p:par>
+                                <p:cTn id="23" presetID="23" presetClass="entr" presetSubtype="16" fill="hold" nodeType="withEffect">
+                                  <p:stCondLst>
+                                    <p:cond delay="750"/>
+                                  </p:stCondLst>
+                                  <p:childTnLst>
+                                    <p:set>
+                                      <p:cBhvr>
+                                        <p:cTn id="24" dur="1" fill="hold">
+                                          <p:stCondLst>
+                                            <p:cond delay="0"/>
+                                          </p:stCondLst>
+                                        </p:cTn>
+                                        <p:tgtEl>
+                                          <p:spTgt spid="11"/>
+                                        </p:tgtEl>
+                                        <p:attrNameLst>
+                                          <p:attrName>style.visibility</p:attrName>
+                                        </p:attrNameLst>
+                                      </p:cBhvr>
+                                      <p:to>
+                                        <p:strVal val="visible"/>
+                                      </p:to>
+                                    </p:set>
+                                    <p:anim calcmode="lin" valueType="num">
+                                      <p:cBhvr additive="base">
+                                        <p:cTn id="25" dur="500"/>
+                                        <p:tgtEl>
+                                          <p:spTgt spid="11"/>
+                                        </p:tgtEl>
+                                        <p:attrNameLst>
+                                          <p:attrName>ppt_w</p:attrName>
+                                        </p:attrNameLst>
+                                      </p:cBhvr>
+                                      <p:tavLst>
+                                        <p:tav tm="0">
+                                          <p:val>
+                                            <p:strVal val="0"/>
+                                          </p:val>
+                                        </p:tav>
+                                        <p:tav tm="100000">
+                                          <p:val>
+                                            <p:strVal val="#ppt_w"/>
+                                          </p:val>
+                                        </p:tav>
+                                      </p:tavLst>
+                                    </p:anim>
+                                    <p:anim calcmode="lin" valueType="num">
+                                      <p:cBhvr additive="base">
+                                        <p:cTn id="26" dur="500"/>
+                                        <p:tgtEl>
+                                          <p:spTgt spid="11"/>
+                                        </p:tgtEl>
+                                        <p:attrNameLst>
+                                          <p:attrName>ppt_h</p:attrName>
+                                        </p:attrNameLst>
+                                      </p:cBhvr>
+                                      <p:tavLst>
+                                        <p:tav tm="0">
+                                          <p:val>
+                                            <p:strVal val="0"/>
+                                          </p:val>
+                                        </p:tav>
+                                        <p:tav tm="100000">
+                                          <p:val>
+                                            <p:strVal val="#ppt_h"/>
+                                          </p:val>
+                                        </p:tav>
+                                      </p:tavLst>
+                                    </p:anim>
+                                  </p:childTnLst>
+                                </p:cTn>
+                              </p:par>
+                              <p:par>
+                                <p:cTn id="27" presetID="23" presetClass="entr" presetSubtype="16" fill="hold" nodeType="withEffect">
+                                  <p:stCondLst>
+                                    <p:cond delay="0"/>
+                                  </p:stCondLst>
+                                  <p:childTnLst>
+                                    <p:set>
+                                      <p:cBhvr>
+                                        <p:cTn id="28" dur="1" fill="hold">
+                                          <p:stCondLst>
+                                            <p:cond delay="0"/>
+                                          </p:stCondLst>
+                                        </p:cTn>
+                                        <p:tgtEl>
+                                          <p:spTgt spid="8"/>
+                                        </p:tgtEl>
+                                        <p:attrNameLst>
+                                          <p:attrName>style.visibility</p:attrName>
+                                        </p:attrNameLst>
+                                      </p:cBhvr>
+                                      <p:to>
+                                        <p:strVal val="visible"/>
+                                      </p:to>
+                                    </p:set>
+                                    <p:anim calcmode="lin" valueType="num">
+                                      <p:cBhvr additive="base">
+                                        <p:cTn id="29" dur="500"/>
+                                        <p:tgtEl>
+                                          <p:spTgt spid="8"/>
+                                        </p:tgtEl>
+                                        <p:attrNameLst>
+                                          <p:attrName>ppt_w</p:attrName>
+                                        </p:attrNameLst>
+                                      </p:cBhvr>
+                                      <p:tavLst>
+                                        <p:tav tm="0">
+                                          <p:val>
+                                            <p:strVal val="0"/>
+                                          </p:val>
+                                        </p:tav>
+                                        <p:tav tm="100000">
+                                          <p:val>
+                                            <p:strVal val="#ppt_w"/>
+                                          </p:val>
+                                        </p:tav>
+                                      </p:tavLst>
+                                    </p:anim>
+                                    <p:anim calcmode="lin" valueType="num">
+                                      <p:cBhvr additive="base">
+                                        <p:cTn id="30" dur="500"/>
+                                        <p:tgtEl>
+                                          <p:spTgt spid="8"/>
+                                        </p:tgtEl>
+                                        <p:attrNameLst>
+                                          <p:attrName>ppt_h</p:attrName>
+                                        </p:attrNameLst>
+                                      </p:cBhvr>
+                                      <p:tavLst>
+                                        <p:tav tm="0">
+                                          <p:val>
+                                            <p:strVal val="0"/>
+                                          </p:val>
+                                        </p:tav>
+                                        <p:tav tm="100000">
+                                          <p:val>
+                                            <p:strVal val="#ppt_h"/>
+                                          </p:val>
+                                        </p:tav>
+                                      </p:tavLst>
+                                    </p:anim>
+                                  </p:childTnLst>
+                                </p:cTn>
+                              </p:par>
+                              <p:par>
+                                <p:cTn id="31" presetID="23" presetClass="entr" presetSubtype="16" fill="hold" nodeType="withEffect">
+                                  <p:stCondLst>
+                                    <p:cond delay="0"/>
+                                  </p:stCondLst>
+                                  <p:childTnLst>
+                                    <p:set>
+                                      <p:cBhvr>
+                                        <p:cTn id="32" dur="1" fill="hold">
+                                          <p:stCondLst>
+                                            <p:cond delay="0"/>
+                                          </p:stCondLst>
+                                        </p:cTn>
+                                        <p:tgtEl>
+                                          <p:spTgt spid="9"/>
+                                        </p:tgtEl>
+                                        <p:attrNameLst>
+                                          <p:attrName>style.visibility</p:attrName>
+                                        </p:attrNameLst>
+                                      </p:cBhvr>
+                                      <p:to>
+                                        <p:strVal val="visible"/>
+                                      </p:to>
+                                    </p:set>
+                                    <p:anim calcmode="lin" valueType="num">
+                                      <p:cBhvr additive="base">
+                                        <p:cTn id="33" dur="500"/>
+                                        <p:tgtEl>
+                                          <p:spTgt spid="9"/>
+                                        </p:tgtEl>
+                                        <p:attrNameLst>
+                                          <p:attrName>ppt_w</p:attrName>
+                                        </p:attrNameLst>
+                                      </p:cBhvr>
+                                      <p:tavLst>
+                                        <p:tav tm="0">
+                                          <p:val>
+                                            <p:strVal val="0"/>
+                                          </p:val>
+                                        </p:tav>
+                                        <p:tav tm="100000">
+                                          <p:val>
+                                            <p:strVal val="#ppt_w"/>
+                                          </p:val>
+                                        </p:tav>
+                                      </p:tavLst>
+                                    </p:anim>
+                                    <p:anim calcmode="lin" valueType="num">
+                                      <p:cBhvr additive="base">
+                                        <p:cTn id="34" dur="500"/>
+                                        <p:tgtEl>
+                                          <p:spTgt spid="9"/>
+                                        </p:tgtEl>
+                                        <p:attrNameLst>
+                                          <p:attrName>ppt_h</p:attrName>
+                                        </p:attrNameLst>
+                                      </p:cBhvr>
+                                      <p:tavLst>
+                                        <p:tav tm="0">
+                                          <p:val>
+                                            <p:strVal val="0"/>
+                                          </p:val>
+                                        </p:tav>
+                                        <p:tav tm="100000">
+                                          <p:val>
+                                            <p:strVal val="#ppt_h"/>
+                                          </p:val>
+                                        </p:tav>
+                                      </p:tavLst>
+                                    </p:anim>
+                                  </p:childTnLst>
+                                </p:cTn>
+                              </p:par>
+                              <p:par>
+                                <p:cTn id="35" presetID="10" presetClass="entr" presetSubtype="0" fill="hold" nodeType="withEffect">
+                                  <p:stCondLst>
+                                    <p:cond delay="250"/>
+                                  </p:stCondLst>
+                                  <p:childTnLst>
+                                    <p:set>
+                                      <p:cBhvr>
+                                        <p:cTn id="36" dur="1" fill="hold">
+                                          <p:stCondLst>
+                                            <p:cond delay="0"/>
+                                          </p:stCondLst>
+                                        </p:cTn>
+                                        <p:tgtEl>
+                                          <p:spTgt spid="10"/>
+                                        </p:tgtEl>
+                                        <p:attrNameLst>
+                                          <p:attrName>style.visibility</p:attrName>
+                                        </p:attrNameLst>
+                                      </p:cBhvr>
+                                      <p:to>
+                                        <p:strVal val="visible"/>
+                                      </p:to>
+                                    </p:set>
+                                    <p:animEffect transition="in" filter="fade">
+                                      <p:cBhvr>
+                                        <p:cTn id="37" dur="500"/>
+                                        <p:tgtEl>
+                                          <p:spTgt spid="10"/>
+                                        </p:tgtEl>
+                                      </p:cBhvr>
+                                    </p:animEffect>
+                                  </p:childTnLst>
+                                </p:cTn>
+                              </p:par>
+                              <p:par>
+                                <p:cTn id="38" presetID="10" presetClass="entr" presetSubtype="0" fill="hold" nodeType="withEffect">
+                                  <p:stCondLst>
+                                    <p:cond delay="0"/>
+                                  </p:stCondLst>
+                                  <p:childTnLst>
+                                    <p:set>
+                                      <p:cBhvr>
+                                        <p:cTn id="39" dur="1" fill="hold">
+                                          <p:stCondLst>
+                                            <p:cond delay="0"/>
+                                          </p:stCondLst>
+                                        </p:cTn>
+                                        <p:tgtEl>
+                                          <p:spTgt spid="16"/>
+                                        </p:tgtEl>
+                                        <p:attrNameLst>
+                                          <p:attrName>style.visibility</p:attrName>
+                                        </p:attrNameLst>
+                                      </p:cBhvr>
+                                      <p:to>
+                                        <p:strVal val="visible"/>
+                                      </p:to>
+                                    </p:set>
+                                    <p:animEffect transition="in" filter="fade">
+                                      <p:cBhvr>
+                                        <p:cTn id="40" dur="500"/>
+                                        <p:tgtEl>
+                                          <p:spTgt spid="16"/>
+                                        </p:tgtEl>
+                                      </p:cBhvr>
+                                    </p:animEffect>
+                                  </p:childTnLst>
+                                </p:cTn>
+                              </p:par>
+                            </p:childTnLst>
+                          </p:cTn>
+                        </p:par>
+                      </p:childTnLst>
+                    </p:cTn>
+                  </p:par>
+                </p:childTnLst>
+              </p:cTn>
+              <p:prevCondLst>
+                <p:cond evt="onPrev" delay="0">
+                  <p:tgtEl>
+                    <p:sldTgt/>
+                  </p:tgtEl>
+                </p:cond>
+              </p:prevCondLst>
+              <p:nextCondLst>
+                <p:cond evt="onNext" delay="0">
+                  <p:tgtEl>
+                    <p:sldTgt/>
+                  </p:tgtEl>
+                </p:cond>
+              </p:nextCondLst>
+            </p:seq>
+          </p:childTnLst>
+        </p:cTn>
+      </p:par>
+    </p:tnLst>
+  </p:timing>
+</p:sld>
+</file>
+
+<file path=ppt/slides/slide16.xml><?xml version="1.0" encoding="utf-8"?>
+<p:sld xmlns:a="http://schemas.openxmlformats.org/drawingml/2006/main" xmlns:r="http://schemas.openxmlformats.org/officeDocument/2006/relationships" xmlns:p="http://schemas.openxmlformats.org/presentationml/2006/main">
+  <p:cSld>
+    <p:spTree>
+      <p:nvGrpSpPr>
+        <p:cNvPr id="1" name=""/>
+        <p:cNvGrpSpPr/>
+        <p:nvPr/>
+      </p:nvGrpSpPr>
+      <p:grpSpPr>
+        <a:xfrm>
+          <a:off x="0" y="0"/>
+          <a:ext cx="0" cy="0"/>
+          <a:chOff x="0" y="0"/>
+          <a:chExt cx="0" cy="0"/>
+        </a:xfrm>
+      </p:grpSpPr>
+      <p:sp>
+        <p:nvSpPr>
+          <p:cNvPr id="2" name="Google Shape;412;p25"/>
+          <p:cNvSpPr/>
+          <p:nvPr/>
+        </p:nvSpPr>
+        <p:spPr>
+          <a:xfrm rot="10800000" flipH="1">
+            <a:off x="466726" y="228401"/>
+            <a:ext cx="496860" cy="496860"/>
+          </a:xfrm>
+          <a:prstGeom prst="ellipse">
+            <a:avLst/>
+          </a:prstGeom>
+          <a:solidFill>
+            <a:schemeClr val="accent1"/>
+          </a:solidFill>
+          <a:ln>
+            <a:noFill/>
+          </a:ln>
+        </p:spPr>
+        <p:txBody>
+          <a:bodyPr spcFirstLastPara="1" wrap="square" lIns="68575" tIns="34275" rIns="68575" bIns="34275" anchor="ctr" anchorCtr="0">
+            <a:noAutofit/>
+          </a:bodyPr>
+          <a:lstStyle/>
+          <a:p>
+            <a:pPr marL="0" marR="0" lvl="0" indent="0" algn="ctr" rtl="0">
+              <a:spcBef>
+                <a:spcPts val="0"/>
+              </a:spcBef>
+              <a:spcAft>
+                <a:spcPts val="0"/>
+              </a:spcAft>
+              <a:buNone/>
+            </a:pPr>
+            <a:endParaRPr sz="1400">
+              <a:solidFill>
+                <a:schemeClr val="lt1"/>
+              </a:solidFill>
+              <a:latin typeface="Century Gothic"/>
+              <a:ea typeface="Century Gothic"/>
+              <a:cs typeface="Century Gothic"/>
+              <a:sym typeface="Century Gothic"/>
+            </a:endParaRPr>
+          </a:p>
+        </p:txBody>
+      </p:sp>
+      <p:sp>
+        <p:nvSpPr>
+          <p:cNvPr id="3" name="Google Shape;413;p25"/>
+          <p:cNvSpPr/>
+          <p:nvPr/>
+        </p:nvSpPr>
+        <p:spPr>
+          <a:xfrm rot="10800000" flipH="1">
+            <a:off x="-248430" y="-268460"/>
+            <a:ext cx="1058055" cy="1058055"/>
+          </a:xfrm>
+          <a:prstGeom prst="ellipse">
+            <a:avLst/>
+          </a:prstGeom>
+          <a:noFill/>
+          <a:ln w="12700" cap="flat" cmpd="sng">
+            <a:solidFill>
+              <a:schemeClr val="accent1"/>
+            </a:solidFill>
+            <a:prstDash val="solid"/>
+            <a:miter lim="800000"/>
+            <a:headEnd type="none" w="sm" len="sm"/>
+            <a:tailEnd type="none" w="sm" len="sm"/>
+          </a:ln>
+        </p:spPr>
+        <p:txBody>
+          <a:bodyPr spcFirstLastPara="1" wrap="square" lIns="68575" tIns="34275" rIns="68575" bIns="34275" anchor="ctr" anchorCtr="0">
+            <a:noAutofit/>
+          </a:bodyPr>
+          <a:lstStyle/>
+          <a:p>
+            <a:pPr marL="0" marR="0" lvl="0" indent="0" algn="ctr" rtl="0">
+              <a:spcBef>
+                <a:spcPts val="0"/>
+              </a:spcBef>
+              <a:spcAft>
+                <a:spcPts val="0"/>
+              </a:spcAft>
+              <a:buNone/>
+            </a:pPr>
+            <a:endParaRPr sz="1400">
+              <a:solidFill>
+                <a:schemeClr val="lt1"/>
+              </a:solidFill>
+              <a:latin typeface="Century Gothic"/>
+              <a:ea typeface="Century Gothic"/>
+              <a:cs typeface="Century Gothic"/>
+              <a:sym typeface="Century Gothic"/>
+            </a:endParaRPr>
+          </a:p>
+        </p:txBody>
+      </p:sp>
+      <p:sp>
+        <p:nvSpPr>
+          <p:cNvPr id="4" name="Google Shape;414;p25"/>
+          <p:cNvSpPr txBox="1"/>
+          <p:nvPr/>
+        </p:nvSpPr>
+        <p:spPr>
+          <a:xfrm>
+            <a:off x="517512" y="303706"/>
+            <a:ext cx="395287" cy="346249"/>
+          </a:xfrm>
+          <a:prstGeom prst="rect">
+            <a:avLst/>
+          </a:prstGeom>
+          <a:noFill/>
+          <a:ln>
+            <a:noFill/>
+          </a:ln>
+        </p:spPr>
+        <p:txBody>
+          <a:bodyPr spcFirstLastPara="1" wrap="square" lIns="68575" tIns="34275" rIns="68575" bIns="34275" anchor="t" anchorCtr="0">
+            <a:noAutofit/>
+          </a:bodyPr>
+          <a:lstStyle/>
+          <a:p>
+            <a:pPr marL="0" marR="0" lvl="0" indent="0" algn="just" rtl="0">
+              <a:spcBef>
+                <a:spcPts val="0"/>
+              </a:spcBef>
+              <a:spcAft>
+                <a:spcPts val="0"/>
+              </a:spcAft>
+              <a:buNone/>
+            </a:pPr>
+            <a:r>
+              <a:rPr lang="tr-TR" sz="1800" dirty="0" smtClean="0">
+                <a:solidFill>
+                  <a:schemeClr val="lt1"/>
+                </a:solidFill>
+                <a:latin typeface="Century Gothic"/>
+                <a:ea typeface="Century Gothic"/>
+                <a:cs typeface="Century Gothic"/>
+                <a:sym typeface="Century Gothic"/>
+              </a:rPr>
+              <a:t>0</a:t>
+            </a:r>
+            <a:r>
+              <a:rPr lang="fr-FR" sz="1800" dirty="0">
+                <a:solidFill>
+                  <a:schemeClr val="lt1"/>
+                </a:solidFill>
+                <a:latin typeface="Century Gothic"/>
+                <a:ea typeface="Century Gothic"/>
+                <a:cs typeface="Century Gothic"/>
+                <a:sym typeface="Century Gothic"/>
+              </a:rPr>
+              <a:t>3</a:t>
+            </a:r>
+            <a:endParaRPr sz="1800" dirty="0">
+              <a:solidFill>
+                <a:schemeClr val="lt1"/>
+              </a:solidFill>
+              <a:latin typeface="Century Gothic"/>
+              <a:ea typeface="Century Gothic"/>
+              <a:cs typeface="Century Gothic"/>
+              <a:sym typeface="Century Gothic"/>
+            </a:endParaRPr>
+          </a:p>
+        </p:txBody>
+      </p:sp>
+      <p:sp>
+        <p:nvSpPr>
+          <p:cNvPr id="5" name="Google Shape;436;p25"/>
+          <p:cNvSpPr txBox="1"/>
+          <p:nvPr/>
+        </p:nvSpPr>
+        <p:spPr>
+          <a:xfrm>
+            <a:off x="1014371" y="228401"/>
+            <a:ext cx="3745197" cy="346249"/>
+          </a:xfrm>
+          <a:prstGeom prst="rect">
+            <a:avLst/>
+          </a:prstGeom>
+          <a:noFill/>
+          <a:ln>
+            <a:noFill/>
+          </a:ln>
+        </p:spPr>
+        <p:txBody>
+          <a:bodyPr spcFirstLastPara="1" wrap="square" lIns="68575" tIns="34275" rIns="68575" bIns="34275" anchor="t" anchorCtr="0">
+            <a:noAutofit/>
+          </a:bodyPr>
+          <a:lstStyle/>
+          <a:p>
+            <a:pPr marL="0" marR="0" lvl="0" indent="0" algn="just" rtl="0">
+              <a:spcBef>
+                <a:spcPts val="0"/>
+              </a:spcBef>
+              <a:spcAft>
+                <a:spcPts val="0"/>
+              </a:spcAft>
+              <a:buNone/>
+            </a:pPr>
+            <a:r>
+              <a:rPr lang="fr-FR" sz="1800" b="1" dirty="0" smtClean="0">
+                <a:solidFill>
+                  <a:schemeClr val="accent5">
+                    <a:lumMod val="50000"/>
+                  </a:schemeClr>
+                </a:solidFill>
+                <a:latin typeface="Century Gothic"/>
+                <a:ea typeface="Century Gothic"/>
+                <a:cs typeface="Century Gothic"/>
+                <a:sym typeface="Century Gothic"/>
+              </a:rPr>
+              <a:t>Diagramme de cas d’utilisation</a:t>
+            </a:r>
+            <a:endParaRPr sz="1800" b="1" dirty="0">
+              <a:solidFill>
+                <a:schemeClr val="accent5">
+                  <a:lumMod val="50000"/>
+                </a:schemeClr>
+              </a:solidFill>
+              <a:latin typeface="Century Gothic"/>
+              <a:ea typeface="Century Gothic"/>
+              <a:cs typeface="Century Gothic"/>
+              <a:sym typeface="Century Gothic"/>
+            </a:endParaRPr>
+          </a:p>
+        </p:txBody>
+      </p:sp>
+      <p:pic>
+        <p:nvPicPr>
+          <p:cNvPr id="17" name="Image 16"/>
+          <p:cNvPicPr>
+            <a:picLocks noChangeAspect="1"/>
+          </p:cNvPicPr>
+          <p:nvPr/>
+        </p:nvPicPr>
+        <p:blipFill>
+          <a:blip r:embed="rId2">
+            <a:extLst>
+              <a:ext uri="{28A0092B-C50C-407E-A947-70E740481C1C}">
+                <a14:useLocalDpi xmlns:a14="http://schemas.microsoft.com/office/drawing/2010/main" val="0"/>
+              </a:ext>
+            </a:extLst>
+          </a:blip>
+          <a:stretch>
+            <a:fillRect/>
+          </a:stretch>
+        </p:blipFill>
+        <p:spPr>
+          <a:xfrm>
+            <a:off x="1014372" y="789596"/>
+            <a:ext cx="7203506" cy="4040312"/>
+          </a:xfrm>
+          <a:prstGeom prst="rect">
+            <a:avLst/>
+          </a:prstGeom>
+        </p:spPr>
+      </p:pic>
+    </p:spTree>
+    <p:extLst>
+      <p:ext uri="{BB962C8B-B14F-4D97-AF65-F5344CB8AC3E}">
+        <p14:creationId xmlns:p14="http://schemas.microsoft.com/office/powerpoint/2010/main" val="4128154622"/>
+      </p:ext>
+    </p:extLst>
+  </p:cSld>
+  <p:clrMapOvr>
+    <a:masterClrMapping/>
+  </p:clrMapOvr>
+  <p:timing>
+    <p:tnLst>
+      <p:par>
+        <p:cTn id="1" dur="indefinite" restart="never" nodeType="tmRoot"/>
+      </p:par>
+    </p:tnLst>
+  </p:timing>
+</p:sld>
+</file>
+
+<file path=ppt/slides/slide17.xml><?xml version="1.0" encoding="utf-8"?>
+<p:sld xmlns:a="http://schemas.openxmlformats.org/drawingml/2006/main" xmlns:r="http://schemas.openxmlformats.org/officeDocument/2006/relationships" xmlns:p="http://schemas.openxmlformats.org/presentationml/2006/main">
+  <p:cSld>
+    <p:spTree>
+      <p:nvGrpSpPr>
+        <p:cNvPr id="1" name=""/>
+        <p:cNvGrpSpPr/>
+        <p:nvPr/>
+      </p:nvGrpSpPr>
+      <p:grpSpPr>
+        <a:xfrm>
+          <a:off x="0" y="0"/>
+          <a:ext cx="0" cy="0"/>
+          <a:chOff x="0" y="0"/>
+          <a:chExt cx="0" cy="0"/>
+        </a:xfrm>
+      </p:grpSpPr>
+      <p:sp>
+        <p:nvSpPr>
+          <p:cNvPr id="2" name="Google Shape;412;p25"/>
+          <p:cNvSpPr/>
+          <p:nvPr/>
+        </p:nvSpPr>
+        <p:spPr>
+          <a:xfrm rot="10800000" flipH="1">
+            <a:off x="466726" y="228401"/>
+            <a:ext cx="496860" cy="496860"/>
+          </a:xfrm>
+          <a:prstGeom prst="ellipse">
+            <a:avLst/>
+          </a:prstGeom>
+          <a:solidFill>
+            <a:schemeClr val="accent1"/>
+          </a:solidFill>
+          <a:ln>
+            <a:noFill/>
+          </a:ln>
+        </p:spPr>
+        <p:txBody>
+          <a:bodyPr spcFirstLastPara="1" wrap="square" lIns="68575" tIns="34275" rIns="68575" bIns="34275" anchor="ctr" anchorCtr="0">
+            <a:noAutofit/>
+          </a:bodyPr>
+          <a:lstStyle/>
+          <a:p>
+            <a:pPr marL="0" marR="0" lvl="0" indent="0" algn="ctr" rtl="0">
+              <a:spcBef>
+                <a:spcPts val="0"/>
+              </a:spcBef>
+              <a:spcAft>
+                <a:spcPts val="0"/>
+              </a:spcAft>
+              <a:buNone/>
+            </a:pPr>
+            <a:endParaRPr sz="1400">
+              <a:solidFill>
+                <a:schemeClr val="lt1"/>
+              </a:solidFill>
+              <a:latin typeface="Century Gothic"/>
+              <a:ea typeface="Century Gothic"/>
+              <a:cs typeface="Century Gothic"/>
+              <a:sym typeface="Century Gothic"/>
+            </a:endParaRPr>
+          </a:p>
+        </p:txBody>
+      </p:sp>
+      <p:sp>
+        <p:nvSpPr>
+          <p:cNvPr id="3" name="Google Shape;413;p25"/>
+          <p:cNvSpPr/>
+          <p:nvPr/>
+        </p:nvSpPr>
+        <p:spPr>
+          <a:xfrm rot="10800000" flipH="1">
+            <a:off x="-248430" y="-268460"/>
+            <a:ext cx="1058055" cy="1058055"/>
+          </a:xfrm>
+          <a:prstGeom prst="ellipse">
+            <a:avLst/>
+          </a:prstGeom>
+          <a:noFill/>
+          <a:ln w="12700" cap="flat" cmpd="sng">
+            <a:solidFill>
+              <a:schemeClr val="accent1"/>
+            </a:solidFill>
+            <a:prstDash val="solid"/>
+            <a:miter lim="800000"/>
+            <a:headEnd type="none" w="sm" len="sm"/>
+            <a:tailEnd type="none" w="sm" len="sm"/>
+          </a:ln>
+        </p:spPr>
+        <p:txBody>
+          <a:bodyPr spcFirstLastPara="1" wrap="square" lIns="68575" tIns="34275" rIns="68575" bIns="34275" anchor="ctr" anchorCtr="0">
+            <a:noAutofit/>
+          </a:bodyPr>
+          <a:lstStyle/>
+          <a:p>
+            <a:pPr marL="0" marR="0" lvl="0" indent="0" algn="ctr" rtl="0">
+              <a:spcBef>
+                <a:spcPts val="0"/>
+              </a:spcBef>
+              <a:spcAft>
+                <a:spcPts val="0"/>
+              </a:spcAft>
+              <a:buNone/>
+            </a:pPr>
+            <a:endParaRPr sz="1400">
+              <a:solidFill>
+                <a:schemeClr val="lt1"/>
+              </a:solidFill>
+              <a:latin typeface="Century Gothic"/>
+              <a:ea typeface="Century Gothic"/>
+              <a:cs typeface="Century Gothic"/>
+              <a:sym typeface="Century Gothic"/>
+            </a:endParaRPr>
+          </a:p>
+        </p:txBody>
+      </p:sp>
+      <p:sp>
+        <p:nvSpPr>
+          <p:cNvPr id="4" name="Google Shape;414;p25"/>
+          <p:cNvSpPr txBox="1"/>
+          <p:nvPr/>
+        </p:nvSpPr>
+        <p:spPr>
+          <a:xfrm>
+            <a:off x="517512" y="303706"/>
+            <a:ext cx="395287" cy="346249"/>
+          </a:xfrm>
+          <a:prstGeom prst="rect">
+            <a:avLst/>
+          </a:prstGeom>
+          <a:noFill/>
+          <a:ln>
+            <a:noFill/>
+          </a:ln>
+        </p:spPr>
+        <p:txBody>
+          <a:bodyPr spcFirstLastPara="1" wrap="square" lIns="68575" tIns="34275" rIns="68575" bIns="34275" anchor="t" anchorCtr="0">
+            <a:noAutofit/>
+          </a:bodyPr>
+          <a:lstStyle/>
+          <a:p>
+            <a:pPr marL="0" marR="0" lvl="0" indent="0" algn="just" rtl="0">
+              <a:spcBef>
+                <a:spcPts val="0"/>
+              </a:spcBef>
+              <a:spcAft>
+                <a:spcPts val="0"/>
+              </a:spcAft>
+              <a:buNone/>
+            </a:pPr>
+            <a:r>
+              <a:rPr lang="tr-TR" sz="1800" dirty="0" smtClean="0">
+                <a:solidFill>
+                  <a:schemeClr val="lt1"/>
+                </a:solidFill>
+                <a:latin typeface="Century Gothic"/>
+                <a:ea typeface="Century Gothic"/>
+                <a:cs typeface="Century Gothic"/>
+                <a:sym typeface="Century Gothic"/>
+              </a:rPr>
+              <a:t>0</a:t>
+            </a:r>
+            <a:r>
+              <a:rPr lang="fr-FR" sz="1800" dirty="0">
+                <a:solidFill>
+                  <a:schemeClr val="lt1"/>
+                </a:solidFill>
+                <a:latin typeface="Century Gothic"/>
+                <a:ea typeface="Century Gothic"/>
+                <a:cs typeface="Century Gothic"/>
+                <a:sym typeface="Century Gothic"/>
+              </a:rPr>
+              <a:t>3</a:t>
+            </a:r>
+            <a:endParaRPr sz="1800" dirty="0">
+              <a:solidFill>
+                <a:schemeClr val="lt1"/>
+              </a:solidFill>
+              <a:latin typeface="Century Gothic"/>
+              <a:ea typeface="Century Gothic"/>
+              <a:cs typeface="Century Gothic"/>
+              <a:sym typeface="Century Gothic"/>
+            </a:endParaRPr>
+          </a:p>
+        </p:txBody>
+      </p:sp>
+      <p:sp>
+        <p:nvSpPr>
+          <p:cNvPr id="5" name="Google Shape;436;p25"/>
+          <p:cNvSpPr txBox="1"/>
+          <p:nvPr/>
+        </p:nvSpPr>
+        <p:spPr>
+          <a:xfrm>
+            <a:off x="1014371" y="228401"/>
+            <a:ext cx="3745197" cy="346249"/>
+          </a:xfrm>
+          <a:prstGeom prst="rect">
+            <a:avLst/>
+          </a:prstGeom>
+          <a:noFill/>
+          <a:ln>
+            <a:noFill/>
+          </a:ln>
+        </p:spPr>
+        <p:txBody>
+          <a:bodyPr spcFirstLastPara="1" wrap="square" lIns="68575" tIns="34275" rIns="68575" bIns="34275" anchor="t" anchorCtr="0">
+            <a:noAutofit/>
+          </a:bodyPr>
+          <a:lstStyle/>
+          <a:p>
+            <a:pPr marL="0" marR="0" lvl="0" indent="0" algn="just" rtl="0">
+              <a:spcBef>
+                <a:spcPts val="0"/>
+              </a:spcBef>
+              <a:spcAft>
+                <a:spcPts val="0"/>
+              </a:spcAft>
+              <a:buNone/>
+            </a:pPr>
+            <a:r>
+              <a:rPr lang="fr-FR" sz="1800" b="1" dirty="0" smtClean="0">
+                <a:solidFill>
+                  <a:schemeClr val="accent5">
+                    <a:lumMod val="50000"/>
+                  </a:schemeClr>
+                </a:solidFill>
+                <a:latin typeface="Century Gothic"/>
+                <a:ea typeface="Century Gothic"/>
+                <a:cs typeface="Century Gothic"/>
+                <a:sym typeface="Century Gothic"/>
+              </a:rPr>
+              <a:t>Diagramme de classe global</a:t>
+            </a:r>
+            <a:endParaRPr sz="1800" b="1" dirty="0">
+              <a:solidFill>
+                <a:schemeClr val="accent5">
+                  <a:lumMod val="50000"/>
+                </a:schemeClr>
+              </a:solidFill>
+              <a:latin typeface="Century Gothic"/>
+              <a:ea typeface="Century Gothic"/>
+              <a:cs typeface="Century Gothic"/>
+              <a:sym typeface="Century Gothic"/>
+            </a:endParaRPr>
+          </a:p>
+        </p:txBody>
+      </p:sp>
+      <p:pic>
+        <p:nvPicPr>
+          <p:cNvPr id="6" name="Image 5"/>
+          <p:cNvPicPr>
+            <a:picLocks noChangeAspect="1"/>
+          </p:cNvPicPr>
+          <p:nvPr/>
+        </p:nvPicPr>
+        <p:blipFill>
+          <a:blip r:embed="rId2">
+            <a:extLst>
+              <a:ext uri="{28A0092B-C50C-407E-A947-70E740481C1C}">
+                <a14:useLocalDpi xmlns:a14="http://schemas.microsoft.com/office/drawing/2010/main" val="0"/>
+              </a:ext>
+            </a:extLst>
+          </a:blip>
+          <a:stretch>
+            <a:fillRect/>
+          </a:stretch>
+        </p:blipFill>
+        <p:spPr>
+          <a:xfrm>
+            <a:off x="466725" y="800567"/>
+            <a:ext cx="7985614" cy="4146571"/>
+          </a:xfrm>
+          <a:prstGeom prst="rect">
+            <a:avLst/>
+          </a:prstGeom>
+        </p:spPr>
+      </p:pic>
+    </p:spTree>
+    <p:extLst>
+      <p:ext uri="{BB962C8B-B14F-4D97-AF65-F5344CB8AC3E}">
+        <p14:creationId xmlns:p14="http://schemas.microsoft.com/office/powerpoint/2010/main" val="3825416105"/>
+      </p:ext>
+    </p:extLst>
+  </p:cSld>
+  <p:clrMapOvr>
+    <a:masterClrMapping/>
+  </p:clrMapOvr>
+  <p:timing>
+    <p:tnLst>
+      <p:par>
+        <p:cTn id="1" dur="indefinite" restart="never" nodeType="tmRoot"/>
+      </p:par>
+    </p:tnLst>
+  </p:timing>
+</p:sld>
+</file>
+
+<file path=ppt/slides/slide18.xml><?xml version="1.0" encoding="utf-8"?>
 <p:sld xmlns:a="http://schemas.openxmlformats.org/drawingml/2006/main" xmlns:r="http://schemas.openxmlformats.org/officeDocument/2006/relationships" xmlns:p="http://schemas.openxmlformats.org/presentationml/2006/main">
   <p:cSld>
     <p:spTree>
@@ -21738,7 +25392,19 @@
                 <a:cs typeface="Century Gothic"/>
                 <a:sym typeface="Century Gothic"/>
               </a:rPr>
-              <a:t>IE III</a:t>
+              <a:t>IE </a:t>
+            </a:r>
+            <a:r>
+              <a:rPr lang="fr-FR" sz="1400" dirty="0" smtClean="0">
+                <a:solidFill>
+                  <a:schemeClr val="lt1"/>
+                </a:solidFill>
+                <a:latin typeface="Century Gothic"/>
+                <a:ea typeface="Century Gothic"/>
+                <a:cs typeface="Century Gothic"/>
+                <a:sym typeface="Century Gothic"/>
+              </a:rPr>
+              <a:t>IV</a:t>
             </a:r>
             <a:endParaRPr sz="1400" dirty="0">
               <a:solidFill>
@@ -21787,7 +25453,7 @@
               <a:buNone/>
             </a:pPr>
             <a:r>
-              <a:rPr lang="tr-TR" sz="5000" b="1">
+              <a:rPr lang="tr-TR" sz="5000" b="1" dirty="0" smtClean="0">
                 <a:solidFill>
                   <a:schemeClr val="lt1"/>
                 </a:solidFill>
@@ -21796,9 +25462,21 @@
                 <a:cs typeface="Century Gothic"/>
                 <a:sym typeface="Century Gothic"/>
               </a:rPr>
-              <a:t>03</a:t>
+              <a:t>0</a:t>
             </a:r>
-            <a:endParaRPr sz="5000" b="1">
+            <a:r>
+              <a:rPr lang="en-US" sz="5000" b="1" dirty="0" smtClean="0">
+                <a:solidFill>
+                  <a:schemeClr val="lt1"/>
+                </a:solidFill>
+                <a:latin typeface="Century Gothic"/>
+                <a:ea typeface="Century Gothic"/>
+                <a:cs typeface="Century Gothic"/>
+                <a:sym typeface="Century Gothic"/>
+              </a:rPr>
+              <a:t>4</a:t>
+            </a:r>
+            <a:endParaRPr sz="5000" b="1" dirty="0">
               <a:solidFill>
                 <a:schemeClr val="lt1"/>
               </a:solidFill>
@@ -22866,7 +26544,7 @@
 </p:sld>
 </file>
 
-<file path=ppt/slides/slide16.xml><?xml version="1.0" encoding="utf-8"?>
+<file path=ppt/slides/slide19.xml><?xml version="1.0" encoding="utf-8"?>
 <p:sld xmlns:a="http://schemas.openxmlformats.org/drawingml/2006/main" xmlns:r="http://schemas.openxmlformats.org/officeDocument/2006/relationships" xmlns:p="http://schemas.openxmlformats.org/presentationml/2006/main">
   <p:cSld>
     <p:spTree>
@@ -23018,7 +26696,7 @@
               <a:buNone/>
             </a:pPr>
             <a:r>
-              <a:rPr lang="tr-TR" sz="1800" dirty="0">
+              <a:rPr lang="tr-TR" sz="1800" dirty="0" smtClean="0">
                 <a:solidFill>
                   <a:schemeClr val="lt1"/>
                 </a:solidFill>
@@ -23039,7 +26717,7 @@
                 <a:cs typeface="Century Gothic"/>
                 <a:sym typeface="Century Gothic"/>
               </a:rPr>
-              <a:t>3</a:t>
+              <a:t>4</a:t>
             </a:r>
             <a:endParaRPr sz="1800" dirty="0">
               <a:solidFill>
@@ -23251,7 +26929,7 @@
         </p:blipFill>
         <p:spPr>
           <a:xfrm>
-            <a:off x="2819220" y="4075825"/>
+            <a:off x="1010823" y="2133727"/>
             <a:ext cx="934929" cy="934929"/>
           </a:xfrm>
           <a:prstGeom prst="rect">
@@ -23287,7 +26965,7 @@
         </p:blipFill>
         <p:spPr>
           <a:xfrm>
-            <a:off x="194950" y="2041255"/>
+            <a:off x="2069793" y="3860142"/>
             <a:ext cx="1783758" cy="1087657"/>
           </a:xfrm>
           <a:prstGeom prst="rect">
@@ -23718,7 +27396,2062 @@
 </p:sld>
 </file>
 
-<file path=ppt/slides/slide17.xml><?xml version="1.0" encoding="utf-8"?>
+<file path=ppt/slides/slide2.xml><?xml version="1.0" encoding="utf-8"?>
+<p:sld xmlns:a="http://schemas.openxmlformats.org/drawingml/2006/main" xmlns:r="http://schemas.openxmlformats.org/officeDocument/2006/relationships" xmlns:p="http://schemas.openxmlformats.org/presentationml/2006/main">
+  <p:cSld>
+    <p:spTree>
+      <p:nvGrpSpPr>
+        <p:cNvPr id="1" name="Shape 93"/>
+        <p:cNvGrpSpPr/>
+        <p:nvPr/>
+      </p:nvGrpSpPr>
+      <p:grpSpPr>
+        <a:xfrm>
+          <a:off x="0" y="0"/>
+          <a:ext cx="0" cy="0"/>
+          <a:chOff x="0" y="0"/>
+          <a:chExt cx="0" cy="0"/>
+        </a:xfrm>
+      </p:grpSpPr>
+      <p:sp>
+        <p:nvSpPr>
+          <p:cNvPr id="95" name="Google Shape;95;p14"/>
+          <p:cNvSpPr/>
+          <p:nvPr/>
+        </p:nvSpPr>
+        <p:spPr>
+          <a:xfrm rot="10800000" flipH="1">
+            <a:off x="615167" y="2250711"/>
+            <a:ext cx="311624" cy="311624"/>
+          </a:xfrm>
+          <a:prstGeom prst="ellipse">
+            <a:avLst/>
+          </a:prstGeom>
+          <a:solidFill>
+            <a:schemeClr val="accent1"/>
+          </a:solidFill>
+          <a:ln>
+            <a:noFill/>
+          </a:ln>
+        </p:spPr>
+        <p:txBody>
+          <a:bodyPr spcFirstLastPara="1" wrap="square" lIns="68575" tIns="34275" rIns="68575" bIns="34275" anchor="ctr" anchorCtr="0">
+            <a:noAutofit/>
+          </a:bodyPr>
+          <a:lstStyle/>
+          <a:p>
+            <a:pPr marL="0" marR="0" lvl="0" indent="0" algn="ctr" rtl="0">
+              <a:spcBef>
+                <a:spcPts val="0"/>
+              </a:spcBef>
+              <a:spcAft>
+                <a:spcPts val="0"/>
+              </a:spcAft>
+              <a:buNone/>
+            </a:pPr>
+            <a:endParaRPr sz="1400" b="0" i="0" u="none" strike="noStrike" cap="none" dirty="0">
+              <a:solidFill>
+                <a:schemeClr val="lt1"/>
+              </a:solidFill>
+              <a:latin typeface="Century Gothic"/>
+              <a:ea typeface="Century Gothic"/>
+              <a:cs typeface="Century Gothic"/>
+              <a:sym typeface="Century Gothic"/>
+            </a:endParaRPr>
+          </a:p>
+        </p:txBody>
+      </p:sp>
+      <p:sp>
+        <p:nvSpPr>
+          <p:cNvPr id="96" name="Google Shape;96;p14"/>
+          <p:cNvSpPr/>
+          <p:nvPr/>
+        </p:nvSpPr>
+        <p:spPr>
+          <a:xfrm rot="10800000" flipH="1">
+            <a:off x="7944520" y="4415168"/>
+            <a:ext cx="641417" cy="641417"/>
+          </a:xfrm>
+          <a:prstGeom prst="ellipse">
+            <a:avLst/>
+          </a:prstGeom>
+          <a:solidFill>
+            <a:schemeClr val="accent1"/>
+          </a:solidFill>
+          <a:ln>
+            <a:noFill/>
+          </a:ln>
+        </p:spPr>
+        <p:txBody>
+          <a:bodyPr spcFirstLastPara="1" wrap="square" lIns="68575" tIns="34275" rIns="68575" bIns="34275" anchor="ctr" anchorCtr="0">
+            <a:noAutofit/>
+          </a:bodyPr>
+          <a:lstStyle/>
+          <a:p>
+            <a:pPr marL="0" marR="0" lvl="0" indent="0" algn="ctr" rtl="0">
+              <a:spcBef>
+                <a:spcPts val="0"/>
+              </a:spcBef>
+              <a:spcAft>
+                <a:spcPts val="0"/>
+              </a:spcAft>
+              <a:buNone/>
+            </a:pPr>
+            <a:endParaRPr sz="1400" b="0" i="0" u="none" strike="noStrike" cap="none" dirty="0">
+              <a:solidFill>
+                <a:schemeClr val="lt1"/>
+              </a:solidFill>
+              <a:latin typeface="Century Gothic"/>
+              <a:ea typeface="Century Gothic"/>
+              <a:cs typeface="Century Gothic"/>
+              <a:sym typeface="Century Gothic"/>
+            </a:endParaRPr>
+          </a:p>
+        </p:txBody>
+      </p:sp>
+      <p:sp>
+        <p:nvSpPr>
+          <p:cNvPr id="97" name="Google Shape;97;p14"/>
+          <p:cNvSpPr/>
+          <p:nvPr/>
+        </p:nvSpPr>
+        <p:spPr>
+          <a:xfrm rot="10800000" flipH="1">
+            <a:off x="-143251" y="-437864"/>
+            <a:ext cx="1070042" cy="1070042"/>
+          </a:xfrm>
+          <a:prstGeom prst="ellipse">
+            <a:avLst/>
+          </a:prstGeom>
+          <a:solidFill>
+            <a:schemeClr val="accent1"/>
+          </a:solidFill>
+          <a:ln>
+            <a:noFill/>
+          </a:ln>
+        </p:spPr>
+        <p:txBody>
+          <a:bodyPr spcFirstLastPara="1" wrap="square" lIns="68575" tIns="34275" rIns="68575" bIns="34275" anchor="ctr" anchorCtr="0">
+            <a:noAutofit/>
+          </a:bodyPr>
+          <a:lstStyle/>
+          <a:p>
+            <a:pPr marL="0" marR="0" lvl="0" indent="0" algn="ctr" rtl="0">
+              <a:spcBef>
+                <a:spcPts val="0"/>
+              </a:spcBef>
+              <a:spcAft>
+                <a:spcPts val="0"/>
+              </a:spcAft>
+              <a:buNone/>
+            </a:pPr>
+            <a:endParaRPr sz="1400" b="0" i="0" u="none" strike="noStrike" cap="none" dirty="0">
+              <a:solidFill>
+                <a:schemeClr val="lt1"/>
+              </a:solidFill>
+              <a:latin typeface="Century Gothic"/>
+              <a:ea typeface="Century Gothic"/>
+              <a:cs typeface="Century Gothic"/>
+              <a:sym typeface="Century Gothic"/>
+            </a:endParaRPr>
+          </a:p>
+        </p:txBody>
+      </p:sp>
+      <p:sp>
+        <p:nvSpPr>
+          <p:cNvPr id="98" name="Google Shape;98;p14"/>
+          <p:cNvSpPr txBox="1"/>
+          <p:nvPr/>
+        </p:nvSpPr>
+        <p:spPr>
+          <a:xfrm>
+            <a:off x="57905" y="3084007"/>
+            <a:ext cx="9144000" cy="1347040"/>
+          </a:xfrm>
+          <a:prstGeom prst="rect">
+            <a:avLst/>
+          </a:prstGeom>
+          <a:noFill/>
+          <a:ln>
+            <a:noFill/>
+          </a:ln>
+        </p:spPr>
+        <p:txBody>
+          <a:bodyPr spcFirstLastPara="1" wrap="square" lIns="68575" tIns="34275" rIns="68575" bIns="34275" anchor="t" anchorCtr="0">
+            <a:noAutofit/>
+          </a:bodyPr>
+          <a:lstStyle/>
+          <a:p>
+            <a:pPr algn="ctr"/>
+            <a:r>
+              <a:rPr lang="fr-FR" sz="1600" b="1" dirty="0" smtClean="0">
+                <a:latin typeface="Century Gothic" panose="020B0502020202020204" pitchFamily="34" charset="0"/>
+              </a:rPr>
+              <a:t>CONCEPTION ET REALISATION D’UNE PLATEFORME WEB POUR LA COMMUNICATION ET L’EDUCATION </a:t>
+            </a:r>
+            <a:endParaRPr lang="fr-FR" sz="1600" b="1" dirty="0">
+              <a:latin typeface="Century Gothic" panose="020B0502020202020204" pitchFamily="34" charset="0"/>
+            </a:endParaRPr>
+          </a:p>
+          <a:p>
+            <a:pPr lvl="0" algn="ctr"/>
+            <a:r>
+              <a:rPr lang="fr-FR" sz="1600" b="1" dirty="0">
+                <a:solidFill>
+                  <a:srgbClr val="3F3F3F"/>
+                </a:solidFill>
+                <a:latin typeface="Century Gothic"/>
+                <a:ea typeface="Century Gothic"/>
+                <a:cs typeface="Century Gothic"/>
+                <a:sym typeface="Century Gothic"/>
+              </a:rPr>
+              <a:t>AU SEIN DE</a:t>
+            </a:r>
+          </a:p>
+          <a:p>
+            <a:pPr lvl="0" algn="ctr"/>
+            <a:r>
+              <a:rPr lang="fr-FR" sz="1600" b="1" dirty="0" smtClean="0">
+                <a:solidFill>
+                  <a:srgbClr val="3F3F3F"/>
+                </a:solidFill>
+                <a:latin typeface="Century Gothic"/>
+                <a:ea typeface="Century Gothic"/>
+                <a:cs typeface="Century Gothic"/>
+                <a:sym typeface="Century Gothic"/>
+              </a:rPr>
+              <a:t>LA FACULTE DES SCIENCES FIANARANTSOA</a:t>
+            </a:r>
+            <a:endParaRPr sz="1600" b="1" dirty="0">
+              <a:solidFill>
+                <a:srgbClr val="3F3F3F"/>
+              </a:solidFill>
+              <a:latin typeface="Century Gothic"/>
+              <a:ea typeface="Century Gothic"/>
+              <a:cs typeface="Century Gothic"/>
+              <a:sym typeface="Century Gothic"/>
+            </a:endParaRPr>
+          </a:p>
+        </p:txBody>
+      </p:sp>
+      <p:sp>
+        <p:nvSpPr>
+          <p:cNvPr id="99" name="Google Shape;99;p14"/>
+          <p:cNvSpPr/>
+          <p:nvPr/>
+        </p:nvSpPr>
+        <p:spPr>
+          <a:xfrm rot="10800000" flipH="1">
+            <a:off x="7974015" y="2798333"/>
+            <a:ext cx="227088" cy="227088"/>
+          </a:xfrm>
+          <a:prstGeom prst="ellipse">
+            <a:avLst/>
+          </a:prstGeom>
+          <a:solidFill>
+            <a:schemeClr val="accent1"/>
+          </a:solidFill>
+          <a:ln>
+            <a:noFill/>
+          </a:ln>
+        </p:spPr>
+        <p:txBody>
+          <a:bodyPr spcFirstLastPara="1" wrap="square" lIns="68575" tIns="34275" rIns="68575" bIns="34275" anchor="ctr" anchorCtr="0">
+            <a:noAutofit/>
+          </a:bodyPr>
+          <a:lstStyle/>
+          <a:p>
+            <a:pPr marL="0" marR="0" lvl="0" indent="0" algn="ctr" rtl="0">
+              <a:spcBef>
+                <a:spcPts val="0"/>
+              </a:spcBef>
+              <a:spcAft>
+                <a:spcPts val="0"/>
+              </a:spcAft>
+              <a:buNone/>
+            </a:pPr>
+            <a:endParaRPr sz="1400" dirty="0">
+              <a:solidFill>
+                <a:schemeClr val="lt1"/>
+              </a:solidFill>
+              <a:latin typeface="Century Gothic"/>
+              <a:ea typeface="Century Gothic"/>
+              <a:cs typeface="Century Gothic"/>
+              <a:sym typeface="Century Gothic"/>
+            </a:endParaRPr>
+          </a:p>
+        </p:txBody>
+      </p:sp>
+      <p:grpSp>
+        <p:nvGrpSpPr>
+          <p:cNvPr id="101" name="Google Shape;101;p14"/>
+          <p:cNvGrpSpPr/>
+          <p:nvPr/>
+        </p:nvGrpSpPr>
+        <p:grpSpPr>
+          <a:xfrm>
+            <a:off x="-898756" y="3634154"/>
+            <a:ext cx="2223407" cy="2219325"/>
+            <a:chOff x="-1248832" y="4045503"/>
+            <a:chExt cx="4165599" cy="4165600"/>
+          </a:xfrm>
+        </p:grpSpPr>
+        <p:sp>
+          <p:nvSpPr>
+            <p:cNvPr id="102" name="Google Shape;102;p14"/>
+            <p:cNvSpPr/>
+            <p:nvPr/>
+          </p:nvSpPr>
+          <p:spPr>
+            <a:xfrm>
+              <a:off x="-1025071" y="4318000"/>
+              <a:ext cx="3683000" cy="3683000"/>
+            </a:xfrm>
+            <a:prstGeom prst="ellipse">
+              <a:avLst/>
+            </a:prstGeom>
+            <a:solidFill>
+              <a:schemeClr val="accent1"/>
+            </a:solidFill>
+            <a:ln>
+              <a:noFill/>
+            </a:ln>
+          </p:spPr>
+          <p:txBody>
+            <a:bodyPr spcFirstLastPara="1" wrap="square" lIns="91425" tIns="45700" rIns="91425" bIns="45700" anchor="ctr" anchorCtr="0">
+              <a:noAutofit/>
+            </a:bodyPr>
+            <a:lstStyle/>
+            <a:p>
+              <a:pPr marL="0" marR="0" lvl="0" indent="0" algn="ctr" rtl="0">
+                <a:spcBef>
+                  <a:spcPts val="0"/>
+                </a:spcBef>
+                <a:spcAft>
+                  <a:spcPts val="0"/>
+                </a:spcAft>
+                <a:buNone/>
+              </a:pPr>
+              <a:endParaRPr sz="1400" dirty="0">
+                <a:solidFill>
+                  <a:schemeClr val="lt1"/>
+                </a:solidFill>
+                <a:latin typeface="Century Gothic"/>
+                <a:ea typeface="Century Gothic"/>
+                <a:cs typeface="Century Gothic"/>
+                <a:sym typeface="Century Gothic"/>
+              </a:endParaRPr>
+            </a:p>
+          </p:txBody>
+        </p:sp>
+        <p:grpSp>
+          <p:nvGrpSpPr>
+            <p:cNvPr id="103" name="Google Shape;103;p14"/>
+            <p:cNvGrpSpPr/>
+            <p:nvPr/>
+          </p:nvGrpSpPr>
+          <p:grpSpPr>
+            <a:xfrm>
+              <a:off x="-1248832" y="4045503"/>
+              <a:ext cx="4165599" cy="4165600"/>
+              <a:chOff x="-1248832" y="4045503"/>
+              <a:chExt cx="4165599" cy="4165600"/>
+            </a:xfrm>
+          </p:grpSpPr>
+          <p:sp>
+            <p:nvSpPr>
+              <p:cNvPr id="104" name="Google Shape;104;p14"/>
+              <p:cNvSpPr/>
+              <p:nvPr/>
+            </p:nvSpPr>
+            <p:spPr>
+              <a:xfrm>
+                <a:off x="2697616" y="5348316"/>
+                <a:ext cx="161925" cy="161925"/>
+              </a:xfrm>
+              <a:prstGeom prst="ellipse">
+                <a:avLst/>
+              </a:prstGeom>
+              <a:solidFill>
+                <a:schemeClr val="accent1"/>
+              </a:solidFill>
+              <a:ln>
+                <a:noFill/>
+              </a:ln>
+            </p:spPr>
+            <p:txBody>
+              <a:bodyPr spcFirstLastPara="1" wrap="square" lIns="91425" tIns="45700" rIns="91425" bIns="45700" anchor="ctr" anchorCtr="0">
+                <a:noAutofit/>
+              </a:bodyPr>
+              <a:lstStyle/>
+              <a:p>
+                <a:pPr marL="0" marR="0" lvl="0" indent="0" algn="ctr" rtl="0">
+                  <a:spcBef>
+                    <a:spcPts val="0"/>
+                  </a:spcBef>
+                  <a:spcAft>
+                    <a:spcPts val="0"/>
+                  </a:spcAft>
+                  <a:buNone/>
+                </a:pPr>
+                <a:endParaRPr sz="1400" dirty="0">
+                  <a:solidFill>
+                    <a:schemeClr val="lt1"/>
+                  </a:solidFill>
+                  <a:latin typeface="Century Gothic"/>
+                  <a:ea typeface="Century Gothic"/>
+                  <a:cs typeface="Century Gothic"/>
+                  <a:sym typeface="Century Gothic"/>
+                </a:endParaRPr>
+              </a:p>
+            </p:txBody>
+          </p:sp>
+          <p:sp>
+            <p:nvSpPr>
+              <p:cNvPr id="105" name="Google Shape;105;p14"/>
+              <p:cNvSpPr/>
+              <p:nvPr/>
+            </p:nvSpPr>
+            <p:spPr>
+              <a:xfrm>
+                <a:off x="-1248832" y="4045503"/>
+                <a:ext cx="4165599" cy="4165600"/>
+              </a:xfrm>
+              <a:prstGeom prst="ellipse">
+                <a:avLst/>
+              </a:prstGeom>
+              <a:noFill/>
+              <a:ln w="12700" cap="flat" cmpd="sng">
+                <a:solidFill>
+                  <a:schemeClr val="accent1"/>
+                </a:solidFill>
+                <a:prstDash val="solid"/>
+                <a:miter lim="800000"/>
+                <a:headEnd type="none" w="sm" len="sm"/>
+                <a:tailEnd type="none" w="sm" len="sm"/>
+              </a:ln>
+            </p:spPr>
+            <p:txBody>
+              <a:bodyPr spcFirstLastPara="1" wrap="square" lIns="91425" tIns="45700" rIns="91425" bIns="45700" anchor="ctr" anchorCtr="0">
+                <a:noAutofit/>
+              </a:bodyPr>
+              <a:lstStyle/>
+              <a:p>
+                <a:pPr marL="0" marR="0" lvl="0" indent="0" algn="ctr" rtl="0">
+                  <a:spcBef>
+                    <a:spcPts val="0"/>
+                  </a:spcBef>
+                  <a:spcAft>
+                    <a:spcPts val="0"/>
+                  </a:spcAft>
+                  <a:buNone/>
+                </a:pPr>
+                <a:endParaRPr sz="1400" dirty="0">
+                  <a:solidFill>
+                    <a:schemeClr val="lt1"/>
+                  </a:solidFill>
+                  <a:latin typeface="Century Gothic"/>
+                  <a:ea typeface="Century Gothic"/>
+                  <a:cs typeface="Century Gothic"/>
+                  <a:sym typeface="Century Gothic"/>
+                </a:endParaRPr>
+              </a:p>
+            </p:txBody>
+          </p:sp>
+          <p:sp>
+            <p:nvSpPr>
+              <p:cNvPr id="106" name="Google Shape;106;p14"/>
+              <p:cNvSpPr/>
+              <p:nvPr/>
+            </p:nvSpPr>
+            <p:spPr>
+              <a:xfrm>
+                <a:off x="-920228" y="7346082"/>
+                <a:ext cx="161925" cy="161925"/>
+              </a:xfrm>
+              <a:prstGeom prst="ellipse">
+                <a:avLst/>
+              </a:prstGeom>
+              <a:solidFill>
+                <a:schemeClr val="accent1"/>
+              </a:solidFill>
+              <a:ln>
+                <a:noFill/>
+              </a:ln>
+            </p:spPr>
+            <p:txBody>
+              <a:bodyPr spcFirstLastPara="1" wrap="square" lIns="91425" tIns="45700" rIns="91425" bIns="45700" anchor="ctr" anchorCtr="0">
+                <a:noAutofit/>
+              </a:bodyPr>
+              <a:lstStyle/>
+              <a:p>
+                <a:pPr marL="0" marR="0" lvl="0" indent="0" algn="ctr" rtl="0">
+                  <a:spcBef>
+                    <a:spcPts val="0"/>
+                  </a:spcBef>
+                  <a:spcAft>
+                    <a:spcPts val="0"/>
+                  </a:spcAft>
+                  <a:buNone/>
+                </a:pPr>
+                <a:endParaRPr sz="1400" dirty="0">
+                  <a:solidFill>
+                    <a:schemeClr val="lt1"/>
+                  </a:solidFill>
+                  <a:latin typeface="Century Gothic"/>
+                  <a:ea typeface="Century Gothic"/>
+                  <a:cs typeface="Century Gothic"/>
+                  <a:sym typeface="Century Gothic"/>
+                </a:endParaRPr>
+              </a:p>
+            </p:txBody>
+          </p:sp>
+        </p:grpSp>
+      </p:grpSp>
+      <p:grpSp>
+        <p:nvGrpSpPr>
+          <p:cNvPr id="107" name="Google Shape;107;p14"/>
+          <p:cNvGrpSpPr/>
+          <p:nvPr/>
+        </p:nvGrpSpPr>
+        <p:grpSpPr>
+          <a:xfrm>
+            <a:off x="7812638" y="-713997"/>
+            <a:ext cx="2539675" cy="2565930"/>
+            <a:chOff x="9124043" y="-2040757"/>
+            <a:chExt cx="5462814" cy="5549784"/>
+          </a:xfrm>
+        </p:grpSpPr>
+        <p:sp>
+          <p:nvSpPr>
+            <p:cNvPr id="108" name="Google Shape;108;p14"/>
+            <p:cNvSpPr/>
+            <p:nvPr/>
+          </p:nvSpPr>
+          <p:spPr>
+            <a:xfrm>
+              <a:off x="9471164" y="-1684282"/>
+              <a:ext cx="4768572" cy="4768572"/>
+            </a:xfrm>
+            <a:prstGeom prst="ellipse">
+              <a:avLst/>
+            </a:prstGeom>
+            <a:solidFill>
+              <a:schemeClr val="accent1"/>
+            </a:solidFill>
+            <a:ln>
+              <a:solidFill>
+                <a:schemeClr val="accent1"/>
+              </a:solidFill>
+            </a:ln>
+          </p:spPr>
+          <p:txBody>
+            <a:bodyPr spcFirstLastPara="1" wrap="square" lIns="91425" tIns="45700" rIns="91425" bIns="45700" anchor="ctr" anchorCtr="0">
+              <a:noAutofit/>
+            </a:bodyPr>
+            <a:lstStyle/>
+            <a:p>
+              <a:pPr marL="0" marR="0" lvl="0" indent="0" algn="ctr" rtl="0">
+                <a:spcBef>
+                  <a:spcPts val="0"/>
+                </a:spcBef>
+                <a:spcAft>
+                  <a:spcPts val="0"/>
+                </a:spcAft>
+                <a:buNone/>
+              </a:pPr>
+              <a:endParaRPr sz="1400" dirty="0">
+                <a:solidFill>
+                  <a:schemeClr val="lt1"/>
+                </a:solidFill>
+                <a:latin typeface="Century Gothic"/>
+                <a:ea typeface="Century Gothic"/>
+                <a:cs typeface="Century Gothic"/>
+                <a:sym typeface="Century Gothic"/>
+              </a:endParaRPr>
+            </a:p>
+          </p:txBody>
+        </p:sp>
+        <p:grpSp>
+          <p:nvGrpSpPr>
+            <p:cNvPr id="109" name="Google Shape;109;p14"/>
+            <p:cNvGrpSpPr/>
+            <p:nvPr/>
+          </p:nvGrpSpPr>
+          <p:grpSpPr>
+            <a:xfrm>
+              <a:off x="9124043" y="-2040757"/>
+              <a:ext cx="5462814" cy="5549784"/>
+              <a:chOff x="9124043" y="-2040757"/>
+              <a:chExt cx="5462814" cy="5549784"/>
+            </a:xfrm>
+          </p:grpSpPr>
+          <p:sp>
+            <p:nvSpPr>
+              <p:cNvPr id="110" name="Google Shape;110;p14"/>
+              <p:cNvSpPr/>
+              <p:nvPr/>
+            </p:nvSpPr>
+            <p:spPr>
+              <a:xfrm>
+                <a:off x="11447915" y="3347102"/>
+                <a:ext cx="161925" cy="161925"/>
+              </a:xfrm>
+              <a:prstGeom prst="ellipse">
+                <a:avLst/>
+              </a:prstGeom>
+              <a:solidFill>
+                <a:schemeClr val="accent1"/>
+              </a:solidFill>
+              <a:ln>
+                <a:solidFill>
+                  <a:schemeClr val="accent1"/>
+                </a:solidFill>
+              </a:ln>
+            </p:spPr>
+            <p:txBody>
+              <a:bodyPr spcFirstLastPara="1" wrap="square" lIns="91425" tIns="45700" rIns="91425" bIns="45700" anchor="ctr" anchorCtr="0">
+                <a:noAutofit/>
+              </a:bodyPr>
+              <a:lstStyle/>
+              <a:p>
+                <a:pPr marL="0" marR="0" lvl="0" indent="0" algn="ctr" rtl="0">
+                  <a:spcBef>
+                    <a:spcPts val="0"/>
+                  </a:spcBef>
+                  <a:spcAft>
+                    <a:spcPts val="0"/>
+                  </a:spcAft>
+                  <a:buNone/>
+                </a:pPr>
+                <a:endParaRPr sz="1400" dirty="0">
+                  <a:solidFill>
+                    <a:schemeClr val="lt1"/>
+                  </a:solidFill>
+                  <a:latin typeface="Century Gothic"/>
+                  <a:ea typeface="Century Gothic"/>
+                  <a:cs typeface="Century Gothic"/>
+                  <a:sym typeface="Century Gothic"/>
+                </a:endParaRPr>
+              </a:p>
+            </p:txBody>
+          </p:sp>
+          <p:sp>
+            <p:nvSpPr>
+              <p:cNvPr id="111" name="Google Shape;111;p14"/>
+              <p:cNvSpPr/>
+              <p:nvPr/>
+            </p:nvSpPr>
+            <p:spPr>
+              <a:xfrm>
+                <a:off x="9124043" y="-2040757"/>
+                <a:ext cx="5462814" cy="5462814"/>
+              </a:xfrm>
+              <a:prstGeom prst="ellipse">
+                <a:avLst/>
+              </a:prstGeom>
+              <a:noFill/>
+              <a:ln w="12700" cap="flat" cmpd="sng">
+                <a:solidFill>
+                  <a:schemeClr val="accent1"/>
+                </a:solidFill>
+                <a:prstDash val="solid"/>
+                <a:miter lim="800000"/>
+                <a:headEnd type="none" w="sm" len="sm"/>
+                <a:tailEnd type="none" w="sm" len="sm"/>
+              </a:ln>
+            </p:spPr>
+            <p:txBody>
+              <a:bodyPr spcFirstLastPara="1" wrap="square" lIns="91425" tIns="45700" rIns="91425" bIns="45700" anchor="ctr" anchorCtr="0">
+                <a:noAutofit/>
+              </a:bodyPr>
+              <a:lstStyle/>
+              <a:p>
+                <a:pPr marL="0" marR="0" lvl="0" indent="0" algn="ctr" rtl="0">
+                  <a:spcBef>
+                    <a:spcPts val="0"/>
+                  </a:spcBef>
+                  <a:spcAft>
+                    <a:spcPts val="0"/>
+                  </a:spcAft>
+                  <a:buNone/>
+                </a:pPr>
+                <a:endParaRPr sz="1400" dirty="0">
+                  <a:solidFill>
+                    <a:schemeClr val="lt1"/>
+                  </a:solidFill>
+                  <a:latin typeface="Century Gothic"/>
+                  <a:ea typeface="Century Gothic"/>
+                  <a:cs typeface="Century Gothic"/>
+                  <a:sym typeface="Century Gothic"/>
+                </a:endParaRPr>
+              </a:p>
+            </p:txBody>
+          </p:sp>
+          <p:sp>
+            <p:nvSpPr>
+              <p:cNvPr id="112" name="Google Shape;112;p14"/>
+              <p:cNvSpPr/>
+              <p:nvPr/>
+            </p:nvSpPr>
+            <p:spPr>
+              <a:xfrm>
+                <a:off x="12552815" y="-2009573"/>
+                <a:ext cx="161925" cy="161925"/>
+              </a:xfrm>
+              <a:prstGeom prst="ellipse">
+                <a:avLst/>
+              </a:prstGeom>
+              <a:solidFill>
+                <a:schemeClr val="accent1"/>
+              </a:solidFill>
+              <a:ln>
+                <a:solidFill>
+                  <a:schemeClr val="accent1"/>
+                </a:solidFill>
+              </a:ln>
+            </p:spPr>
+            <p:txBody>
+              <a:bodyPr spcFirstLastPara="1" wrap="square" lIns="91425" tIns="45700" rIns="91425" bIns="45700" anchor="ctr" anchorCtr="0">
+                <a:noAutofit/>
+              </a:bodyPr>
+              <a:lstStyle/>
+              <a:p>
+                <a:pPr marL="0" marR="0" lvl="0" indent="0" algn="ctr" rtl="0">
+                  <a:spcBef>
+                    <a:spcPts val="0"/>
+                  </a:spcBef>
+                  <a:spcAft>
+                    <a:spcPts val="0"/>
+                  </a:spcAft>
+                  <a:buNone/>
+                </a:pPr>
+                <a:endParaRPr sz="1400" dirty="0">
+                  <a:solidFill>
+                    <a:schemeClr val="lt1"/>
+                  </a:solidFill>
+                  <a:latin typeface="Century Gothic"/>
+                  <a:ea typeface="Century Gothic"/>
+                  <a:cs typeface="Century Gothic"/>
+                  <a:sym typeface="Century Gothic"/>
+                </a:endParaRPr>
+              </a:p>
+            </p:txBody>
+          </p:sp>
+        </p:grpSp>
+      </p:grpSp>
+      <p:sp>
+        <p:nvSpPr>
+          <p:cNvPr id="116" name="Google Shape;116;p14"/>
+          <p:cNvSpPr/>
+          <p:nvPr/>
+        </p:nvSpPr>
+        <p:spPr>
+          <a:xfrm rot="10800000" flipH="1">
+            <a:off x="2139176" y="4760437"/>
+            <a:ext cx="122126" cy="122126"/>
+          </a:xfrm>
+          <a:prstGeom prst="ellipse">
+            <a:avLst/>
+          </a:prstGeom>
+          <a:solidFill>
+            <a:schemeClr val="accent1"/>
+          </a:solidFill>
+          <a:ln>
+            <a:noFill/>
+          </a:ln>
+        </p:spPr>
+        <p:txBody>
+          <a:bodyPr spcFirstLastPara="1" wrap="square" lIns="68575" tIns="34275" rIns="68575" bIns="34275" anchor="ctr" anchorCtr="0">
+            <a:noAutofit/>
+          </a:bodyPr>
+          <a:lstStyle/>
+          <a:p>
+            <a:pPr marL="0" marR="0" lvl="0" indent="0" algn="ctr" rtl="0">
+              <a:spcBef>
+                <a:spcPts val="0"/>
+              </a:spcBef>
+              <a:spcAft>
+                <a:spcPts val="0"/>
+              </a:spcAft>
+              <a:buNone/>
+            </a:pPr>
+            <a:endParaRPr sz="1400" dirty="0">
+              <a:solidFill>
+                <a:schemeClr val="lt1"/>
+              </a:solidFill>
+              <a:latin typeface="Century Gothic"/>
+              <a:ea typeface="Century Gothic"/>
+              <a:cs typeface="Century Gothic"/>
+              <a:sym typeface="Century Gothic"/>
+            </a:endParaRPr>
+          </a:p>
+        </p:txBody>
+      </p:sp>
+      <p:sp>
+        <p:nvSpPr>
+          <p:cNvPr id="117" name="Google Shape;117;p14"/>
+          <p:cNvSpPr txBox="1"/>
+          <p:nvPr/>
+        </p:nvSpPr>
+        <p:spPr>
+          <a:xfrm>
+            <a:off x="0" y="1070355"/>
+            <a:ext cx="9144000" cy="630198"/>
+          </a:xfrm>
+          <a:prstGeom prst="rect">
+            <a:avLst/>
+          </a:prstGeom>
+          <a:noFill/>
+          <a:ln>
+            <a:noFill/>
+          </a:ln>
+        </p:spPr>
+        <p:txBody>
+          <a:bodyPr spcFirstLastPara="1" wrap="square" lIns="68575" tIns="34275" rIns="68575" bIns="34275" anchor="t" anchorCtr="0">
+            <a:noAutofit/>
+          </a:bodyPr>
+          <a:lstStyle/>
+          <a:p>
+            <a:pPr lvl="0" algn="ctr"/>
+            <a:r>
+              <a:rPr lang="fr-FR" sz="2000" dirty="0">
+                <a:solidFill>
+                  <a:srgbClr val="3F3F3F"/>
+                </a:solidFill>
+                <a:latin typeface="Century Gothic"/>
+                <a:ea typeface="Century Gothic"/>
+                <a:cs typeface="Century Gothic"/>
+                <a:sym typeface="Century Gothic"/>
+              </a:rPr>
+              <a:t>UNIVERSITE DE FIANARANTSOA</a:t>
+            </a:r>
+          </a:p>
+          <a:p>
+            <a:pPr lvl="0" algn="ctr"/>
+            <a:r>
+              <a:rPr lang="fr-FR" sz="2000" dirty="0">
+                <a:solidFill>
+                  <a:srgbClr val="3F3F3F"/>
+                </a:solidFill>
+                <a:latin typeface="Century Gothic"/>
+                <a:ea typeface="Century Gothic"/>
+                <a:cs typeface="Century Gothic"/>
+                <a:sym typeface="Century Gothic"/>
+              </a:rPr>
+              <a:t>ECOLE NATIONALE D’INFORMATIQUE</a:t>
+            </a:r>
+            <a:endParaRPr sz="2000" dirty="0">
+              <a:solidFill>
+                <a:srgbClr val="3F3F3F"/>
+              </a:solidFill>
+              <a:latin typeface="Century Gothic"/>
+              <a:ea typeface="Century Gothic"/>
+              <a:cs typeface="Century Gothic"/>
+              <a:sym typeface="Century Gothic"/>
+            </a:endParaRPr>
+          </a:p>
+        </p:txBody>
+      </p:sp>
+      <p:sp>
+        <p:nvSpPr>
+          <p:cNvPr id="118" name="Google Shape;118;p14"/>
+          <p:cNvSpPr txBox="1"/>
+          <p:nvPr/>
+        </p:nvSpPr>
+        <p:spPr>
+          <a:xfrm>
+            <a:off x="5302183" y="4712815"/>
+            <a:ext cx="2642337" cy="339495"/>
+          </a:xfrm>
+          <a:prstGeom prst="rect">
+            <a:avLst/>
+          </a:prstGeom>
+          <a:noFill/>
+          <a:ln>
+            <a:noFill/>
+          </a:ln>
+        </p:spPr>
+        <p:txBody>
+          <a:bodyPr spcFirstLastPara="1" wrap="square" lIns="68575" tIns="34275" rIns="68575" bIns="34275" anchor="t" anchorCtr="0">
+            <a:noAutofit/>
+          </a:bodyPr>
+          <a:lstStyle/>
+          <a:p>
+            <a:pPr marL="0" marR="0" lvl="0" indent="0" algn="ctr" rtl="0">
+              <a:spcBef>
+                <a:spcPts val="0"/>
+              </a:spcBef>
+              <a:spcAft>
+                <a:spcPts val="0"/>
+              </a:spcAft>
+              <a:buNone/>
+            </a:pPr>
+            <a:r>
+              <a:rPr lang="fr-FR" sz="1200" dirty="0">
+                <a:solidFill>
+                  <a:srgbClr val="3F3F3F"/>
+                </a:solidFill>
+                <a:latin typeface="Century Gothic"/>
+                <a:ea typeface="Century Gothic"/>
+                <a:cs typeface="Century Gothic"/>
+                <a:sym typeface="Century Gothic"/>
+              </a:rPr>
+              <a:t>Année-Universitaire : 2022 - 2023</a:t>
+            </a:r>
+            <a:endParaRPr sz="1200" dirty="0">
+              <a:solidFill>
+                <a:srgbClr val="3F3F3F"/>
+              </a:solidFill>
+              <a:latin typeface="Century Gothic"/>
+              <a:ea typeface="Century Gothic"/>
+              <a:cs typeface="Century Gothic"/>
+              <a:sym typeface="Century Gothic"/>
+            </a:endParaRPr>
+          </a:p>
+        </p:txBody>
+      </p:sp>
+      <p:pic>
+        <p:nvPicPr>
+          <p:cNvPr id="3" name="Image 2">
+            <a:extLst>
+              <a:ext uri="{FF2B5EF4-FFF2-40B4-BE49-F238E27FC236}">
+                <a16:creationId xmlns:a16="http://schemas.microsoft.com/office/drawing/2014/main" id="{0F9010B8-57D3-45D2-A470-AE637274856D}"/>
+              </a:ext>
+            </a:extLst>
+          </p:cNvPr>
+          <p:cNvPicPr>
+            <a:picLocks noChangeAspect="1"/>
+          </p:cNvPicPr>
+          <p:nvPr/>
+        </p:nvPicPr>
+        <p:blipFill>
+          <a:blip r:embed="rId3"/>
+          <a:stretch>
+            <a:fillRect/>
+          </a:stretch>
+        </p:blipFill>
+        <p:spPr>
+          <a:xfrm>
+            <a:off x="1073899" y="7809"/>
+            <a:ext cx="824733" cy="968038"/>
+          </a:xfrm>
+          <a:prstGeom prst="rect">
+            <a:avLst/>
+          </a:prstGeom>
+        </p:spPr>
+      </p:pic>
+      <p:pic>
+        <p:nvPicPr>
+          <p:cNvPr id="5" name="Image 4">
+            <a:extLst>
+              <a:ext uri="{FF2B5EF4-FFF2-40B4-BE49-F238E27FC236}">
+                <a16:creationId xmlns:a16="http://schemas.microsoft.com/office/drawing/2014/main" id="{0499C3E2-609F-43C4-A11C-4D4F9B7B7A44}"/>
+              </a:ext>
+            </a:extLst>
+          </p:cNvPr>
+          <p:cNvPicPr>
+            <a:picLocks noChangeAspect="1"/>
+          </p:cNvPicPr>
+          <p:nvPr/>
+        </p:nvPicPr>
+        <p:blipFill>
+          <a:blip r:embed="rId4">
+            <a:extLst>
+              <a:ext uri="{28A0092B-C50C-407E-A947-70E740481C1C}">
+                <a14:useLocalDpi xmlns:a14="http://schemas.microsoft.com/office/drawing/2010/main" val="0"/>
+              </a:ext>
+            </a:extLst>
+          </a:blip>
+          <a:stretch>
+            <a:fillRect/>
+          </a:stretch>
+        </p:blipFill>
+        <p:spPr>
+          <a:xfrm>
+            <a:off x="2060010" y="7809"/>
+            <a:ext cx="965338" cy="965338"/>
+          </a:xfrm>
+          <a:prstGeom prst="rect">
+            <a:avLst/>
+          </a:prstGeom>
+        </p:spPr>
+      </p:pic>
+      <p:pic>
+        <p:nvPicPr>
+          <p:cNvPr id="7" name="Image 6">
+            <a:extLst>
+              <a:ext uri="{FF2B5EF4-FFF2-40B4-BE49-F238E27FC236}">
+                <a16:creationId xmlns:a16="http://schemas.microsoft.com/office/drawing/2014/main" id="{94F6941B-85C0-497A-8FD1-B86C9E16E6DA}"/>
+              </a:ext>
+            </a:extLst>
+          </p:cNvPr>
+          <p:cNvPicPr>
+            <a:picLocks noChangeAspect="1"/>
+          </p:cNvPicPr>
+          <p:nvPr/>
+        </p:nvPicPr>
+        <p:blipFill>
+          <a:blip r:embed="rId5">
+            <a:extLst>
+              <a:ext uri="{28A0092B-C50C-407E-A947-70E740481C1C}">
+                <a14:useLocalDpi xmlns:a14="http://schemas.microsoft.com/office/drawing/2010/main" val="0"/>
+              </a:ext>
+            </a:extLst>
+          </a:blip>
+          <a:stretch>
+            <a:fillRect/>
+          </a:stretch>
+        </p:blipFill>
+        <p:spPr>
+          <a:xfrm>
+            <a:off x="6623351" y="22815"/>
+            <a:ext cx="930112" cy="950332"/>
+          </a:xfrm>
+          <a:prstGeom prst="rect">
+            <a:avLst/>
+          </a:prstGeom>
+        </p:spPr>
+      </p:pic>
+      <p:sp>
+        <p:nvSpPr>
+          <p:cNvPr id="8" name="Rectangle 7">
+            <a:extLst>
+              <a:ext uri="{FF2B5EF4-FFF2-40B4-BE49-F238E27FC236}">
+                <a16:creationId xmlns:a16="http://schemas.microsoft.com/office/drawing/2014/main" id="{311DDF04-64FD-4FC6-8B16-38C2E067A59A}"/>
+              </a:ext>
+            </a:extLst>
+          </p:cNvPr>
+          <p:cNvSpPr/>
+          <p:nvPr/>
+        </p:nvSpPr>
+        <p:spPr>
+          <a:xfrm>
+            <a:off x="2261302" y="1772201"/>
+            <a:ext cx="4430486" cy="45719"/>
+          </a:xfrm>
+          <a:prstGeom prst="rect">
+            <a:avLst/>
+          </a:prstGeom>
+          <a:solidFill>
+            <a:schemeClr val="accent1"/>
+          </a:solidFill>
+          <a:ln>
+            <a:solidFill>
+              <a:schemeClr val="accent1"/>
+            </a:solidFill>
+          </a:ln>
+        </p:spPr>
+        <p:style>
+          <a:lnRef idx="2">
+            <a:schemeClr val="accent1">
+              <a:shade val="50000"/>
+            </a:schemeClr>
+          </a:lnRef>
+          <a:fillRef idx="1">
+            <a:schemeClr val="accent1"/>
+          </a:fillRef>
+          <a:effectRef idx="0">
+            <a:schemeClr val="accent1"/>
+          </a:effectRef>
+          <a:fontRef idx="minor">
+            <a:schemeClr val="lt1"/>
+          </a:fontRef>
+        </p:style>
+        <p:txBody>
+          <a:bodyPr rtlCol="0" anchor="ctr"/>
+          <a:lstStyle/>
+          <a:p>
+            <a:pPr algn="ctr"/>
+            <a:endParaRPr lang="fr-FR" dirty="0"/>
+          </a:p>
+        </p:txBody>
+      </p:sp>
+      <p:sp>
+        <p:nvSpPr>
+          <p:cNvPr id="35" name="Google Shape;118;p14">
+            <a:extLst>
+              <a:ext uri="{FF2B5EF4-FFF2-40B4-BE49-F238E27FC236}">
+                <a16:creationId xmlns:a16="http://schemas.microsoft.com/office/drawing/2014/main" id="{5E0658DA-28F0-4566-928F-44313735B076}"/>
+              </a:ext>
+            </a:extLst>
+          </p:cNvPr>
+          <p:cNvSpPr txBox="1"/>
+          <p:nvPr/>
+        </p:nvSpPr>
+        <p:spPr>
+          <a:xfrm>
+            <a:off x="1898632" y="4281604"/>
+            <a:ext cx="5744813" cy="339495"/>
+          </a:xfrm>
+          <a:prstGeom prst="rect">
+            <a:avLst/>
+          </a:prstGeom>
+          <a:noFill/>
+          <a:ln>
+            <a:noFill/>
+          </a:ln>
+        </p:spPr>
+        <p:txBody>
+          <a:bodyPr spcFirstLastPara="1" wrap="square" lIns="68575" tIns="34275" rIns="68575" bIns="34275" anchor="t" anchorCtr="0">
+            <a:noAutofit/>
+          </a:bodyPr>
+          <a:lstStyle/>
+          <a:p>
+            <a:pPr marL="0" marR="0" lvl="0" indent="0" algn="ctr" rtl="0">
+              <a:spcBef>
+                <a:spcPts val="0"/>
+              </a:spcBef>
+              <a:spcAft>
+                <a:spcPts val="0"/>
+              </a:spcAft>
+              <a:buNone/>
+            </a:pPr>
+            <a:r>
+              <a:rPr lang="fr-FR" sz="1600" dirty="0">
+                <a:solidFill>
+                  <a:srgbClr val="3F3F3F"/>
+                </a:solidFill>
+                <a:latin typeface="Century Gothic"/>
+                <a:ea typeface="Century Gothic"/>
+                <a:cs typeface="Century Gothic"/>
+                <a:sym typeface="Century Gothic"/>
+              </a:rPr>
+              <a:t>Présenté par </a:t>
+            </a:r>
+            <a:r>
+              <a:rPr lang="fr-FR" sz="1600" b="1" dirty="0" smtClean="0">
+                <a:solidFill>
+                  <a:srgbClr val="3F3F3F"/>
+                </a:solidFill>
+                <a:latin typeface="Century Gothic"/>
+                <a:ea typeface="Century Gothic"/>
+                <a:cs typeface="Century Gothic"/>
+                <a:sym typeface="Century Gothic"/>
+              </a:rPr>
+              <a:t>RASOLOFONIAINA TSIHEJE Marie </a:t>
+            </a:r>
+            <a:r>
+              <a:rPr lang="fr-FR" sz="1600" b="1" dirty="0" err="1" smtClean="0">
+                <a:solidFill>
+                  <a:srgbClr val="3F3F3F"/>
+                </a:solidFill>
+                <a:latin typeface="Century Gothic"/>
+                <a:ea typeface="Century Gothic"/>
+                <a:cs typeface="Century Gothic"/>
+                <a:sym typeface="Century Gothic"/>
+              </a:rPr>
+              <a:t>Mickaelio</a:t>
+            </a:r>
+            <a:endParaRPr sz="1600" dirty="0">
+              <a:solidFill>
+                <a:srgbClr val="3F3F3F"/>
+              </a:solidFill>
+              <a:latin typeface="Century Gothic"/>
+              <a:ea typeface="Century Gothic"/>
+              <a:cs typeface="Century Gothic"/>
+              <a:sym typeface="Century Gothic"/>
+            </a:endParaRPr>
+          </a:p>
+        </p:txBody>
+      </p:sp>
+      <p:sp>
+        <p:nvSpPr>
+          <p:cNvPr id="27" name="Google Shape;118;p14">
+            <a:extLst>
+              <a:ext uri="{FF2B5EF4-FFF2-40B4-BE49-F238E27FC236}">
+                <a16:creationId xmlns:a16="http://schemas.microsoft.com/office/drawing/2014/main" id="{A1204151-5064-4F89-A3F7-3A86FB49FE74}"/>
+              </a:ext>
+            </a:extLst>
+          </p:cNvPr>
+          <p:cNvSpPr txBox="1"/>
+          <p:nvPr/>
+        </p:nvSpPr>
+        <p:spPr>
+          <a:xfrm>
+            <a:off x="2139175" y="1912967"/>
+            <a:ext cx="4669972" cy="493556"/>
+          </a:xfrm>
+          <a:prstGeom prst="rect">
+            <a:avLst/>
+          </a:prstGeom>
+          <a:noFill/>
+          <a:ln>
+            <a:noFill/>
+          </a:ln>
+        </p:spPr>
+        <p:txBody>
+          <a:bodyPr spcFirstLastPara="1" wrap="square" lIns="68575" tIns="34275" rIns="68575" bIns="34275" anchor="t" anchorCtr="0">
+            <a:noAutofit/>
+          </a:bodyPr>
+          <a:lstStyle/>
+          <a:p>
+            <a:pPr marL="0" marR="0" lvl="0" indent="0" algn="ctr" rtl="0">
+              <a:spcBef>
+                <a:spcPts val="0"/>
+              </a:spcBef>
+              <a:spcAft>
+                <a:spcPts val="0"/>
+              </a:spcAft>
+              <a:buNone/>
+            </a:pPr>
+            <a:r>
+              <a:rPr lang="fr-FR" b="1" dirty="0">
+                <a:solidFill>
+                  <a:srgbClr val="3F3F3F"/>
+                </a:solidFill>
+                <a:latin typeface="Century Gothic"/>
+                <a:ea typeface="Century Gothic"/>
+                <a:cs typeface="Century Gothic"/>
+                <a:sym typeface="Century Gothic"/>
+              </a:rPr>
+              <a:t>Mémoire de fin d’études </a:t>
+            </a:r>
+            <a:r>
+              <a:rPr lang="fr-FR" b="1" dirty="0" smtClean="0">
+                <a:solidFill>
+                  <a:srgbClr val="3F3F3F"/>
+                </a:solidFill>
+                <a:latin typeface="Century Gothic"/>
+                <a:ea typeface="Century Gothic"/>
+                <a:cs typeface="Century Gothic"/>
+                <a:sym typeface="Century Gothic"/>
+              </a:rPr>
+              <a:t>pour </a:t>
+            </a:r>
+            <a:r>
+              <a:rPr lang="fr-FR" b="1" dirty="0">
+                <a:solidFill>
+                  <a:srgbClr val="3F3F3F"/>
+                </a:solidFill>
+                <a:latin typeface="Century Gothic"/>
+                <a:ea typeface="Century Gothic"/>
+                <a:cs typeface="Century Gothic"/>
+                <a:sym typeface="Century Gothic"/>
+              </a:rPr>
+              <a:t>de l’obtention du diplôme de </a:t>
+            </a:r>
+            <a:r>
+              <a:rPr lang="fr-FR" b="1" dirty="0" smtClean="0">
+                <a:solidFill>
+                  <a:srgbClr val="3F3F3F"/>
+                </a:solidFill>
+                <a:latin typeface="Century Gothic"/>
+                <a:ea typeface="Century Gothic"/>
+                <a:cs typeface="Century Gothic"/>
+                <a:sym typeface="Century Gothic"/>
+              </a:rPr>
+              <a:t>licence Professionnelle </a:t>
+            </a:r>
+            <a:r>
+              <a:rPr lang="fr-FR" b="1" dirty="0">
+                <a:solidFill>
+                  <a:srgbClr val="3F3F3F"/>
+                </a:solidFill>
+                <a:latin typeface="Century Gothic"/>
+                <a:ea typeface="Century Gothic"/>
+                <a:cs typeface="Century Gothic"/>
+                <a:sym typeface="Century Gothic"/>
+              </a:rPr>
+              <a:t>en Informatique</a:t>
+            </a:r>
+            <a:endParaRPr b="1" dirty="0">
+              <a:solidFill>
+                <a:srgbClr val="3F3F3F"/>
+              </a:solidFill>
+              <a:latin typeface="Century Gothic"/>
+              <a:ea typeface="Century Gothic"/>
+              <a:cs typeface="Century Gothic"/>
+              <a:sym typeface="Century Gothic"/>
+            </a:endParaRPr>
+          </a:p>
+        </p:txBody>
+      </p:sp>
+      <p:sp>
+        <p:nvSpPr>
+          <p:cNvPr id="28" name="Google Shape;118;p14">
+            <a:extLst>
+              <a:ext uri="{FF2B5EF4-FFF2-40B4-BE49-F238E27FC236}">
+                <a16:creationId xmlns:a16="http://schemas.microsoft.com/office/drawing/2014/main" id="{C77D7B07-B087-499D-920E-2405CE5423BC}"/>
+              </a:ext>
+            </a:extLst>
+          </p:cNvPr>
+          <p:cNvSpPr txBox="1"/>
+          <p:nvPr/>
+        </p:nvSpPr>
+        <p:spPr>
+          <a:xfrm>
+            <a:off x="3032517" y="2414131"/>
+            <a:ext cx="2642337" cy="676073"/>
+          </a:xfrm>
+          <a:prstGeom prst="rect">
+            <a:avLst/>
+          </a:prstGeom>
+          <a:noFill/>
+          <a:ln>
+            <a:noFill/>
+          </a:ln>
+        </p:spPr>
+        <p:txBody>
+          <a:bodyPr spcFirstLastPara="1" wrap="square" lIns="68575" tIns="34275" rIns="68575" bIns="34275" anchor="t" anchorCtr="0">
+            <a:noAutofit/>
+          </a:bodyPr>
+          <a:lstStyle/>
+          <a:p>
+            <a:pPr marL="0" marR="0" lvl="0" indent="0" algn="ctr" rtl="0">
+              <a:spcBef>
+                <a:spcPts val="0"/>
+              </a:spcBef>
+              <a:spcAft>
+                <a:spcPts val="0"/>
+              </a:spcAft>
+              <a:buNone/>
+            </a:pPr>
+            <a:r>
+              <a:rPr lang="fr-FR" sz="1200" dirty="0">
+                <a:solidFill>
+                  <a:srgbClr val="3F3F3F"/>
+                </a:solidFill>
+                <a:latin typeface="Century Gothic"/>
+                <a:ea typeface="Century Gothic"/>
+                <a:cs typeface="Century Gothic"/>
+                <a:sym typeface="Century Gothic"/>
+              </a:rPr>
+              <a:t>Mention : Informatique</a:t>
+            </a:r>
+          </a:p>
+          <a:p>
+            <a:pPr marL="0" marR="0" lvl="0" indent="0" algn="ctr" rtl="0">
+              <a:spcBef>
+                <a:spcPts val="0"/>
+              </a:spcBef>
+              <a:spcAft>
+                <a:spcPts val="0"/>
+              </a:spcAft>
+              <a:buNone/>
+            </a:pPr>
+            <a:r>
+              <a:rPr lang="fr-FR" sz="1200" dirty="0">
+                <a:solidFill>
+                  <a:srgbClr val="3F3F3F"/>
+                </a:solidFill>
+                <a:latin typeface="Century Gothic"/>
+                <a:ea typeface="Century Gothic"/>
+                <a:cs typeface="Century Gothic"/>
+                <a:sym typeface="Century Gothic"/>
+              </a:rPr>
+              <a:t>Parcours : Informatique Générale</a:t>
+            </a:r>
+          </a:p>
+          <a:p>
+            <a:pPr marL="0" marR="0" lvl="0" indent="0" algn="ctr" rtl="0">
+              <a:spcBef>
+                <a:spcPts val="0"/>
+              </a:spcBef>
+              <a:spcAft>
+                <a:spcPts val="0"/>
+              </a:spcAft>
+              <a:buNone/>
+            </a:pPr>
+            <a:r>
+              <a:rPr lang="fr-FR" sz="1200" dirty="0">
+                <a:solidFill>
+                  <a:srgbClr val="3F3F3F"/>
+                </a:solidFill>
+                <a:latin typeface="Century Gothic"/>
+                <a:ea typeface="Century Gothic"/>
+                <a:cs typeface="Century Gothic"/>
+                <a:sym typeface="Century Gothic"/>
+              </a:rPr>
+              <a:t>Intitulé :</a:t>
+            </a:r>
+            <a:endParaRPr sz="1200" dirty="0">
+              <a:solidFill>
+                <a:srgbClr val="3F3F3F"/>
+              </a:solidFill>
+              <a:latin typeface="Century Gothic"/>
+              <a:ea typeface="Century Gothic"/>
+              <a:cs typeface="Century Gothic"/>
+              <a:sym typeface="Century Gothic"/>
+            </a:endParaRPr>
+          </a:p>
+        </p:txBody>
+      </p:sp>
+    </p:spTree>
+  </p:cSld>
+  <p:clrMapOvr>
+    <a:masterClrMapping/>
+  </p:clrMapOvr>
+  <p:timing>
+    <p:tnLst>
+      <p:par>
+        <p:cTn id="1" dur="indefinite" restart="never" nodeType="tmRoot">
+          <p:childTnLst>
+            <p:seq concurrent="1" nextAc="seek">
+              <p:cTn id="2" dur="indefinite" nodeType="mainSeq">
+                <p:childTnLst>
+                  <p:par>
+                    <p:cTn id="3" fill="hold">
+                      <p:stCondLst>
+                        <p:cond delay="indefinite"/>
+                        <p:cond evt="onBegin" delay="0">
+                          <p:tn val="2"/>
+                        </p:cond>
+                      </p:stCondLst>
+                      <p:childTnLst>
+                        <p:par>
+                          <p:cTn id="4" fill="hold">
+                            <p:stCondLst>
+                              <p:cond delay="0"/>
+                            </p:stCondLst>
+                            <p:childTnLst>
+                              <p:par>
+                                <p:cTn id="5" presetID="8" presetClass="emph" presetSubtype="0" fill="hold" nodeType="withEffect">
+                                  <p:stCondLst>
+                                    <p:cond delay="0"/>
+                                  </p:stCondLst>
+                                  <p:childTnLst>
+                                    <p:animRot by="-21600000">
+                                      <p:cBhvr>
+                                        <p:cTn id="6" dur="4000" fill="hold"/>
+                                        <p:tgtEl>
+                                          <p:spTgt spid="101"/>
+                                        </p:tgtEl>
+                                        <p:attrNameLst>
+                                          <p:attrName>r</p:attrName>
+                                        </p:attrNameLst>
+                                      </p:cBhvr>
+                                    </p:animRot>
+                                  </p:childTnLst>
+                                </p:cTn>
+                              </p:par>
+                              <p:par>
+                                <p:cTn id="7" presetID="8" presetClass="emph" presetSubtype="0" fill="hold" nodeType="withEffect">
+                                  <p:stCondLst>
+                                    <p:cond delay="0"/>
+                                  </p:stCondLst>
+                                  <p:childTnLst>
+                                    <p:animRot by="-21600000">
+                                      <p:cBhvr>
+                                        <p:cTn id="8" dur="10000" fill="hold"/>
+                                        <p:tgtEl>
+                                          <p:spTgt spid="107"/>
+                                        </p:tgtEl>
+                                        <p:attrNameLst>
+                                          <p:attrName>r</p:attrName>
+                                        </p:attrNameLst>
+                                      </p:cBhvr>
+                                    </p:animRot>
+                                  </p:childTnLst>
+                                </p:cTn>
+                              </p:par>
+                              <p:par>
+                                <p:cTn id="9" presetID="23" presetClass="entr" presetSubtype="16" fill="hold" nodeType="withEffect">
+                                  <p:stCondLst>
+                                    <p:cond delay="0"/>
+                                  </p:stCondLst>
+                                  <p:childTnLst>
+                                    <p:set>
+                                      <p:cBhvr>
+                                        <p:cTn id="10" dur="1" fill="hold">
+                                          <p:stCondLst>
+                                            <p:cond delay="0"/>
+                                          </p:stCondLst>
+                                        </p:cTn>
+                                        <p:tgtEl>
+                                          <p:spTgt spid="95"/>
+                                        </p:tgtEl>
+                                        <p:attrNameLst>
+                                          <p:attrName>style.visibility</p:attrName>
+                                        </p:attrNameLst>
+                                      </p:cBhvr>
+                                      <p:to>
+                                        <p:strVal val="visible"/>
+                                      </p:to>
+                                    </p:set>
+                                    <p:anim calcmode="lin" valueType="num">
+                                      <p:cBhvr additive="base">
+                                        <p:cTn id="11" dur="250"/>
+                                        <p:tgtEl>
+                                          <p:spTgt spid="95"/>
+                                        </p:tgtEl>
+                                        <p:attrNameLst>
+                                          <p:attrName>ppt_w</p:attrName>
+                                        </p:attrNameLst>
+                                      </p:cBhvr>
+                                      <p:tavLst>
+                                        <p:tav tm="0">
+                                          <p:val>
+                                            <p:strVal val="0"/>
+                                          </p:val>
+                                        </p:tav>
+                                        <p:tav tm="100000">
+                                          <p:val>
+                                            <p:strVal val="#ppt_w"/>
+                                          </p:val>
+                                        </p:tav>
+                                      </p:tavLst>
+                                    </p:anim>
+                                    <p:anim calcmode="lin" valueType="num">
+                                      <p:cBhvr additive="base">
+                                        <p:cTn id="12" dur="250"/>
+                                        <p:tgtEl>
+                                          <p:spTgt spid="95"/>
+                                        </p:tgtEl>
+                                        <p:attrNameLst>
+                                          <p:attrName>ppt_h</p:attrName>
+                                        </p:attrNameLst>
+                                      </p:cBhvr>
+                                      <p:tavLst>
+                                        <p:tav tm="0">
+                                          <p:val>
+                                            <p:strVal val="0"/>
+                                          </p:val>
+                                        </p:tav>
+                                        <p:tav tm="100000">
+                                          <p:val>
+                                            <p:strVal val="#ppt_h"/>
+                                          </p:val>
+                                        </p:tav>
+                                      </p:tavLst>
+                                    </p:anim>
+                                  </p:childTnLst>
+                                </p:cTn>
+                              </p:par>
+                              <p:par>
+                                <p:cTn id="13" presetID="23" presetClass="entr" presetSubtype="16" fill="hold" nodeType="withEffect">
+                                  <p:stCondLst>
+                                    <p:cond delay="250"/>
+                                  </p:stCondLst>
+                                  <p:childTnLst>
+                                    <p:set>
+                                      <p:cBhvr>
+                                        <p:cTn id="14" dur="1" fill="hold">
+                                          <p:stCondLst>
+                                            <p:cond delay="0"/>
+                                          </p:stCondLst>
+                                        </p:cTn>
+                                        <p:tgtEl>
+                                          <p:spTgt spid="99"/>
+                                        </p:tgtEl>
+                                        <p:attrNameLst>
+                                          <p:attrName>style.visibility</p:attrName>
+                                        </p:attrNameLst>
+                                      </p:cBhvr>
+                                      <p:to>
+                                        <p:strVal val="visible"/>
+                                      </p:to>
+                                    </p:set>
+                                    <p:anim calcmode="lin" valueType="num">
+                                      <p:cBhvr additive="base">
+                                        <p:cTn id="15" dur="250"/>
+                                        <p:tgtEl>
+                                          <p:spTgt spid="99"/>
+                                        </p:tgtEl>
+                                        <p:attrNameLst>
+                                          <p:attrName>ppt_w</p:attrName>
+                                        </p:attrNameLst>
+                                      </p:cBhvr>
+                                      <p:tavLst>
+                                        <p:tav tm="0">
+                                          <p:val>
+                                            <p:strVal val="0"/>
+                                          </p:val>
+                                        </p:tav>
+                                        <p:tav tm="100000">
+                                          <p:val>
+                                            <p:strVal val="#ppt_w"/>
+                                          </p:val>
+                                        </p:tav>
+                                      </p:tavLst>
+                                    </p:anim>
+                                    <p:anim calcmode="lin" valueType="num">
+                                      <p:cBhvr additive="base">
+                                        <p:cTn id="16" dur="250"/>
+                                        <p:tgtEl>
+                                          <p:spTgt spid="99"/>
+                                        </p:tgtEl>
+                                        <p:attrNameLst>
+                                          <p:attrName>ppt_h</p:attrName>
+                                        </p:attrNameLst>
+                                      </p:cBhvr>
+                                      <p:tavLst>
+                                        <p:tav tm="0">
+                                          <p:val>
+                                            <p:strVal val="0"/>
+                                          </p:val>
+                                        </p:tav>
+                                        <p:tav tm="100000">
+                                          <p:val>
+                                            <p:strVal val="#ppt_h"/>
+                                          </p:val>
+                                        </p:tav>
+                                      </p:tavLst>
+                                    </p:anim>
+                                  </p:childTnLst>
+                                </p:cTn>
+                              </p:par>
+                              <p:par>
+                                <p:cTn id="17" presetID="23" presetClass="entr" presetSubtype="16" fill="hold" nodeType="withEffect">
+                                  <p:stCondLst>
+                                    <p:cond delay="0"/>
+                                  </p:stCondLst>
+                                  <p:childTnLst>
+                                    <p:set>
+                                      <p:cBhvr>
+                                        <p:cTn id="18" dur="1" fill="hold">
+                                          <p:stCondLst>
+                                            <p:cond delay="0"/>
+                                          </p:stCondLst>
+                                        </p:cTn>
+                                        <p:tgtEl>
+                                          <p:spTgt spid="116"/>
+                                        </p:tgtEl>
+                                        <p:attrNameLst>
+                                          <p:attrName>style.visibility</p:attrName>
+                                        </p:attrNameLst>
+                                      </p:cBhvr>
+                                      <p:to>
+                                        <p:strVal val="visible"/>
+                                      </p:to>
+                                    </p:set>
+                                    <p:anim calcmode="lin" valueType="num">
+                                      <p:cBhvr additive="base">
+                                        <p:cTn id="19" dur="250"/>
+                                        <p:tgtEl>
+                                          <p:spTgt spid="116"/>
+                                        </p:tgtEl>
+                                        <p:attrNameLst>
+                                          <p:attrName>ppt_w</p:attrName>
+                                        </p:attrNameLst>
+                                      </p:cBhvr>
+                                      <p:tavLst>
+                                        <p:tav tm="0">
+                                          <p:val>
+                                            <p:strVal val="0"/>
+                                          </p:val>
+                                        </p:tav>
+                                        <p:tav tm="100000">
+                                          <p:val>
+                                            <p:strVal val="#ppt_w"/>
+                                          </p:val>
+                                        </p:tav>
+                                      </p:tavLst>
+                                    </p:anim>
+                                    <p:anim calcmode="lin" valueType="num">
+                                      <p:cBhvr additive="base">
+                                        <p:cTn id="20" dur="250"/>
+                                        <p:tgtEl>
+                                          <p:spTgt spid="116"/>
+                                        </p:tgtEl>
+                                        <p:attrNameLst>
+                                          <p:attrName>ppt_h</p:attrName>
+                                        </p:attrNameLst>
+                                      </p:cBhvr>
+                                      <p:tavLst>
+                                        <p:tav tm="0">
+                                          <p:val>
+                                            <p:strVal val="0"/>
+                                          </p:val>
+                                        </p:tav>
+                                        <p:tav tm="100000">
+                                          <p:val>
+                                            <p:strVal val="#ppt_h"/>
+                                          </p:val>
+                                        </p:tav>
+                                      </p:tavLst>
+                                    </p:anim>
+                                  </p:childTnLst>
+                                </p:cTn>
+                              </p:par>
+                              <p:par>
+                                <p:cTn id="21" presetID="23" presetClass="entr" presetSubtype="16" fill="hold" nodeType="withEffect">
+                                  <p:stCondLst>
+                                    <p:cond delay="500"/>
+                                  </p:stCondLst>
+                                  <p:childTnLst>
+                                    <p:set>
+                                      <p:cBhvr>
+                                        <p:cTn id="22" dur="1" fill="hold">
+                                          <p:stCondLst>
+                                            <p:cond delay="0"/>
+                                          </p:stCondLst>
+                                        </p:cTn>
+                                        <p:tgtEl>
+                                          <p:spTgt spid="96"/>
+                                        </p:tgtEl>
+                                        <p:attrNameLst>
+                                          <p:attrName>style.visibility</p:attrName>
+                                        </p:attrNameLst>
+                                      </p:cBhvr>
+                                      <p:to>
+                                        <p:strVal val="visible"/>
+                                      </p:to>
+                                    </p:set>
+                                    <p:anim calcmode="lin" valueType="num">
+                                      <p:cBhvr additive="base">
+                                        <p:cTn id="23" dur="250"/>
+                                        <p:tgtEl>
+                                          <p:spTgt spid="96"/>
+                                        </p:tgtEl>
+                                        <p:attrNameLst>
+                                          <p:attrName>ppt_w</p:attrName>
+                                        </p:attrNameLst>
+                                      </p:cBhvr>
+                                      <p:tavLst>
+                                        <p:tav tm="0">
+                                          <p:val>
+                                            <p:strVal val="0"/>
+                                          </p:val>
+                                        </p:tav>
+                                        <p:tav tm="100000">
+                                          <p:val>
+                                            <p:strVal val="#ppt_w"/>
+                                          </p:val>
+                                        </p:tav>
+                                      </p:tavLst>
+                                    </p:anim>
+                                    <p:anim calcmode="lin" valueType="num">
+                                      <p:cBhvr additive="base">
+                                        <p:cTn id="24" dur="250"/>
+                                        <p:tgtEl>
+                                          <p:spTgt spid="96"/>
+                                        </p:tgtEl>
+                                        <p:attrNameLst>
+                                          <p:attrName>ppt_h</p:attrName>
+                                        </p:attrNameLst>
+                                      </p:cBhvr>
+                                      <p:tavLst>
+                                        <p:tav tm="0">
+                                          <p:val>
+                                            <p:strVal val="0"/>
+                                          </p:val>
+                                        </p:tav>
+                                        <p:tav tm="100000">
+                                          <p:val>
+                                            <p:strVal val="#ppt_h"/>
+                                          </p:val>
+                                        </p:tav>
+                                      </p:tavLst>
+                                    </p:anim>
+                                  </p:childTnLst>
+                                </p:cTn>
+                              </p:par>
+                              <p:par>
+                                <p:cTn id="25" presetID="23" presetClass="entr" presetSubtype="16" fill="hold" nodeType="withEffect">
+                                  <p:stCondLst>
+                                    <p:cond delay="500"/>
+                                  </p:stCondLst>
+                                  <p:childTnLst>
+                                    <p:set>
+                                      <p:cBhvr>
+                                        <p:cTn id="26" dur="1" fill="hold">
+                                          <p:stCondLst>
+                                            <p:cond delay="0"/>
+                                          </p:stCondLst>
+                                        </p:cTn>
+                                        <p:tgtEl>
+                                          <p:spTgt spid="97"/>
+                                        </p:tgtEl>
+                                        <p:attrNameLst>
+                                          <p:attrName>style.visibility</p:attrName>
+                                        </p:attrNameLst>
+                                      </p:cBhvr>
+                                      <p:to>
+                                        <p:strVal val="visible"/>
+                                      </p:to>
+                                    </p:set>
+                                    <p:anim calcmode="lin" valueType="num">
+                                      <p:cBhvr additive="base">
+                                        <p:cTn id="27" dur="250"/>
+                                        <p:tgtEl>
+                                          <p:spTgt spid="97"/>
+                                        </p:tgtEl>
+                                        <p:attrNameLst>
+                                          <p:attrName>ppt_w</p:attrName>
+                                        </p:attrNameLst>
+                                      </p:cBhvr>
+                                      <p:tavLst>
+                                        <p:tav tm="0">
+                                          <p:val>
+                                            <p:strVal val="0"/>
+                                          </p:val>
+                                        </p:tav>
+                                        <p:tav tm="100000">
+                                          <p:val>
+                                            <p:strVal val="#ppt_w"/>
+                                          </p:val>
+                                        </p:tav>
+                                      </p:tavLst>
+                                    </p:anim>
+                                    <p:anim calcmode="lin" valueType="num">
+                                      <p:cBhvr additive="base">
+                                        <p:cTn id="28" dur="250"/>
+                                        <p:tgtEl>
+                                          <p:spTgt spid="97"/>
+                                        </p:tgtEl>
+                                        <p:attrNameLst>
+                                          <p:attrName>ppt_h</p:attrName>
+                                        </p:attrNameLst>
+                                      </p:cBhvr>
+                                      <p:tavLst>
+                                        <p:tav tm="0">
+                                          <p:val>
+                                            <p:strVal val="0"/>
+                                          </p:val>
+                                        </p:tav>
+                                        <p:tav tm="100000">
+                                          <p:val>
+                                            <p:strVal val="#ppt_h"/>
+                                          </p:val>
+                                        </p:tav>
+                                      </p:tavLst>
+                                    </p:anim>
+                                  </p:childTnLst>
+                                </p:cTn>
+                              </p:par>
+                              <p:par>
+                                <p:cTn id="29" presetID="10" presetClass="entr" presetSubtype="0" fill="hold" nodeType="withEffect">
+                                  <p:stCondLst>
+                                    <p:cond delay="500"/>
+                                  </p:stCondLst>
+                                  <p:childTnLst>
+                                    <p:set>
+                                      <p:cBhvr>
+                                        <p:cTn id="30" dur="1" fill="hold">
+                                          <p:stCondLst>
+                                            <p:cond delay="0"/>
+                                          </p:stCondLst>
+                                        </p:cTn>
+                                        <p:tgtEl>
+                                          <p:spTgt spid="98"/>
+                                        </p:tgtEl>
+                                        <p:attrNameLst>
+                                          <p:attrName>style.visibility</p:attrName>
+                                        </p:attrNameLst>
+                                      </p:cBhvr>
+                                      <p:to>
+                                        <p:strVal val="visible"/>
+                                      </p:to>
+                                    </p:set>
+                                    <p:animEffect transition="in" filter="fade">
+                                      <p:cBhvr>
+                                        <p:cTn id="31" dur="500"/>
+                                        <p:tgtEl>
+                                          <p:spTgt spid="98"/>
+                                        </p:tgtEl>
+                                      </p:cBhvr>
+                                    </p:animEffect>
+                                  </p:childTnLst>
+                                </p:cTn>
+                              </p:par>
+                              <p:par>
+                                <p:cTn id="32" presetID="10" presetClass="entr" presetSubtype="0" fill="hold" nodeType="withEffect">
+                                  <p:stCondLst>
+                                    <p:cond delay="500"/>
+                                  </p:stCondLst>
+                                  <p:childTnLst>
+                                    <p:set>
+                                      <p:cBhvr>
+                                        <p:cTn id="33" dur="1" fill="hold">
+                                          <p:stCondLst>
+                                            <p:cond delay="0"/>
+                                          </p:stCondLst>
+                                        </p:cTn>
+                                        <p:tgtEl>
+                                          <p:spTgt spid="117"/>
+                                        </p:tgtEl>
+                                        <p:attrNameLst>
+                                          <p:attrName>style.visibility</p:attrName>
+                                        </p:attrNameLst>
+                                      </p:cBhvr>
+                                      <p:to>
+                                        <p:strVal val="visible"/>
+                                      </p:to>
+                                    </p:set>
+                                    <p:animEffect transition="in" filter="fade">
+                                      <p:cBhvr>
+                                        <p:cTn id="34" dur="500"/>
+                                        <p:tgtEl>
+                                          <p:spTgt spid="117"/>
+                                        </p:tgtEl>
+                                      </p:cBhvr>
+                                    </p:animEffect>
+                                  </p:childTnLst>
+                                </p:cTn>
+                              </p:par>
+                              <p:par>
+                                <p:cTn id="35" presetID="10" presetClass="entr" presetSubtype="0" fill="hold" nodeType="withEffect">
+                                  <p:stCondLst>
+                                    <p:cond delay="500"/>
+                                  </p:stCondLst>
+                                  <p:childTnLst>
+                                    <p:set>
+                                      <p:cBhvr>
+                                        <p:cTn id="36" dur="1" fill="hold">
+                                          <p:stCondLst>
+                                            <p:cond delay="0"/>
+                                          </p:stCondLst>
+                                        </p:cTn>
+                                        <p:tgtEl>
+                                          <p:spTgt spid="118"/>
+                                        </p:tgtEl>
+                                        <p:attrNameLst>
+                                          <p:attrName>style.visibility</p:attrName>
+                                        </p:attrNameLst>
+                                      </p:cBhvr>
+                                      <p:to>
+                                        <p:strVal val="visible"/>
+                                      </p:to>
+                                    </p:set>
+                                    <p:animEffect transition="in" filter="fade">
+                                      <p:cBhvr>
+                                        <p:cTn id="37" dur="500"/>
+                                        <p:tgtEl>
+                                          <p:spTgt spid="118"/>
+                                        </p:tgtEl>
+                                      </p:cBhvr>
+                                    </p:animEffect>
+                                  </p:childTnLst>
+                                </p:cTn>
+                              </p:par>
+                              <p:par>
+                                <p:cTn id="38" presetID="10" presetClass="entr" presetSubtype="0" fill="hold" nodeType="withEffect">
+                                  <p:stCondLst>
+                                    <p:cond delay="500"/>
+                                  </p:stCondLst>
+                                  <p:childTnLst>
+                                    <p:set>
+                                      <p:cBhvr>
+                                        <p:cTn id="39" dur="1" fill="hold">
+                                          <p:stCondLst>
+                                            <p:cond delay="0"/>
+                                          </p:stCondLst>
+                                        </p:cTn>
+                                        <p:tgtEl>
+                                          <p:spTgt spid="35"/>
+                                        </p:tgtEl>
+                                        <p:attrNameLst>
+                                          <p:attrName>style.visibility</p:attrName>
+                                        </p:attrNameLst>
+                                      </p:cBhvr>
+                                      <p:to>
+                                        <p:strVal val="visible"/>
+                                      </p:to>
+                                    </p:set>
+                                    <p:animEffect transition="in" filter="fade">
+                                      <p:cBhvr>
+                                        <p:cTn id="40" dur="500"/>
+                                        <p:tgtEl>
+                                          <p:spTgt spid="35"/>
+                                        </p:tgtEl>
+                                      </p:cBhvr>
+                                    </p:animEffect>
+                                  </p:childTnLst>
+                                </p:cTn>
+                              </p:par>
+                              <p:par>
+                                <p:cTn id="41" presetID="10" presetClass="entr" presetSubtype="0" fill="hold" nodeType="withEffect">
+                                  <p:stCondLst>
+                                    <p:cond delay="500"/>
+                                  </p:stCondLst>
+                                  <p:childTnLst>
+                                    <p:set>
+                                      <p:cBhvr>
+                                        <p:cTn id="42" dur="1" fill="hold">
+                                          <p:stCondLst>
+                                            <p:cond delay="0"/>
+                                          </p:stCondLst>
+                                        </p:cTn>
+                                        <p:tgtEl>
+                                          <p:spTgt spid="27"/>
+                                        </p:tgtEl>
+                                        <p:attrNameLst>
+                                          <p:attrName>style.visibility</p:attrName>
+                                        </p:attrNameLst>
+                                      </p:cBhvr>
+                                      <p:to>
+                                        <p:strVal val="visible"/>
+                                      </p:to>
+                                    </p:set>
+                                    <p:animEffect transition="in" filter="fade">
+                                      <p:cBhvr>
+                                        <p:cTn id="43" dur="500"/>
+                                        <p:tgtEl>
+                                          <p:spTgt spid="27"/>
+                                        </p:tgtEl>
+                                      </p:cBhvr>
+                                    </p:animEffect>
+                                  </p:childTnLst>
+                                </p:cTn>
+                              </p:par>
+                              <p:par>
+                                <p:cTn id="44" presetID="10" presetClass="entr" presetSubtype="0" fill="hold" nodeType="withEffect">
+                                  <p:stCondLst>
+                                    <p:cond delay="500"/>
+                                  </p:stCondLst>
+                                  <p:childTnLst>
+                                    <p:set>
+                                      <p:cBhvr>
+                                        <p:cTn id="45" dur="1" fill="hold">
+                                          <p:stCondLst>
+                                            <p:cond delay="0"/>
+                                          </p:stCondLst>
+                                        </p:cTn>
+                                        <p:tgtEl>
+                                          <p:spTgt spid="28"/>
+                                        </p:tgtEl>
+                                        <p:attrNameLst>
+                                          <p:attrName>style.visibility</p:attrName>
+                                        </p:attrNameLst>
+                                      </p:cBhvr>
+                                      <p:to>
+                                        <p:strVal val="visible"/>
+                                      </p:to>
+                                    </p:set>
+                                    <p:animEffect transition="in" filter="fade">
+                                      <p:cBhvr>
+                                        <p:cTn id="46" dur="500"/>
+                                        <p:tgtEl>
+                                          <p:spTgt spid="28"/>
+                                        </p:tgtEl>
+                                      </p:cBhvr>
+                                    </p:animEffect>
+                                  </p:childTnLst>
+                                </p:cTn>
+                              </p:par>
+                            </p:childTnLst>
+                          </p:cTn>
+                        </p:par>
+                      </p:childTnLst>
+                    </p:cTn>
+                  </p:par>
+                </p:childTnLst>
+              </p:cTn>
+              <p:prevCondLst>
+                <p:cond evt="onPrev" delay="0">
+                  <p:tgtEl>
+                    <p:sldTgt/>
+                  </p:tgtEl>
+                </p:cond>
+              </p:prevCondLst>
+              <p:nextCondLst>
+                <p:cond evt="onNext" delay="0">
+                  <p:tgtEl>
+                    <p:sldTgt/>
+                  </p:tgtEl>
+                </p:cond>
+              </p:nextCondLst>
+            </p:seq>
+          </p:childTnLst>
+        </p:cTn>
+      </p:par>
+    </p:tnLst>
+  </p:timing>
+</p:sld>
+</file>
+
+<file path=ppt/slides/slide20.xml><?xml version="1.0" encoding="utf-8"?>
 <p:sld xmlns:a="http://schemas.openxmlformats.org/drawingml/2006/main" xmlns:r="http://schemas.openxmlformats.org/officeDocument/2006/relationships" xmlns:p="http://schemas.openxmlformats.org/presentationml/2006/main">
   <p:cSld>
     <p:spTree>
@@ -24017,7 +29750,19 @@
                 <a:cs typeface="Century Gothic"/>
                 <a:sym typeface="Century Gothic"/>
               </a:rPr>
-              <a:t>IE IV</a:t>
+              <a:t>IE </a:t>
+            </a:r>
+            <a:r>
+              <a:rPr lang="fr-FR" sz="1400" dirty="0" smtClean="0">
+                <a:solidFill>
+                  <a:schemeClr val="lt1"/>
+                </a:solidFill>
+                <a:latin typeface="Century Gothic"/>
+                <a:ea typeface="Century Gothic"/>
+                <a:cs typeface="Century Gothic"/>
+                <a:sym typeface="Century Gothic"/>
+              </a:rPr>
+              <a:t>V</a:t>
             </a:r>
             <a:endParaRPr sz="1400" dirty="0">
               <a:solidFill>
@@ -24066,7 +29811,7 @@
               <a:buNone/>
             </a:pPr>
             <a:r>
-              <a:rPr lang="tr-TR" sz="5000" b="1" dirty="0">
+              <a:rPr lang="tr-TR" sz="5000" b="1" dirty="0" smtClean="0">
                 <a:solidFill>
                   <a:schemeClr val="lt1"/>
                 </a:solidFill>
@@ -24087,7 +29832,7 @@
                 <a:cs typeface="Century Gothic"/>
                 <a:sym typeface="Century Gothic"/>
               </a:rPr>
-              <a:t>4</a:t>
+              <a:t>5</a:t>
             </a:r>
             <a:endParaRPr sz="5000" b="1" dirty="0">
               <a:solidFill>
@@ -25152,7 +30897,7 @@
 </p:sld>
 </file>
 
-<file path=ppt/slides/slide18.xml><?xml version="1.0" encoding="utf-8"?>
+<file path=ppt/slides/slide21.xml><?xml version="1.0" encoding="utf-8"?>
 <p:sld xmlns:a="http://schemas.openxmlformats.org/drawingml/2006/main" xmlns:r="http://schemas.openxmlformats.org/officeDocument/2006/relationships" xmlns:p="http://schemas.openxmlformats.org/presentationml/2006/main">
   <p:cSld>
     <p:spTree>
@@ -26423,7 +32168,7 @@
 </p:sld>
 </file>
 
-<file path=ppt/slides/slide19.xml><?xml version="1.0" encoding="utf-8"?>
+<file path=ppt/slides/slide22.xml><?xml version="1.0" encoding="utf-8"?>
 <p:sld xmlns:a="http://schemas.openxmlformats.org/drawingml/2006/main" xmlns:r="http://schemas.openxmlformats.org/officeDocument/2006/relationships" xmlns:p="http://schemas.openxmlformats.org/presentationml/2006/main">
   <p:cSld>
     <p:spTree>
@@ -27910,2061 +33655,6 @@
 </p:sld>
 </file>
 
-<file path=ppt/slides/slide2.xml><?xml version="1.0" encoding="utf-8"?>
-<p:sld xmlns:a="http://schemas.openxmlformats.org/drawingml/2006/main" xmlns:r="http://schemas.openxmlformats.org/officeDocument/2006/relationships" xmlns:p="http://schemas.openxmlformats.org/presentationml/2006/main">
-  <p:cSld>
-    <p:spTree>
-      <p:nvGrpSpPr>
-        <p:cNvPr id="1" name="Shape 93"/>
-        <p:cNvGrpSpPr/>
-        <p:nvPr/>
-      </p:nvGrpSpPr>
-      <p:grpSpPr>
-        <a:xfrm>
-          <a:off x="0" y="0"/>
-          <a:ext cx="0" cy="0"/>
-          <a:chOff x="0" y="0"/>
-          <a:chExt cx="0" cy="0"/>
-        </a:xfrm>
-      </p:grpSpPr>
-      <p:sp>
-        <p:nvSpPr>
-          <p:cNvPr id="95" name="Google Shape;95;p14"/>
-          <p:cNvSpPr/>
-          <p:nvPr/>
-        </p:nvSpPr>
-        <p:spPr>
-          <a:xfrm rot="10800000" flipH="1">
-            <a:off x="615167" y="2250711"/>
-            <a:ext cx="311624" cy="311624"/>
-          </a:xfrm>
-          <a:prstGeom prst="ellipse">
-            <a:avLst/>
-          </a:prstGeom>
-          <a:solidFill>
-            <a:schemeClr val="accent1"/>
-          </a:solidFill>
-          <a:ln>
-            <a:noFill/>
-          </a:ln>
-        </p:spPr>
-        <p:txBody>
-          <a:bodyPr spcFirstLastPara="1" wrap="square" lIns="68575" tIns="34275" rIns="68575" bIns="34275" anchor="ctr" anchorCtr="0">
-            <a:noAutofit/>
-          </a:bodyPr>
-          <a:lstStyle/>
-          <a:p>
-            <a:pPr marL="0" marR="0" lvl="0" indent="0" algn="ctr" rtl="0">
-              <a:spcBef>
-                <a:spcPts val="0"/>
-              </a:spcBef>
-              <a:spcAft>
-                <a:spcPts val="0"/>
-              </a:spcAft>
-              <a:buNone/>
-            </a:pPr>
-            <a:endParaRPr sz="1400" b="0" i="0" u="none" strike="noStrike" cap="none" dirty="0">
-              <a:solidFill>
-                <a:schemeClr val="lt1"/>
-              </a:solidFill>
-              <a:latin typeface="Century Gothic"/>
-              <a:ea typeface="Century Gothic"/>
-              <a:cs typeface="Century Gothic"/>
-              <a:sym typeface="Century Gothic"/>
-            </a:endParaRPr>
-          </a:p>
-        </p:txBody>
-      </p:sp>
-      <p:sp>
-        <p:nvSpPr>
-          <p:cNvPr id="96" name="Google Shape;96;p14"/>
-          <p:cNvSpPr/>
-          <p:nvPr/>
-        </p:nvSpPr>
-        <p:spPr>
-          <a:xfrm rot="10800000" flipH="1">
-            <a:off x="7944520" y="4415168"/>
-            <a:ext cx="641417" cy="641417"/>
-          </a:xfrm>
-          <a:prstGeom prst="ellipse">
-            <a:avLst/>
-          </a:prstGeom>
-          <a:solidFill>
-            <a:schemeClr val="accent1"/>
-          </a:solidFill>
-          <a:ln>
-            <a:noFill/>
-          </a:ln>
-        </p:spPr>
-        <p:txBody>
-          <a:bodyPr spcFirstLastPara="1" wrap="square" lIns="68575" tIns="34275" rIns="68575" bIns="34275" anchor="ctr" anchorCtr="0">
-            <a:noAutofit/>
-          </a:bodyPr>
-          <a:lstStyle/>
-          <a:p>
-            <a:pPr marL="0" marR="0" lvl="0" indent="0" algn="ctr" rtl="0">
-              <a:spcBef>
-                <a:spcPts val="0"/>
-              </a:spcBef>
-              <a:spcAft>
-                <a:spcPts val="0"/>
-              </a:spcAft>
-              <a:buNone/>
-            </a:pPr>
-            <a:endParaRPr sz="1400" b="0" i="0" u="none" strike="noStrike" cap="none" dirty="0">
-              <a:solidFill>
-                <a:schemeClr val="lt1"/>
-              </a:solidFill>
-              <a:latin typeface="Century Gothic"/>
-              <a:ea typeface="Century Gothic"/>
-              <a:cs typeface="Century Gothic"/>
-              <a:sym typeface="Century Gothic"/>
-            </a:endParaRPr>
-          </a:p>
-        </p:txBody>
-      </p:sp>
-      <p:sp>
-        <p:nvSpPr>
-          <p:cNvPr id="97" name="Google Shape;97;p14"/>
-          <p:cNvSpPr/>
-          <p:nvPr/>
-        </p:nvSpPr>
-        <p:spPr>
-          <a:xfrm rot="10800000" flipH="1">
-            <a:off x="-143251" y="-437864"/>
-            <a:ext cx="1070042" cy="1070042"/>
-          </a:xfrm>
-          <a:prstGeom prst="ellipse">
-            <a:avLst/>
-          </a:prstGeom>
-          <a:solidFill>
-            <a:schemeClr val="accent1"/>
-          </a:solidFill>
-          <a:ln>
-            <a:noFill/>
-          </a:ln>
-        </p:spPr>
-        <p:txBody>
-          <a:bodyPr spcFirstLastPara="1" wrap="square" lIns="68575" tIns="34275" rIns="68575" bIns="34275" anchor="ctr" anchorCtr="0">
-            <a:noAutofit/>
-          </a:bodyPr>
-          <a:lstStyle/>
-          <a:p>
-            <a:pPr marL="0" marR="0" lvl="0" indent="0" algn="ctr" rtl="0">
-              <a:spcBef>
-                <a:spcPts val="0"/>
-              </a:spcBef>
-              <a:spcAft>
-                <a:spcPts val="0"/>
-              </a:spcAft>
-              <a:buNone/>
-            </a:pPr>
-            <a:endParaRPr sz="1400" b="0" i="0" u="none" strike="noStrike" cap="none" dirty="0">
-              <a:solidFill>
-                <a:schemeClr val="lt1"/>
-              </a:solidFill>
-              <a:latin typeface="Century Gothic"/>
-              <a:ea typeface="Century Gothic"/>
-              <a:cs typeface="Century Gothic"/>
-              <a:sym typeface="Century Gothic"/>
-            </a:endParaRPr>
-          </a:p>
-        </p:txBody>
-      </p:sp>
-      <p:sp>
-        <p:nvSpPr>
-          <p:cNvPr id="98" name="Google Shape;98;p14"/>
-          <p:cNvSpPr txBox="1"/>
-          <p:nvPr/>
-        </p:nvSpPr>
-        <p:spPr>
-          <a:xfrm>
-            <a:off x="57905" y="3084007"/>
-            <a:ext cx="9144000" cy="1347040"/>
-          </a:xfrm>
-          <a:prstGeom prst="rect">
-            <a:avLst/>
-          </a:prstGeom>
-          <a:noFill/>
-          <a:ln>
-            <a:noFill/>
-          </a:ln>
-        </p:spPr>
-        <p:txBody>
-          <a:bodyPr spcFirstLastPara="1" wrap="square" lIns="68575" tIns="34275" rIns="68575" bIns="34275" anchor="t" anchorCtr="0">
-            <a:noAutofit/>
-          </a:bodyPr>
-          <a:lstStyle/>
-          <a:p>
-            <a:pPr algn="ctr"/>
-            <a:r>
-              <a:rPr lang="fr-FR" sz="1600" b="1" dirty="0" smtClean="0">
-                <a:latin typeface="Century Gothic" panose="020B0502020202020204" pitchFamily="34" charset="0"/>
-              </a:rPr>
-              <a:t>CONCEPTION ET REALISATION D’UNE PLATEFORME WEB POUR LA COMMUNICATION ET L’EDUCATION </a:t>
-            </a:r>
-            <a:endParaRPr lang="fr-FR" sz="1600" b="1" dirty="0">
-              <a:latin typeface="Century Gothic" panose="020B0502020202020204" pitchFamily="34" charset="0"/>
-            </a:endParaRPr>
-          </a:p>
-          <a:p>
-            <a:pPr lvl="0" algn="ctr"/>
-            <a:r>
-              <a:rPr lang="fr-FR" sz="1600" b="1" dirty="0">
-                <a:solidFill>
-                  <a:srgbClr val="3F3F3F"/>
-                </a:solidFill>
-                <a:latin typeface="Century Gothic"/>
-                <a:ea typeface="Century Gothic"/>
-                <a:cs typeface="Century Gothic"/>
-                <a:sym typeface="Century Gothic"/>
-              </a:rPr>
-              <a:t>AU SEIN DE</a:t>
-            </a:r>
-          </a:p>
-          <a:p>
-            <a:pPr lvl="0" algn="ctr"/>
-            <a:r>
-              <a:rPr lang="fr-FR" sz="1600" b="1" dirty="0" smtClean="0">
-                <a:solidFill>
-                  <a:srgbClr val="3F3F3F"/>
-                </a:solidFill>
-                <a:latin typeface="Century Gothic"/>
-                <a:ea typeface="Century Gothic"/>
-                <a:cs typeface="Century Gothic"/>
-                <a:sym typeface="Century Gothic"/>
-              </a:rPr>
-              <a:t>LA </a:t>
-            </a:r>
-            <a:r>
-              <a:rPr lang="fr-FR" sz="1600" b="1" smtClean="0">
-                <a:solidFill>
-                  <a:srgbClr val="3F3F3F"/>
-                </a:solidFill>
-                <a:latin typeface="Century Gothic"/>
-                <a:ea typeface="Century Gothic"/>
-                <a:cs typeface="Century Gothic"/>
-                <a:sym typeface="Century Gothic"/>
-              </a:rPr>
-              <a:t>FACULTE DES SCIENCES </a:t>
-            </a:r>
-            <a:r>
-              <a:rPr lang="fr-FR" sz="1600" b="1" dirty="0" smtClean="0">
-                <a:solidFill>
-                  <a:srgbClr val="3F3F3F"/>
-                </a:solidFill>
-                <a:latin typeface="Century Gothic"/>
-                <a:ea typeface="Century Gothic"/>
-                <a:cs typeface="Century Gothic"/>
-                <a:sym typeface="Century Gothic"/>
-              </a:rPr>
-              <a:t>FIANARANTSOA</a:t>
-            </a:r>
-            <a:endParaRPr sz="1600" b="1" dirty="0">
-              <a:solidFill>
-                <a:srgbClr val="3F3F3F"/>
-              </a:solidFill>
-              <a:latin typeface="Century Gothic"/>
-              <a:ea typeface="Century Gothic"/>
-              <a:cs typeface="Century Gothic"/>
-              <a:sym typeface="Century Gothic"/>
-            </a:endParaRPr>
-          </a:p>
-        </p:txBody>
-      </p:sp>
-      <p:sp>
-        <p:nvSpPr>
-          <p:cNvPr id="99" name="Google Shape;99;p14"/>
-          <p:cNvSpPr/>
-          <p:nvPr/>
-        </p:nvSpPr>
-        <p:spPr>
-          <a:xfrm rot="10800000" flipH="1">
-            <a:off x="7974015" y="2798333"/>
-            <a:ext cx="227088" cy="227088"/>
-          </a:xfrm>
-          <a:prstGeom prst="ellipse">
-            <a:avLst/>
-          </a:prstGeom>
-          <a:solidFill>
-            <a:schemeClr val="accent1"/>
-          </a:solidFill>
-          <a:ln>
-            <a:noFill/>
-          </a:ln>
-        </p:spPr>
-        <p:txBody>
-          <a:bodyPr spcFirstLastPara="1" wrap="square" lIns="68575" tIns="34275" rIns="68575" bIns="34275" anchor="ctr" anchorCtr="0">
-            <a:noAutofit/>
-          </a:bodyPr>
-          <a:lstStyle/>
-          <a:p>
-            <a:pPr marL="0" marR="0" lvl="0" indent="0" algn="ctr" rtl="0">
-              <a:spcBef>
-                <a:spcPts val="0"/>
-              </a:spcBef>
-              <a:spcAft>
-                <a:spcPts val="0"/>
-              </a:spcAft>
-              <a:buNone/>
-            </a:pPr>
-            <a:endParaRPr sz="1400" dirty="0">
-              <a:solidFill>
-                <a:schemeClr val="lt1"/>
-              </a:solidFill>
-              <a:latin typeface="Century Gothic"/>
-              <a:ea typeface="Century Gothic"/>
-              <a:cs typeface="Century Gothic"/>
-              <a:sym typeface="Century Gothic"/>
-            </a:endParaRPr>
-          </a:p>
-        </p:txBody>
-      </p:sp>
-      <p:grpSp>
-        <p:nvGrpSpPr>
-          <p:cNvPr id="101" name="Google Shape;101;p14"/>
-          <p:cNvGrpSpPr/>
-          <p:nvPr/>
-        </p:nvGrpSpPr>
-        <p:grpSpPr>
-          <a:xfrm>
-            <a:off x="-898756" y="3634154"/>
-            <a:ext cx="2223407" cy="2219325"/>
-            <a:chOff x="-1248832" y="4045503"/>
-            <a:chExt cx="4165599" cy="4165600"/>
-          </a:xfrm>
-        </p:grpSpPr>
-        <p:sp>
-          <p:nvSpPr>
-            <p:cNvPr id="102" name="Google Shape;102;p14"/>
-            <p:cNvSpPr/>
-            <p:nvPr/>
-          </p:nvSpPr>
-          <p:spPr>
-            <a:xfrm>
-              <a:off x="-1025071" y="4318000"/>
-              <a:ext cx="3683000" cy="3683000"/>
-            </a:xfrm>
-            <a:prstGeom prst="ellipse">
-              <a:avLst/>
-            </a:prstGeom>
-            <a:solidFill>
-              <a:schemeClr val="accent1"/>
-            </a:solidFill>
-            <a:ln>
-              <a:noFill/>
-            </a:ln>
-          </p:spPr>
-          <p:txBody>
-            <a:bodyPr spcFirstLastPara="1" wrap="square" lIns="91425" tIns="45700" rIns="91425" bIns="45700" anchor="ctr" anchorCtr="0">
-              <a:noAutofit/>
-            </a:bodyPr>
-            <a:lstStyle/>
-            <a:p>
-              <a:pPr marL="0" marR="0" lvl="0" indent="0" algn="ctr" rtl="0">
-                <a:spcBef>
-                  <a:spcPts val="0"/>
-                </a:spcBef>
-                <a:spcAft>
-                  <a:spcPts val="0"/>
-                </a:spcAft>
-                <a:buNone/>
-              </a:pPr>
-              <a:endParaRPr sz="1400" dirty="0">
-                <a:solidFill>
-                  <a:schemeClr val="lt1"/>
-                </a:solidFill>
-                <a:latin typeface="Century Gothic"/>
-                <a:ea typeface="Century Gothic"/>
-                <a:cs typeface="Century Gothic"/>
-                <a:sym typeface="Century Gothic"/>
-              </a:endParaRPr>
-            </a:p>
-          </p:txBody>
-        </p:sp>
-        <p:grpSp>
-          <p:nvGrpSpPr>
-            <p:cNvPr id="103" name="Google Shape;103;p14"/>
-            <p:cNvGrpSpPr/>
-            <p:nvPr/>
-          </p:nvGrpSpPr>
-          <p:grpSpPr>
-            <a:xfrm>
-              <a:off x="-1248832" y="4045503"/>
-              <a:ext cx="4165599" cy="4165600"/>
-              <a:chOff x="-1248832" y="4045503"/>
-              <a:chExt cx="4165599" cy="4165600"/>
-            </a:xfrm>
-          </p:grpSpPr>
-          <p:sp>
-            <p:nvSpPr>
-              <p:cNvPr id="104" name="Google Shape;104;p14"/>
-              <p:cNvSpPr/>
-              <p:nvPr/>
-            </p:nvSpPr>
-            <p:spPr>
-              <a:xfrm>
-                <a:off x="2697616" y="5348316"/>
-                <a:ext cx="161925" cy="161925"/>
-              </a:xfrm>
-              <a:prstGeom prst="ellipse">
-                <a:avLst/>
-              </a:prstGeom>
-              <a:solidFill>
-                <a:schemeClr val="accent1"/>
-              </a:solidFill>
-              <a:ln>
-                <a:noFill/>
-              </a:ln>
-            </p:spPr>
-            <p:txBody>
-              <a:bodyPr spcFirstLastPara="1" wrap="square" lIns="91425" tIns="45700" rIns="91425" bIns="45700" anchor="ctr" anchorCtr="0">
-                <a:noAutofit/>
-              </a:bodyPr>
-              <a:lstStyle/>
-              <a:p>
-                <a:pPr marL="0" marR="0" lvl="0" indent="0" algn="ctr" rtl="0">
-                  <a:spcBef>
-                    <a:spcPts val="0"/>
-                  </a:spcBef>
-                  <a:spcAft>
-                    <a:spcPts val="0"/>
-                  </a:spcAft>
-                  <a:buNone/>
-                </a:pPr>
-                <a:endParaRPr sz="1400" dirty="0">
-                  <a:solidFill>
-                    <a:schemeClr val="lt1"/>
-                  </a:solidFill>
-                  <a:latin typeface="Century Gothic"/>
-                  <a:ea typeface="Century Gothic"/>
-                  <a:cs typeface="Century Gothic"/>
-                  <a:sym typeface="Century Gothic"/>
-                </a:endParaRPr>
-              </a:p>
-            </p:txBody>
-          </p:sp>
-          <p:sp>
-            <p:nvSpPr>
-              <p:cNvPr id="105" name="Google Shape;105;p14"/>
-              <p:cNvSpPr/>
-              <p:nvPr/>
-            </p:nvSpPr>
-            <p:spPr>
-              <a:xfrm>
-                <a:off x="-1248832" y="4045503"/>
-                <a:ext cx="4165599" cy="4165600"/>
-              </a:xfrm>
-              <a:prstGeom prst="ellipse">
-                <a:avLst/>
-              </a:prstGeom>
-              <a:noFill/>
-              <a:ln w="12700" cap="flat" cmpd="sng">
-                <a:solidFill>
-                  <a:schemeClr val="accent1"/>
-                </a:solidFill>
-                <a:prstDash val="solid"/>
-                <a:miter lim="800000"/>
-                <a:headEnd type="none" w="sm" len="sm"/>
-                <a:tailEnd type="none" w="sm" len="sm"/>
-              </a:ln>
-            </p:spPr>
-            <p:txBody>
-              <a:bodyPr spcFirstLastPara="1" wrap="square" lIns="91425" tIns="45700" rIns="91425" bIns="45700" anchor="ctr" anchorCtr="0">
-                <a:noAutofit/>
-              </a:bodyPr>
-              <a:lstStyle/>
-              <a:p>
-                <a:pPr marL="0" marR="0" lvl="0" indent="0" algn="ctr" rtl="0">
-                  <a:spcBef>
-                    <a:spcPts val="0"/>
-                  </a:spcBef>
-                  <a:spcAft>
-                    <a:spcPts val="0"/>
-                  </a:spcAft>
-                  <a:buNone/>
-                </a:pPr>
-                <a:endParaRPr sz="1400" dirty="0">
-                  <a:solidFill>
-                    <a:schemeClr val="lt1"/>
-                  </a:solidFill>
-                  <a:latin typeface="Century Gothic"/>
-                  <a:ea typeface="Century Gothic"/>
-                  <a:cs typeface="Century Gothic"/>
-                  <a:sym typeface="Century Gothic"/>
-                </a:endParaRPr>
-              </a:p>
-            </p:txBody>
-          </p:sp>
-          <p:sp>
-            <p:nvSpPr>
-              <p:cNvPr id="106" name="Google Shape;106;p14"/>
-              <p:cNvSpPr/>
-              <p:nvPr/>
-            </p:nvSpPr>
-            <p:spPr>
-              <a:xfrm>
-                <a:off x="-920228" y="7346082"/>
-                <a:ext cx="161925" cy="161925"/>
-              </a:xfrm>
-              <a:prstGeom prst="ellipse">
-                <a:avLst/>
-              </a:prstGeom>
-              <a:solidFill>
-                <a:schemeClr val="accent1"/>
-              </a:solidFill>
-              <a:ln>
-                <a:noFill/>
-              </a:ln>
-            </p:spPr>
-            <p:txBody>
-              <a:bodyPr spcFirstLastPara="1" wrap="square" lIns="91425" tIns="45700" rIns="91425" bIns="45700" anchor="ctr" anchorCtr="0">
-                <a:noAutofit/>
-              </a:bodyPr>
-              <a:lstStyle/>
-              <a:p>
-                <a:pPr marL="0" marR="0" lvl="0" indent="0" algn="ctr" rtl="0">
-                  <a:spcBef>
-                    <a:spcPts val="0"/>
-                  </a:spcBef>
-                  <a:spcAft>
-                    <a:spcPts val="0"/>
-                  </a:spcAft>
-                  <a:buNone/>
-                </a:pPr>
-                <a:endParaRPr sz="1400" dirty="0">
-                  <a:solidFill>
-                    <a:schemeClr val="lt1"/>
-                  </a:solidFill>
-                  <a:latin typeface="Century Gothic"/>
-                  <a:ea typeface="Century Gothic"/>
-                  <a:cs typeface="Century Gothic"/>
-                  <a:sym typeface="Century Gothic"/>
-                </a:endParaRPr>
-              </a:p>
-            </p:txBody>
-          </p:sp>
-        </p:grpSp>
-      </p:grpSp>
-      <p:grpSp>
-        <p:nvGrpSpPr>
-          <p:cNvPr id="107" name="Google Shape;107;p14"/>
-          <p:cNvGrpSpPr/>
-          <p:nvPr/>
-        </p:nvGrpSpPr>
-        <p:grpSpPr>
-          <a:xfrm>
-            <a:off x="7812638" y="-713997"/>
-            <a:ext cx="2539675" cy="2565930"/>
-            <a:chOff x="9124043" y="-2040757"/>
-            <a:chExt cx="5462814" cy="5549784"/>
-          </a:xfrm>
-        </p:grpSpPr>
-        <p:sp>
-          <p:nvSpPr>
-            <p:cNvPr id="108" name="Google Shape;108;p14"/>
-            <p:cNvSpPr/>
-            <p:nvPr/>
-          </p:nvSpPr>
-          <p:spPr>
-            <a:xfrm>
-              <a:off x="9471164" y="-1684282"/>
-              <a:ext cx="4768572" cy="4768572"/>
-            </a:xfrm>
-            <a:prstGeom prst="ellipse">
-              <a:avLst/>
-            </a:prstGeom>
-            <a:solidFill>
-              <a:schemeClr val="accent1"/>
-            </a:solidFill>
-            <a:ln>
-              <a:solidFill>
-                <a:schemeClr val="accent1"/>
-              </a:solidFill>
-            </a:ln>
-          </p:spPr>
-          <p:txBody>
-            <a:bodyPr spcFirstLastPara="1" wrap="square" lIns="91425" tIns="45700" rIns="91425" bIns="45700" anchor="ctr" anchorCtr="0">
-              <a:noAutofit/>
-            </a:bodyPr>
-            <a:lstStyle/>
-            <a:p>
-              <a:pPr marL="0" marR="0" lvl="0" indent="0" algn="ctr" rtl="0">
-                <a:spcBef>
-                  <a:spcPts val="0"/>
-                </a:spcBef>
-                <a:spcAft>
-                  <a:spcPts val="0"/>
-                </a:spcAft>
-                <a:buNone/>
-              </a:pPr>
-              <a:endParaRPr sz="1400" dirty="0">
-                <a:solidFill>
-                  <a:schemeClr val="lt1"/>
-                </a:solidFill>
-                <a:latin typeface="Century Gothic"/>
-                <a:ea typeface="Century Gothic"/>
-                <a:cs typeface="Century Gothic"/>
-                <a:sym typeface="Century Gothic"/>
-              </a:endParaRPr>
-            </a:p>
-          </p:txBody>
-        </p:sp>
-        <p:grpSp>
-          <p:nvGrpSpPr>
-            <p:cNvPr id="109" name="Google Shape;109;p14"/>
-            <p:cNvGrpSpPr/>
-            <p:nvPr/>
-          </p:nvGrpSpPr>
-          <p:grpSpPr>
-            <a:xfrm>
-              <a:off x="9124043" y="-2040757"/>
-              <a:ext cx="5462814" cy="5549784"/>
-              <a:chOff x="9124043" y="-2040757"/>
-              <a:chExt cx="5462814" cy="5549784"/>
-            </a:xfrm>
-          </p:grpSpPr>
-          <p:sp>
-            <p:nvSpPr>
-              <p:cNvPr id="110" name="Google Shape;110;p14"/>
-              <p:cNvSpPr/>
-              <p:nvPr/>
-            </p:nvSpPr>
-            <p:spPr>
-              <a:xfrm>
-                <a:off x="11447915" y="3347102"/>
-                <a:ext cx="161925" cy="161925"/>
-              </a:xfrm>
-              <a:prstGeom prst="ellipse">
-                <a:avLst/>
-              </a:prstGeom>
-              <a:solidFill>
-                <a:schemeClr val="accent1"/>
-              </a:solidFill>
-              <a:ln>
-                <a:solidFill>
-                  <a:schemeClr val="accent1"/>
-                </a:solidFill>
-              </a:ln>
-            </p:spPr>
-            <p:txBody>
-              <a:bodyPr spcFirstLastPara="1" wrap="square" lIns="91425" tIns="45700" rIns="91425" bIns="45700" anchor="ctr" anchorCtr="0">
-                <a:noAutofit/>
-              </a:bodyPr>
-              <a:lstStyle/>
-              <a:p>
-                <a:pPr marL="0" marR="0" lvl="0" indent="0" algn="ctr" rtl="0">
-                  <a:spcBef>
-                    <a:spcPts val="0"/>
-                  </a:spcBef>
-                  <a:spcAft>
-                    <a:spcPts val="0"/>
-                  </a:spcAft>
-                  <a:buNone/>
-                </a:pPr>
-                <a:endParaRPr sz="1400" dirty="0">
-                  <a:solidFill>
-                    <a:schemeClr val="lt1"/>
-                  </a:solidFill>
-                  <a:latin typeface="Century Gothic"/>
-                  <a:ea typeface="Century Gothic"/>
-                  <a:cs typeface="Century Gothic"/>
-                  <a:sym typeface="Century Gothic"/>
-                </a:endParaRPr>
-              </a:p>
-            </p:txBody>
-          </p:sp>
-          <p:sp>
-            <p:nvSpPr>
-              <p:cNvPr id="111" name="Google Shape;111;p14"/>
-              <p:cNvSpPr/>
-              <p:nvPr/>
-            </p:nvSpPr>
-            <p:spPr>
-              <a:xfrm>
-                <a:off x="9124043" y="-2040757"/>
-                <a:ext cx="5462814" cy="5462814"/>
-              </a:xfrm>
-              <a:prstGeom prst="ellipse">
-                <a:avLst/>
-              </a:prstGeom>
-              <a:noFill/>
-              <a:ln w="12700" cap="flat" cmpd="sng">
-                <a:solidFill>
-                  <a:schemeClr val="accent1"/>
-                </a:solidFill>
-                <a:prstDash val="solid"/>
-                <a:miter lim="800000"/>
-                <a:headEnd type="none" w="sm" len="sm"/>
-                <a:tailEnd type="none" w="sm" len="sm"/>
-              </a:ln>
-            </p:spPr>
-            <p:txBody>
-              <a:bodyPr spcFirstLastPara="1" wrap="square" lIns="91425" tIns="45700" rIns="91425" bIns="45700" anchor="ctr" anchorCtr="0">
-                <a:noAutofit/>
-              </a:bodyPr>
-              <a:lstStyle/>
-              <a:p>
-                <a:pPr marL="0" marR="0" lvl="0" indent="0" algn="ctr" rtl="0">
-                  <a:spcBef>
-                    <a:spcPts val="0"/>
-                  </a:spcBef>
-                  <a:spcAft>
-                    <a:spcPts val="0"/>
-                  </a:spcAft>
-                  <a:buNone/>
-                </a:pPr>
-                <a:endParaRPr sz="1400" dirty="0">
-                  <a:solidFill>
-                    <a:schemeClr val="lt1"/>
-                  </a:solidFill>
-                  <a:latin typeface="Century Gothic"/>
-                  <a:ea typeface="Century Gothic"/>
-                  <a:cs typeface="Century Gothic"/>
-                  <a:sym typeface="Century Gothic"/>
-                </a:endParaRPr>
-              </a:p>
-            </p:txBody>
-          </p:sp>
-          <p:sp>
-            <p:nvSpPr>
-              <p:cNvPr id="112" name="Google Shape;112;p14"/>
-              <p:cNvSpPr/>
-              <p:nvPr/>
-            </p:nvSpPr>
-            <p:spPr>
-              <a:xfrm>
-                <a:off x="12552815" y="-2009573"/>
-                <a:ext cx="161925" cy="161925"/>
-              </a:xfrm>
-              <a:prstGeom prst="ellipse">
-                <a:avLst/>
-              </a:prstGeom>
-              <a:solidFill>
-                <a:schemeClr val="accent1"/>
-              </a:solidFill>
-              <a:ln>
-                <a:solidFill>
-                  <a:schemeClr val="accent1"/>
-                </a:solidFill>
-              </a:ln>
-            </p:spPr>
-            <p:txBody>
-              <a:bodyPr spcFirstLastPara="1" wrap="square" lIns="91425" tIns="45700" rIns="91425" bIns="45700" anchor="ctr" anchorCtr="0">
-                <a:noAutofit/>
-              </a:bodyPr>
-              <a:lstStyle/>
-              <a:p>
-                <a:pPr marL="0" marR="0" lvl="0" indent="0" algn="ctr" rtl="0">
-                  <a:spcBef>
-                    <a:spcPts val="0"/>
-                  </a:spcBef>
-                  <a:spcAft>
-                    <a:spcPts val="0"/>
-                  </a:spcAft>
-                  <a:buNone/>
-                </a:pPr>
-                <a:endParaRPr sz="1400" dirty="0">
-                  <a:solidFill>
-                    <a:schemeClr val="lt1"/>
-                  </a:solidFill>
-                  <a:latin typeface="Century Gothic"/>
-                  <a:ea typeface="Century Gothic"/>
-                  <a:cs typeface="Century Gothic"/>
-                  <a:sym typeface="Century Gothic"/>
-                </a:endParaRPr>
-              </a:p>
-            </p:txBody>
-          </p:sp>
-        </p:grpSp>
-      </p:grpSp>
-      <p:sp>
-        <p:nvSpPr>
-          <p:cNvPr id="116" name="Google Shape;116;p14"/>
-          <p:cNvSpPr/>
-          <p:nvPr/>
-        </p:nvSpPr>
-        <p:spPr>
-          <a:xfrm rot="10800000" flipH="1">
-            <a:off x="2139176" y="4760437"/>
-            <a:ext cx="122126" cy="122126"/>
-          </a:xfrm>
-          <a:prstGeom prst="ellipse">
-            <a:avLst/>
-          </a:prstGeom>
-          <a:solidFill>
-            <a:schemeClr val="accent1"/>
-          </a:solidFill>
-          <a:ln>
-            <a:noFill/>
-          </a:ln>
-        </p:spPr>
-        <p:txBody>
-          <a:bodyPr spcFirstLastPara="1" wrap="square" lIns="68575" tIns="34275" rIns="68575" bIns="34275" anchor="ctr" anchorCtr="0">
-            <a:noAutofit/>
-          </a:bodyPr>
-          <a:lstStyle/>
-          <a:p>
-            <a:pPr marL="0" marR="0" lvl="0" indent="0" algn="ctr" rtl="0">
-              <a:spcBef>
-                <a:spcPts val="0"/>
-              </a:spcBef>
-              <a:spcAft>
-                <a:spcPts val="0"/>
-              </a:spcAft>
-              <a:buNone/>
-            </a:pPr>
-            <a:endParaRPr sz="1400" dirty="0">
-              <a:solidFill>
-                <a:schemeClr val="lt1"/>
-              </a:solidFill>
-              <a:latin typeface="Century Gothic"/>
-              <a:ea typeface="Century Gothic"/>
-              <a:cs typeface="Century Gothic"/>
-              <a:sym typeface="Century Gothic"/>
-            </a:endParaRPr>
-          </a:p>
-        </p:txBody>
-      </p:sp>
-      <p:sp>
-        <p:nvSpPr>
-          <p:cNvPr id="117" name="Google Shape;117;p14"/>
-          <p:cNvSpPr txBox="1"/>
-          <p:nvPr/>
-        </p:nvSpPr>
-        <p:spPr>
-          <a:xfrm>
-            <a:off x="0" y="1070355"/>
-            <a:ext cx="9144000" cy="630198"/>
-          </a:xfrm>
-          <a:prstGeom prst="rect">
-            <a:avLst/>
-          </a:prstGeom>
-          <a:noFill/>
-          <a:ln>
-            <a:noFill/>
-          </a:ln>
-        </p:spPr>
-        <p:txBody>
-          <a:bodyPr spcFirstLastPara="1" wrap="square" lIns="68575" tIns="34275" rIns="68575" bIns="34275" anchor="t" anchorCtr="0">
-            <a:noAutofit/>
-          </a:bodyPr>
-          <a:lstStyle/>
-          <a:p>
-            <a:pPr lvl="0" algn="ctr"/>
-            <a:r>
-              <a:rPr lang="fr-FR" sz="2000" dirty="0">
-                <a:solidFill>
-                  <a:srgbClr val="3F3F3F"/>
-                </a:solidFill>
-                <a:latin typeface="Century Gothic"/>
-                <a:ea typeface="Century Gothic"/>
-                <a:cs typeface="Century Gothic"/>
-                <a:sym typeface="Century Gothic"/>
-              </a:rPr>
-              <a:t>UNIVERSITE DE FIANARANTSOA</a:t>
-            </a:r>
-          </a:p>
-          <a:p>
-            <a:pPr lvl="0" algn="ctr"/>
-            <a:r>
-              <a:rPr lang="fr-FR" sz="2000" dirty="0">
-                <a:solidFill>
-                  <a:srgbClr val="3F3F3F"/>
-                </a:solidFill>
-                <a:latin typeface="Century Gothic"/>
-                <a:ea typeface="Century Gothic"/>
-                <a:cs typeface="Century Gothic"/>
-                <a:sym typeface="Century Gothic"/>
-              </a:rPr>
-              <a:t>ECOLE NATIONALE D’INFORMATIQUE</a:t>
-            </a:r>
-            <a:endParaRPr sz="2000" dirty="0">
-              <a:solidFill>
-                <a:srgbClr val="3F3F3F"/>
-              </a:solidFill>
-              <a:latin typeface="Century Gothic"/>
-              <a:ea typeface="Century Gothic"/>
-              <a:cs typeface="Century Gothic"/>
-              <a:sym typeface="Century Gothic"/>
-            </a:endParaRPr>
-          </a:p>
-        </p:txBody>
-      </p:sp>
-      <p:sp>
-        <p:nvSpPr>
-          <p:cNvPr id="118" name="Google Shape;118;p14"/>
-          <p:cNvSpPr txBox="1"/>
-          <p:nvPr/>
-        </p:nvSpPr>
-        <p:spPr>
-          <a:xfrm>
-            <a:off x="5302183" y="4712815"/>
-            <a:ext cx="2642337" cy="339495"/>
-          </a:xfrm>
-          <a:prstGeom prst="rect">
-            <a:avLst/>
-          </a:prstGeom>
-          <a:noFill/>
-          <a:ln>
-            <a:noFill/>
-          </a:ln>
-        </p:spPr>
-        <p:txBody>
-          <a:bodyPr spcFirstLastPara="1" wrap="square" lIns="68575" tIns="34275" rIns="68575" bIns="34275" anchor="t" anchorCtr="0">
-            <a:noAutofit/>
-          </a:bodyPr>
-          <a:lstStyle/>
-          <a:p>
-            <a:pPr marL="0" marR="0" lvl="0" indent="0" algn="ctr" rtl="0">
-              <a:spcBef>
-                <a:spcPts val="0"/>
-              </a:spcBef>
-              <a:spcAft>
-                <a:spcPts val="0"/>
-              </a:spcAft>
-              <a:buNone/>
-            </a:pPr>
-            <a:r>
-              <a:rPr lang="fr-FR" sz="1200" dirty="0">
-                <a:solidFill>
-                  <a:srgbClr val="3F3F3F"/>
-                </a:solidFill>
-                <a:latin typeface="Century Gothic"/>
-                <a:ea typeface="Century Gothic"/>
-                <a:cs typeface="Century Gothic"/>
-                <a:sym typeface="Century Gothic"/>
-              </a:rPr>
-              <a:t>Année-Universitaire : 2022 - 2023</a:t>
-            </a:r>
-            <a:endParaRPr sz="1200" dirty="0">
-              <a:solidFill>
-                <a:srgbClr val="3F3F3F"/>
-              </a:solidFill>
-              <a:latin typeface="Century Gothic"/>
-              <a:ea typeface="Century Gothic"/>
-              <a:cs typeface="Century Gothic"/>
-              <a:sym typeface="Century Gothic"/>
-            </a:endParaRPr>
-          </a:p>
-        </p:txBody>
-      </p:sp>
-      <p:pic>
-        <p:nvPicPr>
-          <p:cNvPr id="3" name="Image 2">
-            <a:extLst>
-              <a:ext uri="{FF2B5EF4-FFF2-40B4-BE49-F238E27FC236}">
-                <a16:creationId xmlns:a16="http://schemas.microsoft.com/office/drawing/2014/main" id="{0F9010B8-57D3-45D2-A470-AE637274856D}"/>
-              </a:ext>
-            </a:extLst>
-          </p:cNvPr>
-          <p:cNvPicPr>
-            <a:picLocks noChangeAspect="1"/>
-          </p:cNvPicPr>
-          <p:nvPr/>
-        </p:nvPicPr>
-        <p:blipFill>
-          <a:blip r:embed="rId3"/>
-          <a:stretch>
-            <a:fillRect/>
-          </a:stretch>
-        </p:blipFill>
-        <p:spPr>
-          <a:xfrm>
-            <a:off x="1073899" y="7809"/>
-            <a:ext cx="824733" cy="968038"/>
-          </a:xfrm>
-          <a:prstGeom prst="rect">
-            <a:avLst/>
-          </a:prstGeom>
-        </p:spPr>
-      </p:pic>
-      <p:pic>
-        <p:nvPicPr>
-          <p:cNvPr id="5" name="Image 4">
-            <a:extLst>
-              <a:ext uri="{FF2B5EF4-FFF2-40B4-BE49-F238E27FC236}">
-                <a16:creationId xmlns:a16="http://schemas.microsoft.com/office/drawing/2014/main" id="{0499C3E2-609F-43C4-A11C-4D4F9B7B7A44}"/>
-              </a:ext>
-            </a:extLst>
-          </p:cNvPr>
-          <p:cNvPicPr>
-            <a:picLocks noChangeAspect="1"/>
-          </p:cNvPicPr>
-          <p:nvPr/>
-        </p:nvPicPr>
-        <p:blipFill>
-          <a:blip r:embed="rId4">
-            <a:extLst>
-              <a:ext uri="{28A0092B-C50C-407E-A947-70E740481C1C}">
-                <a14:useLocalDpi xmlns:a14="http://schemas.microsoft.com/office/drawing/2010/main" val="0"/>
-              </a:ext>
-            </a:extLst>
-          </a:blip>
-          <a:stretch>
-            <a:fillRect/>
-          </a:stretch>
-        </p:blipFill>
-        <p:spPr>
-          <a:xfrm>
-            <a:off x="2060010" y="7809"/>
-            <a:ext cx="965338" cy="965338"/>
-          </a:xfrm>
-          <a:prstGeom prst="rect">
-            <a:avLst/>
-          </a:prstGeom>
-        </p:spPr>
-      </p:pic>
-      <p:pic>
-        <p:nvPicPr>
-          <p:cNvPr id="7" name="Image 6">
-            <a:extLst>
-              <a:ext uri="{FF2B5EF4-FFF2-40B4-BE49-F238E27FC236}">
-                <a16:creationId xmlns:a16="http://schemas.microsoft.com/office/drawing/2014/main" id="{94F6941B-85C0-497A-8FD1-B86C9E16E6DA}"/>
-              </a:ext>
-            </a:extLst>
-          </p:cNvPr>
-          <p:cNvPicPr>
-            <a:picLocks noChangeAspect="1"/>
-          </p:cNvPicPr>
-          <p:nvPr/>
-        </p:nvPicPr>
-        <p:blipFill>
-          <a:blip r:embed="rId5">
-            <a:extLst>
-              <a:ext uri="{28A0092B-C50C-407E-A947-70E740481C1C}">
-                <a14:useLocalDpi xmlns:a14="http://schemas.microsoft.com/office/drawing/2010/main" val="0"/>
-              </a:ext>
-            </a:extLst>
-          </a:blip>
-          <a:stretch>
-            <a:fillRect/>
-          </a:stretch>
-        </p:blipFill>
-        <p:spPr>
-          <a:xfrm>
-            <a:off x="6623351" y="22815"/>
-            <a:ext cx="930112" cy="950332"/>
-          </a:xfrm>
-          <a:prstGeom prst="rect">
-            <a:avLst/>
-          </a:prstGeom>
-        </p:spPr>
-      </p:pic>
-      <p:sp>
-        <p:nvSpPr>
-          <p:cNvPr id="8" name="Rectangle 7">
-            <a:extLst>
-              <a:ext uri="{FF2B5EF4-FFF2-40B4-BE49-F238E27FC236}">
-                <a16:creationId xmlns:a16="http://schemas.microsoft.com/office/drawing/2014/main" id="{311DDF04-64FD-4FC6-8B16-38C2E067A59A}"/>
-              </a:ext>
-            </a:extLst>
-          </p:cNvPr>
-          <p:cNvSpPr/>
-          <p:nvPr/>
-        </p:nvSpPr>
-        <p:spPr>
-          <a:xfrm>
-            <a:off x="2261302" y="1772201"/>
-            <a:ext cx="4430486" cy="45719"/>
-          </a:xfrm>
-          <a:prstGeom prst="rect">
-            <a:avLst/>
-          </a:prstGeom>
-          <a:solidFill>
-            <a:schemeClr val="accent1"/>
-          </a:solidFill>
-          <a:ln>
-            <a:solidFill>
-              <a:schemeClr val="accent1"/>
-            </a:solidFill>
-          </a:ln>
-        </p:spPr>
-        <p:style>
-          <a:lnRef idx="2">
-            <a:schemeClr val="accent1">
-              <a:shade val="50000"/>
-            </a:schemeClr>
-          </a:lnRef>
-          <a:fillRef idx="1">
-            <a:schemeClr val="accent1"/>
-          </a:fillRef>
-          <a:effectRef idx="0">
-            <a:schemeClr val="accent1"/>
-          </a:effectRef>
-          <a:fontRef idx="minor">
-            <a:schemeClr val="lt1"/>
-          </a:fontRef>
-        </p:style>
-        <p:txBody>
-          <a:bodyPr rtlCol="0" anchor="ctr"/>
-          <a:lstStyle/>
-          <a:p>
-            <a:pPr algn="ctr"/>
-            <a:endParaRPr lang="fr-FR" dirty="0"/>
-          </a:p>
-        </p:txBody>
-      </p:sp>
-      <p:sp>
-        <p:nvSpPr>
-          <p:cNvPr id="35" name="Google Shape;118;p14">
-            <a:extLst>
-              <a:ext uri="{FF2B5EF4-FFF2-40B4-BE49-F238E27FC236}">
-                <a16:creationId xmlns:a16="http://schemas.microsoft.com/office/drawing/2014/main" id="{5E0658DA-28F0-4566-928F-44313735B076}"/>
-              </a:ext>
-            </a:extLst>
-          </p:cNvPr>
-          <p:cNvSpPr txBox="1"/>
-          <p:nvPr/>
-        </p:nvSpPr>
-        <p:spPr>
-          <a:xfrm>
-            <a:off x="1898632" y="4281604"/>
-            <a:ext cx="5744813" cy="339495"/>
-          </a:xfrm>
-          <a:prstGeom prst="rect">
-            <a:avLst/>
-          </a:prstGeom>
-          <a:noFill/>
-          <a:ln>
-            <a:noFill/>
-          </a:ln>
-        </p:spPr>
-        <p:txBody>
-          <a:bodyPr spcFirstLastPara="1" wrap="square" lIns="68575" tIns="34275" rIns="68575" bIns="34275" anchor="t" anchorCtr="0">
-            <a:noAutofit/>
-          </a:bodyPr>
-          <a:lstStyle/>
-          <a:p>
-            <a:pPr marL="0" marR="0" lvl="0" indent="0" algn="ctr" rtl="0">
-              <a:spcBef>
-                <a:spcPts val="0"/>
-              </a:spcBef>
-              <a:spcAft>
-                <a:spcPts val="0"/>
-              </a:spcAft>
-              <a:buNone/>
-            </a:pPr>
-            <a:r>
-              <a:rPr lang="fr-FR" sz="1600" dirty="0">
-                <a:solidFill>
-                  <a:srgbClr val="3F3F3F"/>
-                </a:solidFill>
-                <a:latin typeface="Century Gothic"/>
-                <a:ea typeface="Century Gothic"/>
-                <a:cs typeface="Century Gothic"/>
-                <a:sym typeface="Century Gothic"/>
-              </a:rPr>
-              <a:t>Présenté par </a:t>
-            </a:r>
-            <a:r>
-              <a:rPr lang="fr-FR" sz="1600" b="1" dirty="0" smtClean="0">
-                <a:solidFill>
-                  <a:srgbClr val="3F3F3F"/>
-                </a:solidFill>
-                <a:latin typeface="Century Gothic"/>
-                <a:ea typeface="Century Gothic"/>
-                <a:cs typeface="Century Gothic"/>
-                <a:sym typeface="Century Gothic"/>
-              </a:rPr>
-              <a:t>RASOLOFONIAINA TSIHEJE Marie </a:t>
-            </a:r>
-            <a:r>
-              <a:rPr lang="fr-FR" sz="1600" b="1" dirty="0" err="1" smtClean="0">
-                <a:solidFill>
-                  <a:srgbClr val="3F3F3F"/>
-                </a:solidFill>
-                <a:latin typeface="Century Gothic"/>
-                <a:ea typeface="Century Gothic"/>
-                <a:cs typeface="Century Gothic"/>
-                <a:sym typeface="Century Gothic"/>
-              </a:rPr>
-              <a:t>Mickaelio</a:t>
-            </a:r>
-            <a:endParaRPr sz="1600" dirty="0">
-              <a:solidFill>
-                <a:srgbClr val="3F3F3F"/>
-              </a:solidFill>
-              <a:latin typeface="Century Gothic"/>
-              <a:ea typeface="Century Gothic"/>
-              <a:cs typeface="Century Gothic"/>
-              <a:sym typeface="Century Gothic"/>
-            </a:endParaRPr>
-          </a:p>
-        </p:txBody>
-      </p:sp>
-      <p:sp>
-        <p:nvSpPr>
-          <p:cNvPr id="27" name="Google Shape;118;p14">
-            <a:extLst>
-              <a:ext uri="{FF2B5EF4-FFF2-40B4-BE49-F238E27FC236}">
-                <a16:creationId xmlns:a16="http://schemas.microsoft.com/office/drawing/2014/main" id="{A1204151-5064-4F89-A3F7-3A86FB49FE74}"/>
-              </a:ext>
-            </a:extLst>
-          </p:cNvPr>
-          <p:cNvSpPr txBox="1"/>
-          <p:nvPr/>
-        </p:nvSpPr>
-        <p:spPr>
-          <a:xfrm>
-            <a:off x="2139175" y="1912967"/>
-            <a:ext cx="4669972" cy="493556"/>
-          </a:xfrm>
-          <a:prstGeom prst="rect">
-            <a:avLst/>
-          </a:prstGeom>
-          <a:noFill/>
-          <a:ln>
-            <a:noFill/>
-          </a:ln>
-        </p:spPr>
-        <p:txBody>
-          <a:bodyPr spcFirstLastPara="1" wrap="square" lIns="68575" tIns="34275" rIns="68575" bIns="34275" anchor="t" anchorCtr="0">
-            <a:noAutofit/>
-          </a:bodyPr>
-          <a:lstStyle/>
-          <a:p>
-            <a:pPr marL="0" marR="0" lvl="0" indent="0" algn="ctr" rtl="0">
-              <a:spcBef>
-                <a:spcPts val="0"/>
-              </a:spcBef>
-              <a:spcAft>
-                <a:spcPts val="0"/>
-              </a:spcAft>
-              <a:buNone/>
-            </a:pPr>
-            <a:r>
-              <a:rPr lang="fr-FR" b="1" dirty="0">
-                <a:solidFill>
-                  <a:srgbClr val="3F3F3F"/>
-                </a:solidFill>
-                <a:latin typeface="Century Gothic"/>
-                <a:ea typeface="Century Gothic"/>
-                <a:cs typeface="Century Gothic"/>
-                <a:sym typeface="Century Gothic"/>
-              </a:rPr>
-              <a:t>Mémoire de fin d’études en vue de l’obtention du diplôme de </a:t>
-            </a:r>
-            <a:r>
-              <a:rPr lang="fr-FR" b="1" dirty="0" smtClean="0">
-                <a:solidFill>
-                  <a:srgbClr val="3F3F3F"/>
-                </a:solidFill>
-                <a:latin typeface="Century Gothic"/>
-                <a:ea typeface="Century Gothic"/>
-                <a:cs typeface="Century Gothic"/>
-                <a:sym typeface="Century Gothic"/>
-              </a:rPr>
-              <a:t>licence Professionnelle </a:t>
-            </a:r>
-            <a:r>
-              <a:rPr lang="fr-FR" b="1" dirty="0">
-                <a:solidFill>
-                  <a:srgbClr val="3F3F3F"/>
-                </a:solidFill>
-                <a:latin typeface="Century Gothic"/>
-                <a:ea typeface="Century Gothic"/>
-                <a:cs typeface="Century Gothic"/>
-                <a:sym typeface="Century Gothic"/>
-              </a:rPr>
-              <a:t>en Informatique</a:t>
-            </a:r>
-            <a:endParaRPr b="1" dirty="0">
-              <a:solidFill>
-                <a:srgbClr val="3F3F3F"/>
-              </a:solidFill>
-              <a:latin typeface="Century Gothic"/>
-              <a:ea typeface="Century Gothic"/>
-              <a:cs typeface="Century Gothic"/>
-              <a:sym typeface="Century Gothic"/>
-            </a:endParaRPr>
-          </a:p>
-        </p:txBody>
-      </p:sp>
-      <p:sp>
-        <p:nvSpPr>
-          <p:cNvPr id="28" name="Google Shape;118;p14">
-            <a:extLst>
-              <a:ext uri="{FF2B5EF4-FFF2-40B4-BE49-F238E27FC236}">
-                <a16:creationId xmlns:a16="http://schemas.microsoft.com/office/drawing/2014/main" id="{C77D7B07-B087-499D-920E-2405CE5423BC}"/>
-              </a:ext>
-            </a:extLst>
-          </p:cNvPr>
-          <p:cNvSpPr txBox="1"/>
-          <p:nvPr/>
-        </p:nvSpPr>
-        <p:spPr>
-          <a:xfrm>
-            <a:off x="3032517" y="2414131"/>
-            <a:ext cx="2642337" cy="676073"/>
-          </a:xfrm>
-          <a:prstGeom prst="rect">
-            <a:avLst/>
-          </a:prstGeom>
-          <a:noFill/>
-          <a:ln>
-            <a:noFill/>
-          </a:ln>
-        </p:spPr>
-        <p:txBody>
-          <a:bodyPr spcFirstLastPara="1" wrap="square" lIns="68575" tIns="34275" rIns="68575" bIns="34275" anchor="t" anchorCtr="0">
-            <a:noAutofit/>
-          </a:bodyPr>
-          <a:lstStyle/>
-          <a:p>
-            <a:pPr marL="0" marR="0" lvl="0" indent="0" algn="ctr" rtl="0">
-              <a:spcBef>
-                <a:spcPts val="0"/>
-              </a:spcBef>
-              <a:spcAft>
-                <a:spcPts val="0"/>
-              </a:spcAft>
-              <a:buNone/>
-            </a:pPr>
-            <a:r>
-              <a:rPr lang="fr-FR" sz="1200" dirty="0">
-                <a:solidFill>
-                  <a:srgbClr val="3F3F3F"/>
-                </a:solidFill>
-                <a:latin typeface="Century Gothic"/>
-                <a:ea typeface="Century Gothic"/>
-                <a:cs typeface="Century Gothic"/>
-                <a:sym typeface="Century Gothic"/>
-              </a:rPr>
-              <a:t>Mention : Informatique</a:t>
-            </a:r>
-          </a:p>
-          <a:p>
-            <a:pPr marL="0" marR="0" lvl="0" indent="0" algn="ctr" rtl="0">
-              <a:spcBef>
-                <a:spcPts val="0"/>
-              </a:spcBef>
-              <a:spcAft>
-                <a:spcPts val="0"/>
-              </a:spcAft>
-              <a:buNone/>
-            </a:pPr>
-            <a:r>
-              <a:rPr lang="fr-FR" sz="1200" dirty="0">
-                <a:solidFill>
-                  <a:srgbClr val="3F3F3F"/>
-                </a:solidFill>
-                <a:latin typeface="Century Gothic"/>
-                <a:ea typeface="Century Gothic"/>
-                <a:cs typeface="Century Gothic"/>
-                <a:sym typeface="Century Gothic"/>
-              </a:rPr>
-              <a:t>Parcours : Informatique Générale</a:t>
-            </a:r>
-          </a:p>
-          <a:p>
-            <a:pPr marL="0" marR="0" lvl="0" indent="0" algn="ctr" rtl="0">
-              <a:spcBef>
-                <a:spcPts val="0"/>
-              </a:spcBef>
-              <a:spcAft>
-                <a:spcPts val="0"/>
-              </a:spcAft>
-              <a:buNone/>
-            </a:pPr>
-            <a:r>
-              <a:rPr lang="fr-FR" sz="1200" dirty="0">
-                <a:solidFill>
-                  <a:srgbClr val="3F3F3F"/>
-                </a:solidFill>
-                <a:latin typeface="Century Gothic"/>
-                <a:ea typeface="Century Gothic"/>
-                <a:cs typeface="Century Gothic"/>
-                <a:sym typeface="Century Gothic"/>
-              </a:rPr>
-              <a:t>Intitulé :</a:t>
-            </a:r>
-            <a:endParaRPr sz="1200" dirty="0">
-              <a:solidFill>
-                <a:srgbClr val="3F3F3F"/>
-              </a:solidFill>
-              <a:latin typeface="Century Gothic"/>
-              <a:ea typeface="Century Gothic"/>
-              <a:cs typeface="Century Gothic"/>
-              <a:sym typeface="Century Gothic"/>
-            </a:endParaRPr>
-          </a:p>
-        </p:txBody>
-      </p:sp>
-    </p:spTree>
-  </p:cSld>
-  <p:clrMapOvr>
-    <a:masterClrMapping/>
-  </p:clrMapOvr>
-  <p:timing>
-    <p:tnLst>
-      <p:par>
-        <p:cTn id="1" dur="indefinite" restart="never" nodeType="tmRoot">
-          <p:childTnLst>
-            <p:seq concurrent="1" nextAc="seek">
-              <p:cTn id="2" dur="indefinite" nodeType="mainSeq">
-                <p:childTnLst>
-                  <p:par>
-                    <p:cTn id="3" fill="hold">
-                      <p:stCondLst>
-                        <p:cond delay="indefinite"/>
-                        <p:cond evt="onBegin" delay="0">
-                          <p:tn val="2"/>
-                        </p:cond>
-                      </p:stCondLst>
-                      <p:childTnLst>
-                        <p:par>
-                          <p:cTn id="4" fill="hold">
-                            <p:stCondLst>
-                              <p:cond delay="0"/>
-                            </p:stCondLst>
-                            <p:childTnLst>
-                              <p:par>
-                                <p:cTn id="5" presetID="8" presetClass="emph" presetSubtype="0" fill="hold" nodeType="withEffect">
-                                  <p:stCondLst>
-                                    <p:cond delay="0"/>
-                                  </p:stCondLst>
-                                  <p:childTnLst>
-                                    <p:animRot by="-21600000">
-                                      <p:cBhvr>
-                                        <p:cTn id="6" dur="4000" fill="hold"/>
-                                        <p:tgtEl>
-                                          <p:spTgt spid="101"/>
-                                        </p:tgtEl>
-                                        <p:attrNameLst>
-                                          <p:attrName>r</p:attrName>
-                                        </p:attrNameLst>
-                                      </p:cBhvr>
-                                    </p:animRot>
-                                  </p:childTnLst>
-                                </p:cTn>
-                              </p:par>
-                              <p:par>
-                                <p:cTn id="7" presetID="8" presetClass="emph" presetSubtype="0" fill="hold" nodeType="withEffect">
-                                  <p:stCondLst>
-                                    <p:cond delay="0"/>
-                                  </p:stCondLst>
-                                  <p:childTnLst>
-                                    <p:animRot by="-21600000">
-                                      <p:cBhvr>
-                                        <p:cTn id="8" dur="10000" fill="hold"/>
-                                        <p:tgtEl>
-                                          <p:spTgt spid="107"/>
-                                        </p:tgtEl>
-                                        <p:attrNameLst>
-                                          <p:attrName>r</p:attrName>
-                                        </p:attrNameLst>
-                                      </p:cBhvr>
-                                    </p:animRot>
-                                  </p:childTnLst>
-                                </p:cTn>
-                              </p:par>
-                              <p:par>
-                                <p:cTn id="9" presetID="23" presetClass="entr" presetSubtype="16" fill="hold" nodeType="withEffect">
-                                  <p:stCondLst>
-                                    <p:cond delay="0"/>
-                                  </p:stCondLst>
-                                  <p:childTnLst>
-                                    <p:set>
-                                      <p:cBhvr>
-                                        <p:cTn id="10" dur="1" fill="hold">
-                                          <p:stCondLst>
-                                            <p:cond delay="0"/>
-                                          </p:stCondLst>
-                                        </p:cTn>
-                                        <p:tgtEl>
-                                          <p:spTgt spid="95"/>
-                                        </p:tgtEl>
-                                        <p:attrNameLst>
-                                          <p:attrName>style.visibility</p:attrName>
-                                        </p:attrNameLst>
-                                      </p:cBhvr>
-                                      <p:to>
-                                        <p:strVal val="visible"/>
-                                      </p:to>
-                                    </p:set>
-                                    <p:anim calcmode="lin" valueType="num">
-                                      <p:cBhvr additive="base">
-                                        <p:cTn id="11" dur="250"/>
-                                        <p:tgtEl>
-                                          <p:spTgt spid="95"/>
-                                        </p:tgtEl>
-                                        <p:attrNameLst>
-                                          <p:attrName>ppt_w</p:attrName>
-                                        </p:attrNameLst>
-                                      </p:cBhvr>
-                                      <p:tavLst>
-                                        <p:tav tm="0">
-                                          <p:val>
-                                            <p:strVal val="0"/>
-                                          </p:val>
-                                        </p:tav>
-                                        <p:tav tm="100000">
-                                          <p:val>
-                                            <p:strVal val="#ppt_w"/>
-                                          </p:val>
-                                        </p:tav>
-                                      </p:tavLst>
-                                    </p:anim>
-                                    <p:anim calcmode="lin" valueType="num">
-                                      <p:cBhvr additive="base">
-                                        <p:cTn id="12" dur="250"/>
-                                        <p:tgtEl>
-                                          <p:spTgt spid="95"/>
-                                        </p:tgtEl>
-                                        <p:attrNameLst>
-                                          <p:attrName>ppt_h</p:attrName>
-                                        </p:attrNameLst>
-                                      </p:cBhvr>
-                                      <p:tavLst>
-                                        <p:tav tm="0">
-                                          <p:val>
-                                            <p:strVal val="0"/>
-                                          </p:val>
-                                        </p:tav>
-                                        <p:tav tm="100000">
-                                          <p:val>
-                                            <p:strVal val="#ppt_h"/>
-                                          </p:val>
-                                        </p:tav>
-                                      </p:tavLst>
-                                    </p:anim>
-                                  </p:childTnLst>
-                                </p:cTn>
-                              </p:par>
-                              <p:par>
-                                <p:cTn id="13" presetID="23" presetClass="entr" presetSubtype="16" fill="hold" nodeType="withEffect">
-                                  <p:stCondLst>
-                                    <p:cond delay="250"/>
-                                  </p:stCondLst>
-                                  <p:childTnLst>
-                                    <p:set>
-                                      <p:cBhvr>
-                                        <p:cTn id="14" dur="1" fill="hold">
-                                          <p:stCondLst>
-                                            <p:cond delay="0"/>
-                                          </p:stCondLst>
-                                        </p:cTn>
-                                        <p:tgtEl>
-                                          <p:spTgt spid="99"/>
-                                        </p:tgtEl>
-                                        <p:attrNameLst>
-                                          <p:attrName>style.visibility</p:attrName>
-                                        </p:attrNameLst>
-                                      </p:cBhvr>
-                                      <p:to>
-                                        <p:strVal val="visible"/>
-                                      </p:to>
-                                    </p:set>
-                                    <p:anim calcmode="lin" valueType="num">
-                                      <p:cBhvr additive="base">
-                                        <p:cTn id="15" dur="250"/>
-                                        <p:tgtEl>
-                                          <p:spTgt spid="99"/>
-                                        </p:tgtEl>
-                                        <p:attrNameLst>
-                                          <p:attrName>ppt_w</p:attrName>
-                                        </p:attrNameLst>
-                                      </p:cBhvr>
-                                      <p:tavLst>
-                                        <p:tav tm="0">
-                                          <p:val>
-                                            <p:strVal val="0"/>
-                                          </p:val>
-                                        </p:tav>
-                                        <p:tav tm="100000">
-                                          <p:val>
-                                            <p:strVal val="#ppt_w"/>
-                                          </p:val>
-                                        </p:tav>
-                                      </p:tavLst>
-                                    </p:anim>
-                                    <p:anim calcmode="lin" valueType="num">
-                                      <p:cBhvr additive="base">
-                                        <p:cTn id="16" dur="250"/>
-                                        <p:tgtEl>
-                                          <p:spTgt spid="99"/>
-                                        </p:tgtEl>
-                                        <p:attrNameLst>
-                                          <p:attrName>ppt_h</p:attrName>
-                                        </p:attrNameLst>
-                                      </p:cBhvr>
-                                      <p:tavLst>
-                                        <p:tav tm="0">
-                                          <p:val>
-                                            <p:strVal val="0"/>
-                                          </p:val>
-                                        </p:tav>
-                                        <p:tav tm="100000">
-                                          <p:val>
-                                            <p:strVal val="#ppt_h"/>
-                                          </p:val>
-                                        </p:tav>
-                                      </p:tavLst>
-                                    </p:anim>
-                                  </p:childTnLst>
-                                </p:cTn>
-                              </p:par>
-                              <p:par>
-                                <p:cTn id="17" presetID="23" presetClass="entr" presetSubtype="16" fill="hold" nodeType="withEffect">
-                                  <p:stCondLst>
-                                    <p:cond delay="0"/>
-                                  </p:stCondLst>
-                                  <p:childTnLst>
-                                    <p:set>
-                                      <p:cBhvr>
-                                        <p:cTn id="18" dur="1" fill="hold">
-                                          <p:stCondLst>
-                                            <p:cond delay="0"/>
-                                          </p:stCondLst>
-                                        </p:cTn>
-                                        <p:tgtEl>
-                                          <p:spTgt spid="116"/>
-                                        </p:tgtEl>
-                                        <p:attrNameLst>
-                                          <p:attrName>style.visibility</p:attrName>
-                                        </p:attrNameLst>
-                                      </p:cBhvr>
-                                      <p:to>
-                                        <p:strVal val="visible"/>
-                                      </p:to>
-                                    </p:set>
-                                    <p:anim calcmode="lin" valueType="num">
-                                      <p:cBhvr additive="base">
-                                        <p:cTn id="19" dur="250"/>
-                                        <p:tgtEl>
-                                          <p:spTgt spid="116"/>
-                                        </p:tgtEl>
-                                        <p:attrNameLst>
-                                          <p:attrName>ppt_w</p:attrName>
-                                        </p:attrNameLst>
-                                      </p:cBhvr>
-                                      <p:tavLst>
-                                        <p:tav tm="0">
-                                          <p:val>
-                                            <p:strVal val="0"/>
-                                          </p:val>
-                                        </p:tav>
-                                        <p:tav tm="100000">
-                                          <p:val>
-                                            <p:strVal val="#ppt_w"/>
-                                          </p:val>
-                                        </p:tav>
-                                      </p:tavLst>
-                                    </p:anim>
-                                    <p:anim calcmode="lin" valueType="num">
-                                      <p:cBhvr additive="base">
-                                        <p:cTn id="20" dur="250"/>
-                                        <p:tgtEl>
-                                          <p:spTgt spid="116"/>
-                                        </p:tgtEl>
-                                        <p:attrNameLst>
-                                          <p:attrName>ppt_h</p:attrName>
-                                        </p:attrNameLst>
-                                      </p:cBhvr>
-                                      <p:tavLst>
-                                        <p:tav tm="0">
-                                          <p:val>
-                                            <p:strVal val="0"/>
-                                          </p:val>
-                                        </p:tav>
-                                        <p:tav tm="100000">
-                                          <p:val>
-                                            <p:strVal val="#ppt_h"/>
-                                          </p:val>
-                                        </p:tav>
-                                      </p:tavLst>
-                                    </p:anim>
-                                  </p:childTnLst>
-                                </p:cTn>
-                              </p:par>
-                              <p:par>
-                                <p:cTn id="21" presetID="23" presetClass="entr" presetSubtype="16" fill="hold" nodeType="withEffect">
-                                  <p:stCondLst>
-                                    <p:cond delay="500"/>
-                                  </p:stCondLst>
-                                  <p:childTnLst>
-                                    <p:set>
-                                      <p:cBhvr>
-                                        <p:cTn id="22" dur="1" fill="hold">
-                                          <p:stCondLst>
-                                            <p:cond delay="0"/>
-                                          </p:stCondLst>
-                                        </p:cTn>
-                                        <p:tgtEl>
-                                          <p:spTgt spid="96"/>
-                                        </p:tgtEl>
-                                        <p:attrNameLst>
-                                          <p:attrName>style.visibility</p:attrName>
-                                        </p:attrNameLst>
-                                      </p:cBhvr>
-                                      <p:to>
-                                        <p:strVal val="visible"/>
-                                      </p:to>
-                                    </p:set>
-                                    <p:anim calcmode="lin" valueType="num">
-                                      <p:cBhvr additive="base">
-                                        <p:cTn id="23" dur="250"/>
-                                        <p:tgtEl>
-                                          <p:spTgt spid="96"/>
-                                        </p:tgtEl>
-                                        <p:attrNameLst>
-                                          <p:attrName>ppt_w</p:attrName>
-                                        </p:attrNameLst>
-                                      </p:cBhvr>
-                                      <p:tavLst>
-                                        <p:tav tm="0">
-                                          <p:val>
-                                            <p:strVal val="0"/>
-                                          </p:val>
-                                        </p:tav>
-                                        <p:tav tm="100000">
-                                          <p:val>
-                                            <p:strVal val="#ppt_w"/>
-                                          </p:val>
-                                        </p:tav>
-                                      </p:tavLst>
-                                    </p:anim>
-                                    <p:anim calcmode="lin" valueType="num">
-                                      <p:cBhvr additive="base">
-                                        <p:cTn id="24" dur="250"/>
-                                        <p:tgtEl>
-                                          <p:spTgt spid="96"/>
-                                        </p:tgtEl>
-                                        <p:attrNameLst>
-                                          <p:attrName>ppt_h</p:attrName>
-                                        </p:attrNameLst>
-                                      </p:cBhvr>
-                                      <p:tavLst>
-                                        <p:tav tm="0">
-                                          <p:val>
-                                            <p:strVal val="0"/>
-                                          </p:val>
-                                        </p:tav>
-                                        <p:tav tm="100000">
-                                          <p:val>
-                                            <p:strVal val="#ppt_h"/>
-                                          </p:val>
-                                        </p:tav>
-                                      </p:tavLst>
-                                    </p:anim>
-                                  </p:childTnLst>
-                                </p:cTn>
-                              </p:par>
-                              <p:par>
-                                <p:cTn id="25" presetID="23" presetClass="entr" presetSubtype="16" fill="hold" nodeType="withEffect">
-                                  <p:stCondLst>
-                                    <p:cond delay="500"/>
-                                  </p:stCondLst>
-                                  <p:childTnLst>
-                                    <p:set>
-                                      <p:cBhvr>
-                                        <p:cTn id="26" dur="1" fill="hold">
-                                          <p:stCondLst>
-                                            <p:cond delay="0"/>
-                                          </p:stCondLst>
-                                        </p:cTn>
-                                        <p:tgtEl>
-                                          <p:spTgt spid="97"/>
-                                        </p:tgtEl>
-                                        <p:attrNameLst>
-                                          <p:attrName>style.visibility</p:attrName>
-                                        </p:attrNameLst>
-                                      </p:cBhvr>
-                                      <p:to>
-                                        <p:strVal val="visible"/>
-                                      </p:to>
-                                    </p:set>
-                                    <p:anim calcmode="lin" valueType="num">
-                                      <p:cBhvr additive="base">
-                                        <p:cTn id="27" dur="250"/>
-                                        <p:tgtEl>
-                                          <p:spTgt spid="97"/>
-                                        </p:tgtEl>
-                                        <p:attrNameLst>
-                                          <p:attrName>ppt_w</p:attrName>
-                                        </p:attrNameLst>
-                                      </p:cBhvr>
-                                      <p:tavLst>
-                                        <p:tav tm="0">
-                                          <p:val>
-                                            <p:strVal val="0"/>
-                                          </p:val>
-                                        </p:tav>
-                                        <p:tav tm="100000">
-                                          <p:val>
-                                            <p:strVal val="#ppt_w"/>
-                                          </p:val>
-                                        </p:tav>
-                                      </p:tavLst>
-                                    </p:anim>
-                                    <p:anim calcmode="lin" valueType="num">
-                                      <p:cBhvr additive="base">
-                                        <p:cTn id="28" dur="250"/>
-                                        <p:tgtEl>
-                                          <p:spTgt spid="97"/>
-                                        </p:tgtEl>
-                                        <p:attrNameLst>
-                                          <p:attrName>ppt_h</p:attrName>
-                                        </p:attrNameLst>
-                                      </p:cBhvr>
-                                      <p:tavLst>
-                                        <p:tav tm="0">
-                                          <p:val>
-                                            <p:strVal val="0"/>
-                                          </p:val>
-                                        </p:tav>
-                                        <p:tav tm="100000">
-                                          <p:val>
-                                            <p:strVal val="#ppt_h"/>
-                                          </p:val>
-                                        </p:tav>
-                                      </p:tavLst>
-                                    </p:anim>
-                                  </p:childTnLst>
-                                </p:cTn>
-                              </p:par>
-                              <p:par>
-                                <p:cTn id="29" presetID="10" presetClass="entr" presetSubtype="0" fill="hold" nodeType="withEffect">
-                                  <p:stCondLst>
-                                    <p:cond delay="500"/>
-                                  </p:stCondLst>
-                                  <p:childTnLst>
-                                    <p:set>
-                                      <p:cBhvr>
-                                        <p:cTn id="30" dur="1" fill="hold">
-                                          <p:stCondLst>
-                                            <p:cond delay="0"/>
-                                          </p:stCondLst>
-                                        </p:cTn>
-                                        <p:tgtEl>
-                                          <p:spTgt spid="98"/>
-                                        </p:tgtEl>
-                                        <p:attrNameLst>
-                                          <p:attrName>style.visibility</p:attrName>
-                                        </p:attrNameLst>
-                                      </p:cBhvr>
-                                      <p:to>
-                                        <p:strVal val="visible"/>
-                                      </p:to>
-                                    </p:set>
-                                    <p:animEffect transition="in" filter="fade">
-                                      <p:cBhvr>
-                                        <p:cTn id="31" dur="500"/>
-                                        <p:tgtEl>
-                                          <p:spTgt spid="98"/>
-                                        </p:tgtEl>
-                                      </p:cBhvr>
-                                    </p:animEffect>
-                                  </p:childTnLst>
-                                </p:cTn>
-                              </p:par>
-                              <p:par>
-                                <p:cTn id="32" presetID="10" presetClass="entr" presetSubtype="0" fill="hold" nodeType="withEffect">
-                                  <p:stCondLst>
-                                    <p:cond delay="500"/>
-                                  </p:stCondLst>
-                                  <p:childTnLst>
-                                    <p:set>
-                                      <p:cBhvr>
-                                        <p:cTn id="33" dur="1" fill="hold">
-                                          <p:stCondLst>
-                                            <p:cond delay="0"/>
-                                          </p:stCondLst>
-                                        </p:cTn>
-                                        <p:tgtEl>
-                                          <p:spTgt spid="117"/>
-                                        </p:tgtEl>
-                                        <p:attrNameLst>
-                                          <p:attrName>style.visibility</p:attrName>
-                                        </p:attrNameLst>
-                                      </p:cBhvr>
-                                      <p:to>
-                                        <p:strVal val="visible"/>
-                                      </p:to>
-                                    </p:set>
-                                    <p:animEffect transition="in" filter="fade">
-                                      <p:cBhvr>
-                                        <p:cTn id="34" dur="500"/>
-                                        <p:tgtEl>
-                                          <p:spTgt spid="117"/>
-                                        </p:tgtEl>
-                                      </p:cBhvr>
-                                    </p:animEffect>
-                                  </p:childTnLst>
-                                </p:cTn>
-                              </p:par>
-                              <p:par>
-                                <p:cTn id="35" presetID="10" presetClass="entr" presetSubtype="0" fill="hold" nodeType="withEffect">
-                                  <p:stCondLst>
-                                    <p:cond delay="500"/>
-                                  </p:stCondLst>
-                                  <p:childTnLst>
-                                    <p:set>
-                                      <p:cBhvr>
-                                        <p:cTn id="36" dur="1" fill="hold">
-                                          <p:stCondLst>
-                                            <p:cond delay="0"/>
-                                          </p:stCondLst>
-                                        </p:cTn>
-                                        <p:tgtEl>
-                                          <p:spTgt spid="118"/>
-                                        </p:tgtEl>
-                                        <p:attrNameLst>
-                                          <p:attrName>style.visibility</p:attrName>
-                                        </p:attrNameLst>
-                                      </p:cBhvr>
-                                      <p:to>
-                                        <p:strVal val="visible"/>
-                                      </p:to>
-                                    </p:set>
-                                    <p:animEffect transition="in" filter="fade">
-                                      <p:cBhvr>
-                                        <p:cTn id="37" dur="500"/>
-                                        <p:tgtEl>
-                                          <p:spTgt spid="118"/>
-                                        </p:tgtEl>
-                                      </p:cBhvr>
-                                    </p:animEffect>
-                                  </p:childTnLst>
-                                </p:cTn>
-                              </p:par>
-                              <p:par>
-                                <p:cTn id="38" presetID="10" presetClass="entr" presetSubtype="0" fill="hold" nodeType="withEffect">
-                                  <p:stCondLst>
-                                    <p:cond delay="500"/>
-                                  </p:stCondLst>
-                                  <p:childTnLst>
-                                    <p:set>
-                                      <p:cBhvr>
-                                        <p:cTn id="39" dur="1" fill="hold">
-                                          <p:stCondLst>
-                                            <p:cond delay="0"/>
-                                          </p:stCondLst>
-                                        </p:cTn>
-                                        <p:tgtEl>
-                                          <p:spTgt spid="35"/>
-                                        </p:tgtEl>
-                                        <p:attrNameLst>
-                                          <p:attrName>style.visibility</p:attrName>
-                                        </p:attrNameLst>
-                                      </p:cBhvr>
-                                      <p:to>
-                                        <p:strVal val="visible"/>
-                                      </p:to>
-                                    </p:set>
-                                    <p:animEffect transition="in" filter="fade">
-                                      <p:cBhvr>
-                                        <p:cTn id="40" dur="500"/>
-                                        <p:tgtEl>
-                                          <p:spTgt spid="35"/>
-                                        </p:tgtEl>
-                                      </p:cBhvr>
-                                    </p:animEffect>
-                                  </p:childTnLst>
-                                </p:cTn>
-                              </p:par>
-                              <p:par>
-                                <p:cTn id="41" presetID="10" presetClass="entr" presetSubtype="0" fill="hold" nodeType="withEffect">
-                                  <p:stCondLst>
-                                    <p:cond delay="500"/>
-                                  </p:stCondLst>
-                                  <p:childTnLst>
-                                    <p:set>
-                                      <p:cBhvr>
-                                        <p:cTn id="42" dur="1" fill="hold">
-                                          <p:stCondLst>
-                                            <p:cond delay="0"/>
-                                          </p:stCondLst>
-                                        </p:cTn>
-                                        <p:tgtEl>
-                                          <p:spTgt spid="27"/>
-                                        </p:tgtEl>
-                                        <p:attrNameLst>
-                                          <p:attrName>style.visibility</p:attrName>
-                                        </p:attrNameLst>
-                                      </p:cBhvr>
-                                      <p:to>
-                                        <p:strVal val="visible"/>
-                                      </p:to>
-                                    </p:set>
-                                    <p:animEffect transition="in" filter="fade">
-                                      <p:cBhvr>
-                                        <p:cTn id="43" dur="500"/>
-                                        <p:tgtEl>
-                                          <p:spTgt spid="27"/>
-                                        </p:tgtEl>
-                                      </p:cBhvr>
-                                    </p:animEffect>
-                                  </p:childTnLst>
-                                </p:cTn>
-                              </p:par>
-                              <p:par>
-                                <p:cTn id="44" presetID="10" presetClass="entr" presetSubtype="0" fill="hold" nodeType="withEffect">
-                                  <p:stCondLst>
-                                    <p:cond delay="500"/>
-                                  </p:stCondLst>
-                                  <p:childTnLst>
-                                    <p:set>
-                                      <p:cBhvr>
-                                        <p:cTn id="45" dur="1" fill="hold">
-                                          <p:stCondLst>
-                                            <p:cond delay="0"/>
-                                          </p:stCondLst>
-                                        </p:cTn>
-                                        <p:tgtEl>
-                                          <p:spTgt spid="28"/>
-                                        </p:tgtEl>
-                                        <p:attrNameLst>
-                                          <p:attrName>style.visibility</p:attrName>
-                                        </p:attrNameLst>
-                                      </p:cBhvr>
-                                      <p:to>
-                                        <p:strVal val="visible"/>
-                                      </p:to>
-                                    </p:set>
-                                    <p:animEffect transition="in" filter="fade">
-                                      <p:cBhvr>
-                                        <p:cTn id="46" dur="500"/>
-                                        <p:tgtEl>
-                                          <p:spTgt spid="28"/>
-                                        </p:tgtEl>
-                                      </p:cBhvr>
-                                    </p:animEffect>
-                                  </p:childTnLst>
-                                </p:cTn>
-                              </p:par>
-                            </p:childTnLst>
-                          </p:cTn>
-                        </p:par>
-                      </p:childTnLst>
-                    </p:cTn>
-                  </p:par>
-                </p:childTnLst>
-              </p:cTn>
-              <p:prevCondLst>
-                <p:cond evt="onPrev" delay="0">
-                  <p:tgtEl>
-                    <p:sldTgt/>
-                  </p:tgtEl>
-                </p:cond>
-              </p:prevCondLst>
-              <p:nextCondLst>
-                <p:cond evt="onNext" delay="0">
-                  <p:tgtEl>
-                    <p:sldTgt/>
-                  </p:tgtEl>
-                </p:cond>
-              </p:nextCondLst>
-            </p:seq>
-          </p:childTnLst>
-        </p:cTn>
-      </p:par>
-    </p:tnLst>
-  </p:timing>
-</p:sld>
-</file>
-
 <file path=ppt/slides/slide3.xml><?xml version="1.0" encoding="utf-8"?>
 <p:sld xmlns:a="http://schemas.openxmlformats.org/drawingml/2006/main" xmlns:r="http://schemas.openxmlformats.org/officeDocument/2006/relationships" xmlns:p="http://schemas.openxmlformats.org/presentationml/2006/main">
   <p:cSld>
@@ -32801,7 +36491,7 @@
         </p:nvGrpSpPr>
         <p:grpSpPr>
           <a:xfrm>
-            <a:off x="996576" y="859801"/>
+            <a:off x="1006980" y="356811"/>
             <a:ext cx="541565" cy="541565"/>
             <a:chOff x="1134941" y="3226120"/>
             <a:chExt cx="722086" cy="722086"/>
@@ -32986,7 +36676,7 @@
         </p:nvSpPr>
         <p:spPr>
           <a:xfrm>
-            <a:off x="1793196" y="914135"/>
+            <a:off x="1803600" y="411145"/>
             <a:ext cx="2887660" cy="561692"/>
           </a:xfrm>
           <a:prstGeom prst="rect">
@@ -33048,7 +36738,7 @@
         </p:nvGrpSpPr>
         <p:grpSpPr>
           <a:xfrm>
-            <a:off x="1020724" y="1851788"/>
+            <a:off x="1006980" y="1256928"/>
             <a:ext cx="541565" cy="541565"/>
             <a:chOff x="1167138" y="3245140"/>
             <a:chExt cx="722086" cy="722086"/>
@@ -33233,7 +36923,7 @@
         </p:nvSpPr>
         <p:spPr>
           <a:xfrm>
-            <a:off x="1793195" y="1891857"/>
+            <a:off x="1779451" y="1296997"/>
             <a:ext cx="4408313" cy="561692"/>
           </a:xfrm>
           <a:prstGeom prst="rect">
@@ -33309,7 +36999,7 @@
         </p:nvGrpSpPr>
         <p:grpSpPr>
           <a:xfrm>
-            <a:off x="1020724" y="2829510"/>
+            <a:off x="1020723" y="3227678"/>
             <a:ext cx="541565" cy="541565"/>
             <a:chOff x="1167138" y="3245140"/>
             <a:chExt cx="722086" cy="722086"/>
@@ -33350,7 +37040,7 @@
                 <a:buNone/>
               </a:pPr>
               <a:r>
-                <a:rPr lang="tr-TR" sz="2400" dirty="0">
+                <a:rPr lang="en-US" sz="2400" dirty="0">
                   <a:solidFill>
                     <a:schemeClr val="accent5">
                       <a:lumMod val="50000"/>
@@ -33361,7 +37051,7 @@
                   <a:cs typeface="Century Gothic"/>
                   <a:sym typeface="Century Gothic"/>
                 </a:rPr>
-                <a:t>3</a:t>
+                <a:t>4</a:t>
               </a:r>
               <a:endParaRPr sz="2400" dirty="0">
                 <a:solidFill>
@@ -33494,7 +37184,7 @@
         </p:nvSpPr>
         <p:spPr>
           <a:xfrm>
-            <a:off x="1793195" y="2869580"/>
+            <a:off x="1793194" y="3267748"/>
             <a:ext cx="3124199" cy="561692"/>
           </a:xfrm>
           <a:prstGeom prst="rect">
@@ -33788,7 +37478,7 @@
         </p:nvGrpSpPr>
         <p:grpSpPr>
           <a:xfrm>
-            <a:off x="1006980" y="3807232"/>
+            <a:off x="1006980" y="4144556"/>
             <a:ext cx="541565" cy="541565"/>
             <a:chOff x="1167138" y="3245140"/>
             <a:chExt cx="722086" cy="722086"/>
@@ -33846,7 +37536,7 @@
                   <a:cs typeface="Century Gothic"/>
                   <a:sym typeface="Century Gothic"/>
                 </a:rPr>
-                <a:t>4</a:t>
+                <a:t>5</a:t>
               </a:r>
               <a:endParaRPr sz="2400" dirty="0">
                 <a:solidFill>
@@ -33997,7 +37687,7 @@
         </p:nvSpPr>
         <p:spPr>
           <a:xfrm>
-            <a:off x="1793194" y="3787105"/>
+            <a:off x="1793194" y="4124429"/>
             <a:ext cx="3124199" cy="561692"/>
           </a:xfrm>
           <a:prstGeom prst="rect">
@@ -34036,6 +37726,253 @@
                 <a:sym typeface="Century Gothic"/>
               </a:rPr>
               <a:t>Démonstration</a:t>
+            </a:r>
+            <a:endParaRPr sz="3200" b="1" dirty="0">
+              <a:solidFill>
+                <a:schemeClr val="accent5">
+                  <a:lumMod val="50000"/>
+                </a:schemeClr>
+              </a:solidFill>
+              <a:latin typeface="Century Gothic"/>
+              <a:ea typeface="Century Gothic"/>
+              <a:cs typeface="Century Gothic"/>
+              <a:sym typeface="Century Gothic"/>
+            </a:endParaRPr>
+          </a:p>
+        </p:txBody>
+      </p:sp>
+      <p:grpSp>
+        <p:nvGrpSpPr>
+          <p:cNvPr id="34" name="Google Shape;140;p15"/>
+          <p:cNvGrpSpPr/>
+          <p:nvPr/>
+        </p:nvGrpSpPr>
+        <p:grpSpPr>
+          <a:xfrm>
+            <a:off x="1020723" y="2224120"/>
+            <a:ext cx="541565" cy="541565"/>
+            <a:chOff x="1167138" y="3245140"/>
+            <a:chExt cx="722086" cy="722086"/>
+          </a:xfrm>
+        </p:grpSpPr>
+        <p:sp>
+          <p:nvSpPr>
+            <p:cNvPr id="35" name="Google Shape;141;p15"/>
+            <p:cNvSpPr txBox="1"/>
+            <p:nvPr/>
+          </p:nvSpPr>
+          <p:spPr>
+            <a:xfrm>
+              <a:off x="1221391" y="3321416"/>
+              <a:ext cx="634921" cy="615553"/>
+            </a:xfrm>
+            <a:prstGeom prst="rect">
+              <a:avLst/>
+            </a:prstGeom>
+            <a:noFill/>
+            <a:ln>
+              <a:noFill/>
+            </a:ln>
+          </p:spPr>
+          <p:txBody>
+            <a:bodyPr spcFirstLastPara="1" wrap="square" lIns="91425" tIns="45700" rIns="91425" bIns="45700" anchor="t" anchorCtr="0">
+              <a:noAutofit/>
+            </a:bodyPr>
+            <a:lstStyle/>
+            <a:p>
+              <a:pPr marL="0" marR="0" lvl="0" indent="0" algn="just" rtl="0">
+                <a:spcBef>
+                  <a:spcPts val="0"/>
+                </a:spcBef>
+                <a:spcAft>
+                  <a:spcPts val="0"/>
+                </a:spcAft>
+                <a:buNone/>
+              </a:pPr>
+              <a:r>
+                <a:rPr lang="tr-TR" sz="2400" dirty="0">
+                  <a:solidFill>
+                    <a:schemeClr val="accent5">
+                      <a:lumMod val="50000"/>
+                    </a:schemeClr>
+                  </a:solidFill>
+                  <a:latin typeface="Century Gothic"/>
+                  <a:ea typeface="Century Gothic"/>
+                  <a:cs typeface="Century Gothic"/>
+                  <a:sym typeface="Century Gothic"/>
+                </a:rPr>
+                <a:t>3</a:t>
+              </a:r>
+              <a:endParaRPr sz="2400" dirty="0">
+                <a:solidFill>
+                  <a:schemeClr val="accent5">
+                    <a:lumMod val="50000"/>
+                  </a:schemeClr>
+                </a:solidFill>
+                <a:latin typeface="Century Gothic"/>
+                <a:ea typeface="Century Gothic"/>
+                <a:cs typeface="Century Gothic"/>
+                <a:sym typeface="Century Gothic"/>
+              </a:endParaRPr>
+            </a:p>
+          </p:txBody>
+        </p:sp>
+        <p:sp>
+          <p:nvSpPr>
+            <p:cNvPr id="36" name="Google Shape;142;p15"/>
+            <p:cNvSpPr/>
+            <p:nvPr/>
+          </p:nvSpPr>
+          <p:spPr>
+            <a:xfrm>
+              <a:off x="1167138" y="3245140"/>
+              <a:ext cx="722086" cy="722086"/>
+            </a:xfrm>
+            <a:prstGeom prst="ellipse">
+              <a:avLst/>
+            </a:prstGeom>
+            <a:noFill/>
+            <a:ln w="12700" cap="flat" cmpd="sng">
+              <a:solidFill>
+                <a:schemeClr val="accent5">
+                  <a:lumMod val="50000"/>
+                </a:schemeClr>
+              </a:solidFill>
+              <a:prstDash val="solid"/>
+              <a:miter lim="800000"/>
+              <a:headEnd type="none" w="sm" len="sm"/>
+              <a:tailEnd type="none" w="sm" len="sm"/>
+            </a:ln>
+          </p:spPr>
+          <p:txBody>
+            <a:bodyPr spcFirstLastPara="1" wrap="square" lIns="91425" tIns="45700" rIns="91425" bIns="45700" anchor="ctr" anchorCtr="0">
+              <a:noAutofit/>
+            </a:bodyPr>
+            <a:lstStyle/>
+            <a:p>
+              <a:pPr marL="0" marR="0" lvl="0" indent="0" algn="ctr" rtl="0">
+                <a:spcBef>
+                  <a:spcPts val="0"/>
+                </a:spcBef>
+                <a:spcAft>
+                  <a:spcPts val="0"/>
+                </a:spcAft>
+                <a:buNone/>
+              </a:pPr>
+              <a:endParaRPr sz="1400">
+                <a:solidFill>
+                  <a:schemeClr val="lt1"/>
+                </a:solidFill>
+                <a:latin typeface="Century Gothic"/>
+                <a:ea typeface="Century Gothic"/>
+                <a:cs typeface="Century Gothic"/>
+                <a:sym typeface="Century Gothic"/>
+              </a:endParaRPr>
+            </a:p>
+          </p:txBody>
+        </p:sp>
+        <p:sp>
+          <p:nvSpPr>
+            <p:cNvPr id="37" name="Google Shape;143;p15"/>
+            <p:cNvSpPr/>
+            <p:nvPr/>
+          </p:nvSpPr>
+          <p:spPr>
+            <a:xfrm rot="10800000" flipH="1">
+              <a:off x="1733817" y="3786552"/>
+              <a:ext cx="137081" cy="142907"/>
+            </a:xfrm>
+            <a:prstGeom prst="ellipse">
+              <a:avLst/>
+            </a:prstGeom>
+            <a:solidFill>
+              <a:schemeClr val="accent5">
+                <a:lumMod val="50000"/>
+              </a:schemeClr>
+            </a:solidFill>
+            <a:ln>
+              <a:solidFill>
+                <a:schemeClr val="accent5">
+                  <a:lumMod val="50000"/>
+                </a:schemeClr>
+              </a:solidFill>
+            </a:ln>
+          </p:spPr>
+          <p:txBody>
+            <a:bodyPr spcFirstLastPara="1" wrap="square" lIns="91425" tIns="45700" rIns="91425" bIns="45700" anchor="ctr" anchorCtr="0">
+              <a:noAutofit/>
+            </a:bodyPr>
+            <a:lstStyle/>
+            <a:p>
+              <a:pPr marL="0" marR="0" lvl="0" indent="0" algn="ctr" rtl="0">
+                <a:spcBef>
+                  <a:spcPts val="0"/>
+                </a:spcBef>
+                <a:spcAft>
+                  <a:spcPts val="0"/>
+                </a:spcAft>
+                <a:buNone/>
+              </a:pPr>
+              <a:endParaRPr sz="1400">
+                <a:solidFill>
+                  <a:schemeClr val="lt1"/>
+                </a:solidFill>
+                <a:latin typeface="Century Gothic"/>
+                <a:ea typeface="Century Gothic"/>
+                <a:cs typeface="Century Gothic"/>
+                <a:sym typeface="Century Gothic"/>
+              </a:endParaRPr>
+            </a:p>
+          </p:txBody>
+        </p:sp>
+      </p:grpSp>
+      <p:sp>
+        <p:nvSpPr>
+          <p:cNvPr id="38" name="Google Shape;144;p15"/>
+          <p:cNvSpPr txBox="1"/>
+          <p:nvPr/>
+        </p:nvSpPr>
+        <p:spPr>
+          <a:xfrm>
+            <a:off x="1793194" y="2264190"/>
+            <a:ext cx="3124199" cy="561692"/>
+          </a:xfrm>
+          <a:prstGeom prst="rect">
+            <a:avLst/>
+          </a:prstGeom>
+          <a:noFill/>
+          <a:ln>
+            <a:noFill/>
+          </a:ln>
+        </p:spPr>
+        <p:txBody>
+          <a:bodyPr spcFirstLastPara="1" wrap="square" lIns="68575" tIns="34275" rIns="68575" bIns="34275" anchor="t" anchorCtr="0">
+            <a:noAutofit/>
+          </a:bodyPr>
+          <a:lstStyle/>
+          <a:p>
+            <a:pPr marL="0" marR="0" lvl="0" indent="0" algn="l" rtl="0">
+              <a:spcBef>
+                <a:spcPts val="0"/>
+              </a:spcBef>
+              <a:spcAft>
+                <a:spcPts val="0"/>
+              </a:spcAft>
+              <a:buNone/>
+            </a:pPr>
+            <a:r>
+              <a:rPr lang="fr-FR" sz="3200" b="1" dirty="0" smtClean="0">
+                <a:solidFill>
+                  <a:schemeClr val="accent5">
+                    <a:lumMod val="50000"/>
+                  </a:schemeClr>
+                </a:solidFill>
+                <a:latin typeface="Century Gothic"/>
+                <a:ea typeface="Century Gothic"/>
+                <a:cs typeface="Century Gothic"/>
+                <a:sym typeface="Century Gothic"/>
+              </a:rPr>
+              <a:t>Conception</a:t>
             </a:r>
             <a:endParaRPr sz="3200" b="1" dirty="0">
               <a:solidFill>
@@ -34357,7 +38294,7 @@
                                           </p:stCondLst>
                                         </p:cTn>
                                         <p:tgtEl>
-                                          <p:spTgt spid="140"/>
+                                          <p:spTgt spid="34"/>
                                         </p:tgtEl>
                                         <p:attrNameLst>
                                           <p:attrName>style.visibility</p:attrName>
@@ -34371,7 +38308,7 @@
                                       <p:cBhvr additive="base">
                                         <p:cTn id="29" dur="500"/>
                                         <p:tgtEl>
-                                          <p:spTgt spid="140"/>
+                                          <p:spTgt spid="34"/>
                                         </p:tgtEl>
                                         <p:attrNameLst>
                                           <p:attrName>ppt_x</p:attrName>
@@ -34407,7 +38344,7 @@
                                           </p:stCondLst>
                                         </p:cTn>
                                         <p:tgtEl>
-                                          <p:spTgt spid="144"/>
+                                          <p:spTgt spid="38"/>
                                         </p:tgtEl>
                                         <p:attrNameLst>
                                           <p:attrName>style.visibility</p:attrName>
@@ -34421,7 +38358,7 @@
                                       <p:cBhvr>
                                         <p:cTn id="32" dur="500"/>
                                         <p:tgtEl>
-                                          <p:spTgt spid="144"/>
+                                          <p:spTgt spid="38"/>
                                         </p:tgtEl>
                                       </p:cBhvr>
                                     </p:animEffect>
@@ -34460,7 +38397,7 @@
                                           </p:stCondLst>
                                         </p:cTn>
                                         <p:tgtEl>
-                                          <p:spTgt spid="2"/>
+                                          <p:spTgt spid="140"/>
                                         </p:tgtEl>
                                         <p:attrNameLst>
                                           <p:attrName>style.visibility</p:attrName>
@@ -34474,7 +38411,7 @@
                                       <p:cBhvr additive="base">
                                         <p:cTn id="37" dur="500"/>
                                         <p:tgtEl>
-                                          <p:spTgt spid="2"/>
+                                          <p:spTgt spid="140"/>
                                         </p:tgtEl>
                                         <p:attrNameLst>
                                           <p:attrName>ppt_x</p:attrName>
@@ -34510,6 +38447,109 @@
                                           </p:stCondLst>
                                         </p:cTn>
                                         <p:tgtEl>
+                                          <p:spTgt spid="144"/>
+                                        </p:tgtEl>
+                                        <p:attrNameLst>
+                                          <p:attrName>style.visibility</p:attrName>
+                                        </p:attrNameLst>
+                                      </p:cBhvr>
+                                      <p:to>
+                                        <p:strVal val="visible"/>
+                                      </p:to>
+                                    </p:set>
+                                    <p:animEffect transition="in" filter="fade">
+                                      <p:cBhvr>
+                                        <p:cTn id="40" dur="500"/>
+                                        <p:tgtEl>
+                                          <p:spTgt spid="144"/>
+                                        </p:tgtEl>
+                                      </p:cBhvr>
+                                    </p:animEffect>
+                                  </p:childTnLst>
+                                </p:cTn>
+                              </p:par>
+                            </p:childTnLst>
+                          </p:cTn>
+                        </p:par>
+                      </p:childTnLst>
+                    </p:cTn>
+                  </p:par>
+                  <p:par>
+                    <p:cTn id="41" fill="hold">
+                      <p:stCondLst>
+                        <p:cond delay="indefinite"/>
+                      </p:stCondLst>
+                      <p:childTnLst>
+                        <p:par>
+                          <p:cTn id="42" fill="hold">
+                            <p:stCondLst>
+                              <p:cond delay="0"/>
+                            </p:stCondLst>
+                            <p:childTnLst>
+                              <p:par>
+                                <p:cTn id="43" presetID="2" presetClass="entr" presetSubtype="8" fill="hold" nodeType="clickEffect">
+                                  <p:stCondLst>
+                                    <p:cond delay="0"/>
+                                  </p:stCondLst>
+                                  <p:childTnLst>
+                                    <p:set>
+                                      <p:cBhvr>
+                                        <p:cTn id="44" dur="1" fill="hold">
+                                          <p:stCondLst>
+                                            <p:cond delay="0"/>
+                                          </p:stCondLst>
+                                        </p:cTn>
+                                        <p:tgtEl>
+                                          <p:spTgt spid="2"/>
+                                        </p:tgtEl>
+                                        <p:attrNameLst>
+                                          <p:attrName>style.visibility</p:attrName>
+                                        </p:attrNameLst>
+                                      </p:cBhvr>
+                                      <p:to>
+                                        <p:strVal val="visible"/>
+                                      </p:to>
+                                    </p:set>
+                                    <p:anim calcmode="lin" valueType="num">
+                                      <p:cBhvr additive="base">
+                                        <p:cTn id="45" dur="500"/>
+                                        <p:tgtEl>
+                                          <p:spTgt spid="2"/>
+                                        </p:tgtEl>
+                                        <p:attrNameLst>
+                                          <p:attrName>ppt_x</p:attrName>
+                                        </p:attrNameLst>
+                                      </p:cBhvr>
+                                      <p:tavLst>
+                                        <p:tav tm="0">
+                                          <p:val>
+                                            <p:strVal val="#ppt_x-1"/>
+                                          </p:val>
+                                        </p:tav>
+                                        <p:tav tm="100000">
+                                          <p:val>
+                                            <p:strVal val="#ppt_x"/>
+                                          </p:val>
+                                        </p:tav>
+                                      </p:tavLst>
+                                    </p:anim>
+                                  </p:childTnLst>
+                                </p:cTn>
+                              </p:par>
+                              <p:par>
+                                <p:cTn id="46" presetID="10" presetClass="entr" presetSubtype="0" fill="hold" nodeType="withEffect">
+                                  <p:stCondLst>
+                                    <p:cond delay="0"/>
+                                  </p:stCondLst>
+                                  <p:childTnLst>
+                                    <p:set>
+                                      <p:cBhvr>
+                                        <p:cTn id="47" dur="1" fill="hold">
+                                          <p:stCondLst>
+                                            <p:cond delay="0"/>
+                                          </p:stCondLst>
+                                        </p:cTn>
+                                        <p:tgtEl>
                                           <p:spTgt spid="6"/>
                                         </p:tgtEl>
                                         <p:attrNameLst>
@@ -34522,7 +38562,7 @@
                                     </p:set>
                                     <p:animEffect transition="in" filter="fade">
                                       <p:cBhvr>
-                                        <p:cTn id="40" dur="500"/>
+                                        <p:cTn id="48" dur="500"/>
                                         <p:tgtEl>
                                           <p:spTgt spid="6"/>
                                         </p:tgtEl>
@@ -35350,8 +39390,8 @@
         </p:nvSpPr>
         <p:spPr>
           <a:xfrm>
-            <a:off x="3070789" y="2316105"/>
-            <a:ext cx="5979426" cy="889172"/>
+            <a:off x="2948477" y="2316104"/>
+            <a:ext cx="6313323" cy="889172"/>
           </a:xfrm>
           <a:prstGeom prst="rect">
             <a:avLst/>
@@ -35429,7 +39469,7 @@
                 <a:cs typeface="Century Gothic"/>
                 <a:sym typeface="Century Gothic"/>
               </a:rPr>
-              <a:t>LA FACULTE DE SCIENCE FIANARANTSOA</a:t>
+              <a:t>LA FACULTE DES SCIENCES FIANARANTSOA</a:t>
             </a:r>
             <a:endParaRPr lang="fr-FR" sz="1600" dirty="0">
               <a:solidFill>
@@ -36894,7 +40934,7 @@
               </a:lnSpc>
             </a:pPr>
             <a:r>
-              <a:rPr lang="fr-FR" sz="1200" dirty="0">
+              <a:rPr lang="fr-FR" sz="1200" dirty="0" smtClean="0">
                 <a:latin typeface="Century Gothic" panose="020B0502020202020204" pitchFamily="34" charset="0"/>
                 <a:cs typeface="Times New Roman" panose="02020603050405020304" pitchFamily="18" charset="0"/>
               </a:rPr>
@@ -37468,7 +41508,7 @@
                 <a:cs typeface="Century Gothic"/>
                 <a:sym typeface="Century Gothic"/>
               </a:rPr>
-              <a:t>LA FACULTE DE SCIENCE</a:t>
+              <a:t>LA FACULTE DES SCIENCES</a:t>
             </a:r>
             <a:endParaRPr sz="1800" b="1" dirty="0">
               <a:solidFill>
@@ -37530,7 +41570,7 @@
                 <a:cs typeface="Century Gothic"/>
                 <a:sym typeface="Century Gothic"/>
               </a:rPr>
-              <a:t>FACULTE DE SCIENCE</a:t>
+              <a:t>FACULTE DES SCIENCES</a:t>
             </a:r>
             <a:endParaRPr sz="1500" b="1" dirty="0">
               <a:solidFill>
@@ -37927,15 +41967,7 @@
           </a:bodyPr>
           <a:lstStyle/>
           <a:p>
-            <a:pPr marL="0" marR="0" lvl="0" indent="0" algn="just" rtl="0">
-              <a:spcBef>
-                <a:spcPts val="0"/>
-              </a:spcBef>
-              <a:spcAft>
-                <a:spcPts val="0"/>
-              </a:spcAft>
-              <a:buNone/>
-            </a:pPr>
+            <a:pPr lvl="0" algn="just"/>
             <a:r>
               <a:rPr lang="fr-FR" sz="1500" b="1" dirty="0">
                 <a:solidFill>
@@ -37948,7 +41980,7 @@
                 <a:cs typeface="Century Gothic"/>
                 <a:sym typeface="Century Gothic"/>
               </a:rPr>
-              <a:t>PRESTATIONS</a:t>
+              <a:t>Missions</a:t>
             </a:r>
             <a:endParaRPr sz="1500" b="1" dirty="0">
               <a:solidFill>
@@ -38162,14 +42194,16 @@
               </a:lnSpc>
             </a:pPr>
             <a:r>
-              <a:rPr lang="fr-FR" sz="1200" dirty="0"/>
-              <a:t>La Faculté des Sciences est un établissement public de l'Université de Fianarantsoa. Des formations de recherches et professionnelles y sont établies. Celles-ci sont distinguées dans plusieurs mentions et parcours</a:t>
+              <a:rPr lang="fr-FR" sz="1200" dirty="0">
+                <a:latin typeface="Century Gothic" panose="020B0502020202020204" pitchFamily="34" charset="0"/>
+              </a:rPr>
+              <a:t>La Faculté des Sciences est un département public au sein de l'Université de Fianarantsoa, offrant une gamme de formations à la fois orientées vers la recherche et professionnelles. Ces programmes se déclinent en diverses mentions et parcours spécialisés.</a:t>
             </a:r>
             <a:endParaRPr lang="pt-BR" sz="1200" dirty="0">
               <a:solidFill>
                 <a:srgbClr val="595959"/>
               </a:solidFill>
-              <a:latin typeface="Century Gothic"/>
+              <a:latin typeface="Century Gothic" panose="020B0502020202020204" pitchFamily="34" charset="0"/>
               <a:ea typeface="Century Gothic"/>
               <a:cs typeface="Century Gothic"/>
               <a:sym typeface="Century Gothic"/>
